--- a/Documents/Final_v1.pptx
+++ b/Documents/Final_v1.pptx
@@ -2332,14 +2332,7 @@
                 <a:latin typeface="굴림" panose="020B0600000101010101" pitchFamily="50" charset="-127"/>
                 <a:ea typeface="굴림" panose="020B0600000101010101" pitchFamily="50" charset="-127"/>
               </a:rPr>
-              <a:t>2017. 6.20 </a:t>
-            </a:r>
-            <a:r>
-              <a:rPr lang="en-US" altLang="ko-KR" spc="0" dirty="0" smtClean="0">
-                <a:latin typeface="굴림" panose="020B0600000101010101" pitchFamily="50" charset="-127"/>
-                <a:ea typeface="굴림" panose="020B0600000101010101" pitchFamily="50" charset="-127"/>
-              </a:rPr>
-              <a:t>SE </a:t>
+              <a:t>2017. 6.20 SE </a:t>
             </a:r>
             <a:r>
               <a:rPr lang="ko-KR" altLang="en-US" spc="0" dirty="0" err="1" smtClean="0">
@@ -2798,13 +2791,13 @@
   <p:clrMapOvr>
     <a:masterClrMapping/>
   </p:clrMapOvr>
-  <mc:AlternateContent xmlns:mc="http://schemas.openxmlformats.org/markup-compatibility/2006">
-    <mc:Choice xmlns:p14="http://schemas.microsoft.com/office/powerpoint/2010/main" Requires="p14">
+  <mc:AlternateContent xmlns:mc="http://schemas.openxmlformats.org/markup-compatibility/2006" xmlns:p14="http://schemas.microsoft.com/office/powerpoint/2010/main">
+    <mc:Choice Requires="p14">
       <p:transition spd="slow" p14:dur="3400">
         <p14:reveal/>
       </p:transition>
     </mc:Choice>
-    <mc:Fallback>
+    <mc:Fallback xmlns="">
       <p:transition spd="slow">
         <p:fade/>
       </p:transition>
@@ -2839,6 +2832,1787 @@
       </p:grpSpPr>
       <p:sp>
         <p:nvSpPr>
+          <p:cNvPr id="6" name="텍스트 개체 틀 5"/>
+          <p:cNvSpPr>
+            <a:spLocks noGrp="1"/>
+          </p:cNvSpPr>
+          <p:nvPr>
+            <p:ph type="body" sz="quarter" idx="11"/>
+          </p:nvPr>
+        </p:nvSpPr>
+        <p:spPr>
+          <a:xfrm>
+            <a:off x="136800" y="3690000"/>
+            <a:ext cx="1620000" cy="2412000"/>
+          </a:xfrm>
+        </p:spPr>
+        <p:txBody>
+          <a:bodyPr/>
+          <a:lstStyle/>
+          <a:p>
+            <a:r>
+              <a:rPr lang="en-US" altLang="ko-KR" sz="8800" spc="0" dirty="0" smtClean="0">
+                <a:solidFill>
+                  <a:srgbClr val="E1E2E3"/>
+                </a:solidFill>
+              </a:rPr>
+              <a:t>2-4</a:t>
+            </a:r>
+            <a:endParaRPr lang="ko-KR" altLang="en-US" sz="8800" spc="0" dirty="0">
+              <a:solidFill>
+                <a:srgbClr val="E1E2E3"/>
+              </a:solidFill>
+            </a:endParaRPr>
+          </a:p>
+        </p:txBody>
+      </p:sp>
+      <p:sp>
+        <p:nvSpPr>
+          <p:cNvPr id="13" name="텍스트 개체 틀 7"/>
+          <p:cNvSpPr txBox="1">
+            <a:spLocks/>
+          </p:cNvSpPr>
+          <p:nvPr/>
+        </p:nvSpPr>
+        <p:spPr>
+          <a:xfrm>
+            <a:off x="4320000" y="5873434"/>
+            <a:ext cx="5760000" cy="540000"/>
+          </a:xfrm>
+          <a:prstGeom prst="rect">
+            <a:avLst/>
+          </a:prstGeom>
+        </p:spPr>
+        <p:txBody>
+          <a:bodyPr lIns="0" tIns="0" rIns="0" bIns="0"/>
+          <a:lstStyle/>
+          <a:p>
+            <a:pPr lvl="0">
+              <a:lnSpc>
+                <a:spcPts val="2400"/>
+              </a:lnSpc>
+            </a:pPr>
+            <a:r>
+              <a:rPr lang="ko-KR" altLang="en-US" dirty="0" smtClean="0">
+                <a:solidFill>
+                  <a:srgbClr val="00AAAE"/>
+                </a:solidFill>
+                <a:latin typeface="나눔명조" pitchFamily="18" charset="-127"/>
+                <a:ea typeface="나눔명조" pitchFamily="18" charset="-127"/>
+              </a:rPr>
+              <a:t>프로모션 지표</a:t>
+            </a:r>
+            <a:endParaRPr kumimoji="0" lang="ko-KR" altLang="en-US" sz="2100" b="0" i="0" u="none" strike="noStrike" kern="1200" cap="none" spc="0" normalizeH="0" baseline="0" noProof="0" dirty="0">
+              <a:ln>
+                <a:noFill/>
+              </a:ln>
+              <a:solidFill>
+                <a:srgbClr val="00AAAE"/>
+              </a:solidFill>
+              <a:effectLst/>
+              <a:uLnTx/>
+              <a:uFillTx/>
+              <a:latin typeface="나눔명조" pitchFamily="18" charset="-127"/>
+              <a:ea typeface="나눔명조" pitchFamily="18" charset="-127"/>
+              <a:cs typeface="+mn-cs"/>
+            </a:endParaRPr>
+          </a:p>
+        </p:txBody>
+      </p:sp>
+      <p:sp>
+        <p:nvSpPr>
+          <p:cNvPr id="14" name="텍스트 개체 틀 9"/>
+          <p:cNvSpPr txBox="1">
+            <a:spLocks/>
+          </p:cNvSpPr>
+          <p:nvPr/>
+        </p:nvSpPr>
+        <p:spPr>
+          <a:xfrm>
+            <a:off x="4362866" y="6286384"/>
+            <a:ext cx="5940000" cy="1019291"/>
+          </a:xfrm>
+          <a:prstGeom prst="rect">
+            <a:avLst/>
+          </a:prstGeom>
+        </p:spPr>
+        <p:txBody>
+          <a:bodyPr lIns="0" tIns="0" rIns="0" bIns="0"/>
+          <a:lstStyle/>
+          <a:p>
+            <a:pPr lvl="0">
+              <a:lnSpc>
+                <a:spcPts val="1600"/>
+              </a:lnSpc>
+            </a:pPr>
+            <a:r>
+              <a:rPr lang="ko-KR" altLang="en-US" sz="1200" dirty="0" smtClean="0">
+                <a:solidFill>
+                  <a:srgbClr val="745EA8"/>
+                </a:solidFill>
+                <a:latin typeface="나눔고딕" pitchFamily="50" charset="-127"/>
+                <a:ea typeface="나눔고딕" pitchFamily="50" charset="-127"/>
+              </a:rPr>
+              <a:t>이벤트 지표</a:t>
+            </a:r>
+            <a:r>
+              <a:rPr lang="en-US" altLang="ko-KR" sz="1200" dirty="0" smtClean="0">
+                <a:solidFill>
+                  <a:srgbClr val="745EA8"/>
+                </a:solidFill>
+                <a:latin typeface="나눔고딕" pitchFamily="50" charset="-127"/>
+                <a:ea typeface="나눔고딕" pitchFamily="50" charset="-127"/>
+              </a:rPr>
+              <a:t>.</a:t>
+            </a:r>
+          </a:p>
+          <a:p>
+            <a:pPr lvl="0">
+              <a:lnSpc>
+                <a:spcPts val="1600"/>
+              </a:lnSpc>
+            </a:pPr>
+            <a:r>
+              <a:rPr lang="en-US" altLang="ko-KR" sz="1200" dirty="0" smtClean="0">
+                <a:solidFill>
+                  <a:srgbClr val="745EA8"/>
+                </a:solidFill>
+                <a:latin typeface="나눔고딕" pitchFamily="50" charset="-127"/>
+                <a:ea typeface="나눔고딕" pitchFamily="50" charset="-127"/>
+              </a:rPr>
+              <a:t>○ </a:t>
+            </a:r>
+            <a:r>
+              <a:rPr lang="ko-KR" altLang="en-US" sz="1200" dirty="0" smtClean="0">
+                <a:solidFill>
+                  <a:srgbClr val="745EA8"/>
+                </a:solidFill>
+                <a:latin typeface="나눔고딕" pitchFamily="50" charset="-127"/>
+                <a:ea typeface="나눔고딕" pitchFamily="50" charset="-127"/>
+              </a:rPr>
+              <a:t>소재와 연계하여 이벤트 </a:t>
+            </a:r>
+            <a:r>
+              <a:rPr lang="en-US" altLang="ko-KR" sz="1200" dirty="0" smtClean="0">
+                <a:solidFill>
+                  <a:srgbClr val="745EA8"/>
+                </a:solidFill>
+                <a:latin typeface="나눔고딕" pitchFamily="50" charset="-127"/>
+                <a:ea typeface="나눔고딕" pitchFamily="50" charset="-127"/>
+              </a:rPr>
+              <a:t>0</a:t>
+            </a:r>
+            <a:r>
+              <a:rPr lang="ko-KR" altLang="en-US" sz="1200" dirty="0" smtClean="0">
+                <a:solidFill>
+                  <a:srgbClr val="745EA8"/>
+                </a:solidFill>
+                <a:latin typeface="나눔고딕" pitchFamily="50" charset="-127"/>
+                <a:ea typeface="나눔고딕" pitchFamily="50" charset="-127"/>
+              </a:rPr>
+              <a:t>주간 진행</a:t>
+            </a:r>
+            <a:r>
+              <a:rPr lang="en-US" altLang="ko-KR" sz="1200" dirty="0" smtClean="0">
+                <a:solidFill>
+                  <a:srgbClr val="745EA8"/>
+                </a:solidFill>
+                <a:latin typeface="나눔고딕" pitchFamily="50" charset="-127"/>
+                <a:ea typeface="나눔고딕" pitchFamily="50" charset="-127"/>
+              </a:rPr>
+              <a:t>(0/00~0/00)</a:t>
+            </a:r>
+          </a:p>
+          <a:p>
+            <a:pPr lvl="0">
+              <a:lnSpc>
+                <a:spcPts val="1600"/>
+              </a:lnSpc>
+            </a:pPr>
+            <a:r>
+              <a:rPr lang="en-US" altLang="ko-KR" sz="1200" dirty="0" smtClean="0">
+                <a:solidFill>
+                  <a:srgbClr val="745EA8"/>
+                </a:solidFill>
+                <a:latin typeface="나눔고딕" pitchFamily="50" charset="-127"/>
+                <a:ea typeface="나눔고딕" pitchFamily="50" charset="-127"/>
+              </a:rPr>
+              <a:t>○ </a:t>
+            </a:r>
+            <a:r>
+              <a:rPr lang="ko-KR" altLang="en-US" sz="1200" dirty="0" smtClean="0">
+                <a:solidFill>
+                  <a:srgbClr val="745EA8"/>
+                </a:solidFill>
+                <a:latin typeface="나눔고딕" pitchFamily="50" charset="-127"/>
+                <a:ea typeface="나눔고딕" pitchFamily="50" charset="-127"/>
+              </a:rPr>
+              <a:t>누적 응모 총 건</a:t>
+            </a:r>
+            <a:r>
+              <a:rPr lang="en-US" altLang="ko-KR" sz="1200" dirty="0" smtClean="0">
+                <a:solidFill>
+                  <a:srgbClr val="745EA8"/>
+                </a:solidFill>
+                <a:latin typeface="나눔고딕" pitchFamily="50" charset="-127"/>
+                <a:ea typeface="나눔고딕" pitchFamily="50" charset="-127"/>
+              </a:rPr>
+              <a:t>, </a:t>
+            </a:r>
+            <a:r>
+              <a:rPr lang="ko-KR" altLang="en-US" sz="1200" dirty="0" smtClean="0">
+                <a:solidFill>
+                  <a:srgbClr val="745EA8"/>
+                </a:solidFill>
+                <a:latin typeface="나눔고딕" pitchFamily="50" charset="-127"/>
+                <a:ea typeface="나눔고딕" pitchFamily="50" charset="-127"/>
+              </a:rPr>
+              <a:t>일 평균 건 응모</a:t>
+            </a:r>
+            <a:r>
+              <a:rPr lang="en-US" altLang="ko-KR" sz="1200" dirty="0" smtClean="0">
+                <a:solidFill>
+                  <a:srgbClr val="745EA8"/>
+                </a:solidFill>
+                <a:latin typeface="나눔고딕" pitchFamily="50" charset="-127"/>
+                <a:ea typeface="나눔고딕" pitchFamily="50" charset="-127"/>
+              </a:rPr>
+              <a:t>(0</a:t>
+            </a:r>
+            <a:r>
+              <a:rPr lang="ko-KR" altLang="en-US" sz="1200" dirty="0" smtClean="0">
+                <a:solidFill>
+                  <a:srgbClr val="745EA8"/>
+                </a:solidFill>
+                <a:latin typeface="나눔고딕" pitchFamily="50" charset="-127"/>
+                <a:ea typeface="나눔고딕" pitchFamily="50" charset="-127"/>
+              </a:rPr>
+              <a:t>주당 </a:t>
+            </a:r>
+            <a:r>
+              <a:rPr lang="en-US" altLang="ko-KR" sz="1200" dirty="0" smtClean="0">
+                <a:solidFill>
+                  <a:srgbClr val="745EA8"/>
+                </a:solidFill>
+                <a:latin typeface="나눔고딕" pitchFamily="50" charset="-127"/>
+                <a:ea typeface="나눔고딕" pitchFamily="50" charset="-127"/>
+              </a:rPr>
+              <a:t>0</a:t>
+            </a:r>
+            <a:r>
+              <a:rPr lang="ko-KR" altLang="en-US" sz="1200" dirty="0" smtClean="0">
+                <a:solidFill>
+                  <a:srgbClr val="745EA8"/>
+                </a:solidFill>
+                <a:latin typeface="나눔고딕" pitchFamily="50" charset="-127"/>
+                <a:ea typeface="나눔고딕" pitchFamily="50" charset="-127"/>
+              </a:rPr>
+              <a:t>회 응모가능</a:t>
+            </a:r>
+            <a:r>
+              <a:rPr lang="en-US" altLang="ko-KR" sz="1200" dirty="0" smtClean="0">
+                <a:solidFill>
+                  <a:srgbClr val="745EA8"/>
+                </a:solidFill>
+                <a:latin typeface="나눔고딕" pitchFamily="50" charset="-127"/>
+                <a:ea typeface="나눔고딕" pitchFamily="50" charset="-127"/>
+              </a:rPr>
+              <a:t>) </a:t>
+            </a:r>
+          </a:p>
+        </p:txBody>
+      </p:sp>
+      <p:graphicFrame>
+        <p:nvGraphicFramePr>
+          <p:cNvPr id="16" name="표 15"/>
+          <p:cNvGraphicFramePr>
+            <a:graphicFrameLocks noGrp="1"/>
+          </p:cNvGraphicFramePr>
+          <p:nvPr/>
+        </p:nvGraphicFramePr>
+        <p:xfrm>
+          <a:off x="4358760" y="3366469"/>
+          <a:ext cx="900000" cy="2721600"/>
+        </p:xfrm>
+        <a:graphic>
+          <a:graphicData uri="http://schemas.openxmlformats.org/drawingml/2006/table">
+            <a:tbl>
+              <a:tblPr firstRow="1" bandRow="1">
+                <a:tableStyleId>{2D5ABB26-0587-4C30-8999-92F81FD0307C}</a:tableStyleId>
+              </a:tblPr>
+              <a:tblGrid>
+                <a:gridCol w="900000">
+                  <a:extLst>
+                    <a:ext uri="{9D8B030D-6E8A-4147-A177-3AD203B41FA5}">
+                      <a16:colId xmlns:a16="http://schemas.microsoft.com/office/drawing/2014/main" val="20000"/>
+                    </a:ext>
+                  </a:extLst>
+                </a:gridCol>
+              </a:tblGrid>
+              <a:tr h="1548000">
+                <a:tc>
+                  <a:txBody>
+                    <a:bodyPr/>
+                    <a:lstStyle/>
+                    <a:p>
+                      <a:pPr latinLnBrk="1">
+                        <a:lnSpc>
+                          <a:spcPts val="1500"/>
+                        </a:lnSpc>
+                      </a:pPr>
+                      <a:r>
+                        <a:rPr lang="ko-KR" altLang="en-US" sz="800" b="1" dirty="0" smtClean="0">
+                          <a:latin typeface="나눔고딕" pitchFamily="50" charset="-127"/>
+                          <a:ea typeface="나눔고딕" pitchFamily="50" charset="-127"/>
+                        </a:rPr>
+                        <a:t>긍정</a:t>
+                      </a:r>
+                      <a:endParaRPr lang="ko-KR" altLang="en-US" sz="800" b="1" dirty="0">
+                        <a:latin typeface="나눔고딕" pitchFamily="50" charset="-127"/>
+                        <a:ea typeface="나눔고딕" pitchFamily="50" charset="-127"/>
+                      </a:endParaRPr>
+                    </a:p>
+                  </a:txBody>
+                  <a:tcPr marL="0" marR="0" marT="0" marB="0">
+                    <a:lnT w="12700" cap="flat" cmpd="sng" algn="ctr">
+                      <a:solidFill>
+                        <a:schemeClr val="tx1"/>
+                      </a:solidFill>
+                      <a:prstDash val="solid"/>
+                      <a:round/>
+                      <a:headEnd type="none" w="med" len="med"/>
+                      <a:tailEnd type="none" w="med" len="med"/>
+                    </a:lnT>
+                    <a:lnB w="3175" cap="flat" cmpd="sng" algn="ctr">
+                      <a:solidFill>
+                        <a:schemeClr val="tx1"/>
+                      </a:solidFill>
+                      <a:prstDash val="solid"/>
+                      <a:round/>
+                      <a:headEnd type="none" w="med" len="med"/>
+                      <a:tailEnd type="none" w="med" len="med"/>
+                    </a:lnB>
+                  </a:tcPr>
+                </a:tc>
+                <a:extLst>
+                  <a:ext uri="{0D108BD9-81ED-4DB2-BD59-A6C34878D82A}">
+                    <a16:rowId xmlns:a16="http://schemas.microsoft.com/office/drawing/2014/main" val="10000"/>
+                  </a:ext>
+                </a:extLst>
+              </a:tr>
+              <a:tr h="756000">
+                <a:tc>
+                  <a:txBody>
+                    <a:bodyPr/>
+                    <a:lstStyle/>
+                    <a:p>
+                      <a:pPr latinLnBrk="1">
+                        <a:lnSpc>
+                          <a:spcPts val="1500"/>
+                        </a:lnSpc>
+                      </a:pPr>
+                      <a:r>
+                        <a:rPr lang="ko-KR" altLang="en-US" sz="800" b="1" dirty="0" smtClean="0">
+                          <a:latin typeface="나눔고딕" pitchFamily="50" charset="-127"/>
+                          <a:ea typeface="나눔고딕" pitchFamily="50" charset="-127"/>
+                        </a:rPr>
+                        <a:t>부정</a:t>
+                      </a:r>
+                      <a:endParaRPr lang="ko-KR" altLang="en-US" sz="800" b="1" dirty="0">
+                        <a:latin typeface="나눔고딕" pitchFamily="50" charset="-127"/>
+                        <a:ea typeface="나눔고딕" pitchFamily="50" charset="-127"/>
+                      </a:endParaRPr>
+                    </a:p>
+                  </a:txBody>
+                  <a:tcPr marL="0" marR="0" marT="0" marB="0">
+                    <a:lnT w="3175" cap="flat" cmpd="sng" algn="ctr">
+                      <a:solidFill>
+                        <a:schemeClr val="tx1"/>
+                      </a:solidFill>
+                      <a:prstDash val="solid"/>
+                      <a:round/>
+                      <a:headEnd type="none" w="med" len="med"/>
+                      <a:tailEnd type="none" w="med" len="med"/>
+                    </a:lnT>
+                    <a:lnB w="3175" cap="flat" cmpd="sng" algn="ctr">
+                      <a:solidFill>
+                        <a:schemeClr val="tx1"/>
+                      </a:solidFill>
+                      <a:prstDash val="solid"/>
+                      <a:round/>
+                      <a:headEnd type="none" w="med" len="med"/>
+                      <a:tailEnd type="none" w="med" len="med"/>
+                    </a:lnB>
+                  </a:tcPr>
+                </a:tc>
+                <a:extLst>
+                  <a:ext uri="{0D108BD9-81ED-4DB2-BD59-A6C34878D82A}">
+                    <a16:rowId xmlns:a16="http://schemas.microsoft.com/office/drawing/2014/main" val="10001"/>
+                  </a:ext>
+                </a:extLst>
+              </a:tr>
+              <a:tr h="417600">
+                <a:tc>
+                  <a:txBody>
+                    <a:bodyPr/>
+                    <a:lstStyle/>
+                    <a:p>
+                      <a:pPr latinLnBrk="1">
+                        <a:lnSpc>
+                          <a:spcPts val="1500"/>
+                        </a:lnSpc>
+                      </a:pPr>
+                      <a:endParaRPr lang="ko-KR" altLang="en-US" sz="800" b="1" dirty="0">
+                        <a:latin typeface="나눔고딕" pitchFamily="50" charset="-127"/>
+                        <a:ea typeface="나눔고딕" pitchFamily="50" charset="-127"/>
+                      </a:endParaRPr>
+                    </a:p>
+                  </a:txBody>
+                  <a:tcPr marL="0" marR="0" marT="0" marB="0">
+                    <a:lnT w="3175" cap="flat" cmpd="sng" algn="ctr">
+                      <a:solidFill>
+                        <a:schemeClr val="tx1"/>
+                      </a:solidFill>
+                      <a:prstDash val="solid"/>
+                      <a:round/>
+                      <a:headEnd type="none" w="med" len="med"/>
+                      <a:tailEnd type="none" w="med" len="med"/>
+                    </a:lnT>
+                  </a:tcPr>
+                </a:tc>
+                <a:extLst>
+                  <a:ext uri="{0D108BD9-81ED-4DB2-BD59-A6C34878D82A}">
+                    <a16:rowId xmlns:a16="http://schemas.microsoft.com/office/drawing/2014/main" val="10002"/>
+                  </a:ext>
+                </a:extLst>
+              </a:tr>
+            </a:tbl>
+          </a:graphicData>
+        </a:graphic>
+      </p:graphicFrame>
+      <p:graphicFrame>
+        <p:nvGraphicFramePr>
+          <p:cNvPr id="18" name="표 17"/>
+          <p:cNvGraphicFramePr>
+            <a:graphicFrameLocks noGrp="1"/>
+          </p:cNvGraphicFramePr>
+          <p:nvPr>
+            <p:extLst>
+              <p:ext uri="{D42A27DB-BD31-4B8C-83A1-F6EECF244321}">
+                <p14:modId xmlns:p14="http://schemas.microsoft.com/office/powerpoint/2010/main" val="1276532552"/>
+              </p:ext>
+            </p:extLst>
+          </p:nvPr>
+        </p:nvGraphicFramePr>
+        <p:xfrm>
+          <a:off x="5439853" y="3366469"/>
+          <a:ext cx="4860000" cy="2720175"/>
+        </p:xfrm>
+        <a:graphic>
+          <a:graphicData uri="http://schemas.openxmlformats.org/drawingml/2006/table">
+            <a:tbl>
+              <a:tblPr firstRow="1" bandRow="1">
+                <a:tableStyleId>{2D5ABB26-0587-4C30-8999-92F81FD0307C}</a:tableStyleId>
+              </a:tblPr>
+              <a:tblGrid>
+                <a:gridCol w="4860000">
+                  <a:extLst>
+                    <a:ext uri="{9D8B030D-6E8A-4147-A177-3AD203B41FA5}">
+                      <a16:colId xmlns:a16="http://schemas.microsoft.com/office/drawing/2014/main" val="20000"/>
+                    </a:ext>
+                  </a:extLst>
+                </a:gridCol>
+              </a:tblGrid>
+              <a:tr h="1548000">
+                <a:tc>
+                  <a:txBody>
+                    <a:bodyPr/>
+                    <a:lstStyle/>
+                    <a:p>
+                      <a:pPr marL="0" marR="0" indent="0" algn="l" defTabSz="1043056" rtl="0" eaLnBrk="1" fontAlgn="auto" latinLnBrk="1" hangingPunct="1">
+                        <a:lnSpc>
+                          <a:spcPts val="1500"/>
+                        </a:lnSpc>
+                        <a:spcBef>
+                          <a:spcPts val="0"/>
+                        </a:spcBef>
+                        <a:spcAft>
+                          <a:spcPts val="0"/>
+                        </a:spcAft>
+                        <a:buClrTx/>
+                        <a:buSzTx/>
+                        <a:buFontTx/>
+                        <a:buNone/>
+                        <a:tabLst/>
+                        <a:defRPr/>
+                      </a:pPr>
+                      <a:r>
+                        <a:rPr lang="ko-KR" altLang="en-US" sz="800" b="1" dirty="0" smtClean="0">
+                          <a:solidFill>
+                            <a:srgbClr val="00AAAE"/>
+                          </a:solidFill>
+                          <a:latin typeface="나눔고딕" pitchFamily="50" charset="-127"/>
+                          <a:ea typeface="나눔고딕" pitchFamily="50" charset="-127"/>
+                        </a:rPr>
+                        <a:t>자세한 설명을 보고 듣고 하니 이해가 빠르네요 </a:t>
+                      </a:r>
+                      <a:r>
+                        <a:rPr lang="en-US" altLang="ko-KR" sz="800" b="1" dirty="0" smtClean="0">
+                          <a:solidFill>
+                            <a:srgbClr val="00AAAE"/>
+                          </a:solidFill>
+                          <a:latin typeface="나눔고딕" pitchFamily="50" charset="-127"/>
+                          <a:ea typeface="나눔고딕" pitchFamily="50" charset="-127"/>
+                        </a:rPr>
+                        <a:t>/ </a:t>
+                      </a:r>
+                      <a:r>
+                        <a:rPr lang="ko-KR" altLang="en-US" sz="800" b="1" dirty="0" smtClean="0">
+                          <a:solidFill>
+                            <a:srgbClr val="00AAAE"/>
+                          </a:solidFill>
+                          <a:latin typeface="나눔고딕" pitchFamily="50" charset="-127"/>
+                          <a:ea typeface="나눔고딕" pitchFamily="50" charset="-127"/>
+                        </a:rPr>
+                        <a:t>새로운 기능을 알았네요</a:t>
+                      </a:r>
+                    </a:p>
+                    <a:p>
+                      <a:pPr marL="0" marR="0" indent="0" algn="l" defTabSz="1043056" rtl="0" eaLnBrk="1" fontAlgn="auto" latinLnBrk="1" hangingPunct="1">
+                        <a:lnSpc>
+                          <a:spcPts val="1500"/>
+                        </a:lnSpc>
+                        <a:spcBef>
+                          <a:spcPts val="0"/>
+                        </a:spcBef>
+                        <a:spcAft>
+                          <a:spcPts val="0"/>
+                        </a:spcAft>
+                        <a:buClrTx/>
+                        <a:buSzTx/>
+                        <a:buFontTx/>
+                        <a:buNone/>
+                        <a:tabLst/>
+                        <a:defRPr/>
+                      </a:pPr>
+                      <a:r>
+                        <a:rPr lang="ko-KR" altLang="en-US" sz="800" b="1" dirty="0" smtClean="0">
+                          <a:solidFill>
+                            <a:srgbClr val="00AAAE"/>
+                          </a:solidFill>
+                          <a:latin typeface="나눔고딕" pitchFamily="50" charset="-127"/>
+                          <a:ea typeface="나눔고딕" pitchFamily="50" charset="-127"/>
+                        </a:rPr>
+                        <a:t>간단명료하네요 </a:t>
+                      </a:r>
+                      <a:r>
+                        <a:rPr lang="en-US" altLang="ko-KR" sz="800" b="1" dirty="0" smtClean="0">
+                          <a:solidFill>
+                            <a:srgbClr val="00AAAE"/>
+                          </a:solidFill>
+                          <a:latin typeface="나눔고딕" pitchFamily="50" charset="-127"/>
+                          <a:ea typeface="나눔고딕" pitchFamily="50" charset="-127"/>
+                        </a:rPr>
+                        <a:t>/ </a:t>
+                      </a:r>
+                      <a:r>
+                        <a:rPr lang="ko-KR" altLang="en-US" sz="800" b="1" dirty="0" smtClean="0">
+                          <a:solidFill>
+                            <a:srgbClr val="00AAAE"/>
+                          </a:solidFill>
+                          <a:latin typeface="나눔고딕" pitchFamily="50" charset="-127"/>
+                          <a:ea typeface="나눔고딕" pitchFamily="50" charset="-127"/>
+                        </a:rPr>
+                        <a:t>광고보고 다운받은 </a:t>
+                      </a:r>
+                      <a:r>
+                        <a:rPr lang="en-US" altLang="ko-KR" sz="800" b="1" dirty="0" smtClean="0">
+                          <a:solidFill>
+                            <a:srgbClr val="00AAAE"/>
+                          </a:solidFill>
+                          <a:latin typeface="나눔고딕" pitchFamily="50" charset="-127"/>
+                          <a:ea typeface="나눔고딕" pitchFamily="50" charset="-127"/>
+                        </a:rPr>
+                        <a:t>1</a:t>
+                      </a:r>
+                      <a:r>
+                        <a:rPr lang="ko-KR" altLang="en-US" sz="800" b="1" dirty="0" smtClean="0">
+                          <a:solidFill>
+                            <a:srgbClr val="00AAAE"/>
+                          </a:solidFill>
+                          <a:latin typeface="나눔고딕" pitchFamily="50" charset="-127"/>
+                          <a:ea typeface="나눔고딕" pitchFamily="50" charset="-127"/>
+                        </a:rPr>
+                        <a:t>인 </a:t>
+                      </a:r>
+                      <a:r>
+                        <a:rPr lang="en-US" altLang="ko-KR" sz="800" b="1" dirty="0" smtClean="0">
+                          <a:solidFill>
+                            <a:srgbClr val="00AAAE"/>
+                          </a:solidFill>
+                          <a:latin typeface="나눔고딕" pitchFamily="50" charset="-127"/>
+                          <a:ea typeface="나눔고딕" pitchFamily="50" charset="-127"/>
+                        </a:rPr>
+                        <a:t>/ </a:t>
+                      </a:r>
+                      <a:r>
+                        <a:rPr lang="ko-KR" altLang="en-US" sz="800" b="1" dirty="0" smtClean="0">
+                          <a:solidFill>
+                            <a:srgbClr val="00AAAE"/>
+                          </a:solidFill>
+                          <a:latin typeface="나눔고딕" pitchFamily="50" charset="-127"/>
+                          <a:ea typeface="나눔고딕" pitchFamily="50" charset="-127"/>
+                        </a:rPr>
+                        <a:t>광고 보고 실 제 해본 </a:t>
+                      </a:r>
+                    </a:p>
+                    <a:p>
+                      <a:pPr marL="0" marR="0" indent="0" algn="l" defTabSz="1043056" rtl="0" eaLnBrk="1" fontAlgn="auto" latinLnBrk="1" hangingPunct="1">
+                        <a:lnSpc>
+                          <a:spcPts val="1500"/>
+                        </a:lnSpc>
+                        <a:spcBef>
+                          <a:spcPts val="0"/>
+                        </a:spcBef>
+                        <a:spcAft>
+                          <a:spcPts val="0"/>
+                        </a:spcAft>
+                        <a:buClrTx/>
+                        <a:buSzTx/>
+                        <a:buFontTx/>
+                        <a:buNone/>
+                        <a:tabLst/>
+                        <a:defRPr/>
+                      </a:pPr>
+                      <a:r>
+                        <a:rPr lang="en-US" altLang="ko-KR" sz="800" b="1" dirty="0" smtClean="0">
+                          <a:solidFill>
+                            <a:srgbClr val="00AAAE"/>
+                          </a:solidFill>
+                          <a:latin typeface="나눔고딕" pitchFamily="50" charset="-127"/>
+                          <a:ea typeface="나눔고딕" pitchFamily="50" charset="-127"/>
+                        </a:rPr>
+                        <a:t>TV</a:t>
+                      </a:r>
+                      <a:r>
+                        <a:rPr lang="ko-KR" altLang="en-US" sz="800" b="1" dirty="0" smtClean="0">
+                          <a:solidFill>
+                            <a:srgbClr val="00AAAE"/>
+                          </a:solidFill>
+                          <a:latin typeface="나눔고딕" pitchFamily="50" charset="-127"/>
+                          <a:ea typeface="나눔고딕" pitchFamily="50" charset="-127"/>
+                        </a:rPr>
+                        <a:t>광고에서 노래 들려주면 제목 알려주는 거를 해봤는데 진짜 된다</a:t>
+                      </a:r>
+                    </a:p>
+                    <a:p>
+                      <a:pPr marL="0" marR="0" indent="0" algn="l" defTabSz="1043056" rtl="0" eaLnBrk="1" fontAlgn="auto" latinLnBrk="1" hangingPunct="1">
+                        <a:lnSpc>
+                          <a:spcPts val="1500"/>
+                        </a:lnSpc>
+                        <a:spcBef>
+                          <a:spcPts val="0"/>
+                        </a:spcBef>
+                        <a:spcAft>
+                          <a:spcPts val="0"/>
+                        </a:spcAft>
+                        <a:buClrTx/>
+                        <a:buSzTx/>
+                        <a:buFontTx/>
+                        <a:buNone/>
+                        <a:tabLst/>
+                        <a:defRPr/>
+                      </a:pPr>
+                      <a:r>
+                        <a:rPr lang="ko-KR" altLang="en-US" sz="800" b="1" dirty="0" smtClean="0">
+                          <a:solidFill>
+                            <a:srgbClr val="00AAAE"/>
+                          </a:solidFill>
+                          <a:latin typeface="나눔고딕" pitchFamily="50" charset="-127"/>
+                          <a:ea typeface="나눔고딕" pitchFamily="50" charset="-127"/>
+                        </a:rPr>
+                        <a:t>심플하고 군더더기 없는 광고 너무 좋아요 왠지 바로 해보고 싶은 생각도 들어요</a:t>
+                      </a:r>
+                    </a:p>
+                    <a:p>
+                      <a:pPr marL="0" marR="0" indent="0" algn="l" defTabSz="1043056" rtl="0" eaLnBrk="1" fontAlgn="auto" latinLnBrk="1" hangingPunct="1">
+                        <a:lnSpc>
+                          <a:spcPts val="1500"/>
+                        </a:lnSpc>
+                        <a:spcBef>
+                          <a:spcPts val="0"/>
+                        </a:spcBef>
+                        <a:spcAft>
+                          <a:spcPts val="0"/>
+                        </a:spcAft>
+                        <a:buClrTx/>
+                        <a:buSzTx/>
+                        <a:buFontTx/>
+                        <a:buNone/>
+                        <a:tabLst/>
+                        <a:defRPr/>
+                      </a:pPr>
+                      <a:r>
+                        <a:rPr lang="ko-KR" altLang="en-US" sz="800" b="1" dirty="0" smtClean="0">
+                          <a:solidFill>
+                            <a:srgbClr val="00AAAE"/>
+                          </a:solidFill>
+                          <a:latin typeface="나눔고딕" pitchFamily="50" charset="-127"/>
+                          <a:ea typeface="나눔고딕" pitchFamily="50" charset="-127"/>
+                        </a:rPr>
+                        <a:t>역시 깔끔한 광고</a:t>
+                      </a:r>
+                      <a:r>
+                        <a:rPr lang="en-US" altLang="ko-KR" sz="800" b="1" dirty="0" smtClean="0">
+                          <a:solidFill>
+                            <a:srgbClr val="00AAAE"/>
+                          </a:solidFill>
+                          <a:latin typeface="나눔고딕" pitchFamily="50" charset="-127"/>
+                          <a:ea typeface="나눔고딕" pitchFamily="50" charset="-127"/>
+                        </a:rPr>
+                        <a:t>, </a:t>
+                      </a:r>
+                      <a:r>
+                        <a:rPr lang="ko-KR" altLang="en-US" sz="800" b="1" dirty="0" smtClean="0">
+                          <a:solidFill>
+                            <a:srgbClr val="00AAAE"/>
+                          </a:solidFill>
+                          <a:latin typeface="나눔고딕" pitchFamily="50" charset="-127"/>
+                          <a:ea typeface="나눔고딕" pitchFamily="50" charset="-127"/>
+                        </a:rPr>
+                        <a:t>담백함과 격이 느껴지는 힘 뺀 고수 느낌</a:t>
+                      </a:r>
+                    </a:p>
+                    <a:p>
+                      <a:pPr marL="0" marR="0" indent="0" algn="l" defTabSz="1043056" rtl="0" eaLnBrk="1" fontAlgn="auto" latinLnBrk="1" hangingPunct="1">
+                        <a:lnSpc>
+                          <a:spcPts val="1500"/>
+                        </a:lnSpc>
+                        <a:spcBef>
+                          <a:spcPts val="0"/>
+                        </a:spcBef>
+                        <a:spcAft>
+                          <a:spcPts val="0"/>
+                        </a:spcAft>
+                        <a:buClrTx/>
+                        <a:buSzTx/>
+                        <a:buFontTx/>
+                        <a:buNone/>
+                        <a:tabLst/>
+                        <a:defRPr/>
+                      </a:pPr>
+                      <a:r>
+                        <a:rPr lang="ko-KR" altLang="en-US" sz="800" b="1" dirty="0" smtClean="0">
+                          <a:solidFill>
+                            <a:srgbClr val="00AAAE"/>
+                          </a:solidFill>
+                          <a:latin typeface="나눔고딕" pitchFamily="50" charset="-127"/>
+                          <a:ea typeface="나눔고딕" pitchFamily="50" charset="-127"/>
+                        </a:rPr>
+                        <a:t>확실히 이야기 해주네요 정보전달력이 좋아요  </a:t>
+                      </a:r>
+                      <a:r>
+                        <a:rPr lang="en-US" altLang="ko-KR" sz="800" b="1" dirty="0" smtClean="0">
+                          <a:solidFill>
+                            <a:srgbClr val="00AAAE"/>
+                          </a:solidFill>
+                          <a:latin typeface="나눔고딕" pitchFamily="50" charset="-127"/>
+                          <a:ea typeface="나눔고딕" pitchFamily="50" charset="-127"/>
+                        </a:rPr>
+                        <a:t>/ </a:t>
+                      </a:r>
+                      <a:r>
+                        <a:rPr lang="ko-KR" altLang="en-US" sz="800" b="1" dirty="0" smtClean="0">
+                          <a:solidFill>
+                            <a:srgbClr val="00AAAE"/>
+                          </a:solidFill>
+                          <a:latin typeface="나눔고딕" pitchFamily="50" charset="-127"/>
+                          <a:ea typeface="나눔고딕" pitchFamily="50" charset="-127"/>
+                        </a:rPr>
+                        <a:t>사용하는 모습 보여준 것이 더  </a:t>
+                      </a:r>
+                      <a:r>
+                        <a:rPr lang="ko-KR" altLang="en-US" sz="800" b="1" dirty="0" err="1" smtClean="0">
+                          <a:solidFill>
+                            <a:srgbClr val="00AAAE"/>
+                          </a:solidFill>
+                          <a:latin typeface="나눔고딕" pitchFamily="50" charset="-127"/>
+                          <a:ea typeface="나눔고딕" pitchFamily="50" charset="-127"/>
+                        </a:rPr>
+                        <a:t>좋았던듯</a:t>
+                      </a:r>
+                      <a:r>
+                        <a:rPr lang="ko-KR" altLang="en-US" sz="800" b="1" dirty="0" smtClean="0">
+                          <a:solidFill>
+                            <a:srgbClr val="00AAAE"/>
+                          </a:solidFill>
+                          <a:latin typeface="나눔고딕" pitchFamily="50" charset="-127"/>
+                          <a:ea typeface="나눔고딕" pitchFamily="50" charset="-127"/>
+                        </a:rPr>
+                        <a:t> </a:t>
+                      </a:r>
+                    </a:p>
+                    <a:p>
+                      <a:pPr marL="0" marR="0" indent="0" algn="l" defTabSz="1043056" rtl="0" eaLnBrk="1" fontAlgn="auto" latinLnBrk="1" hangingPunct="1">
+                        <a:lnSpc>
+                          <a:spcPts val="1500"/>
+                        </a:lnSpc>
+                        <a:spcBef>
+                          <a:spcPts val="0"/>
+                        </a:spcBef>
+                        <a:spcAft>
+                          <a:spcPts val="0"/>
+                        </a:spcAft>
+                        <a:buClrTx/>
+                        <a:buSzTx/>
+                        <a:buFontTx/>
+                        <a:buNone/>
+                        <a:tabLst/>
+                        <a:defRPr/>
+                      </a:pPr>
+                      <a:r>
+                        <a:rPr lang="ko-KR" altLang="en-US" sz="800" b="1" dirty="0" smtClean="0">
+                          <a:solidFill>
+                            <a:srgbClr val="00AAAE"/>
+                          </a:solidFill>
+                          <a:latin typeface="나눔고딕" pitchFamily="50" charset="-127"/>
+                          <a:ea typeface="나눔고딕" pitchFamily="50" charset="-127"/>
+                        </a:rPr>
+                        <a:t>귀에 익은 음악들을 잘 고르셨군요</a:t>
+                      </a:r>
+                      <a:r>
+                        <a:rPr lang="ko-KR" altLang="en-US" sz="800" b="1" baseline="0" dirty="0" smtClean="0">
+                          <a:solidFill>
+                            <a:srgbClr val="00AAAE"/>
+                          </a:solidFill>
+                          <a:latin typeface="나눔고딕" pitchFamily="50" charset="-127"/>
+                          <a:ea typeface="나눔고딕" pitchFamily="50" charset="-127"/>
+                        </a:rPr>
+                        <a:t> </a:t>
+                      </a:r>
+                      <a:r>
+                        <a:rPr lang="ko-KR" altLang="en-US" sz="800" b="1" dirty="0" smtClean="0">
+                          <a:solidFill>
+                            <a:srgbClr val="00AAAE"/>
+                          </a:solidFill>
+                          <a:latin typeface="나눔고딕" pitchFamily="50" charset="-127"/>
+                          <a:ea typeface="나눔고딕" pitchFamily="50" charset="-127"/>
+                        </a:rPr>
+                        <a:t>사용하는 모습 보여준 것이 더</a:t>
+                      </a:r>
+                      <a:r>
+                        <a:rPr lang="ko-KR" altLang="en-US" sz="800" b="1" baseline="0" dirty="0" smtClean="0">
+                          <a:solidFill>
+                            <a:srgbClr val="00AAAE"/>
+                          </a:solidFill>
+                          <a:latin typeface="나눔고딕" pitchFamily="50" charset="-127"/>
+                          <a:ea typeface="나눔고딕" pitchFamily="50" charset="-127"/>
+                        </a:rPr>
+                        <a:t> </a:t>
+                      </a:r>
+                      <a:r>
+                        <a:rPr lang="ko-KR" altLang="en-US" sz="800" b="1" dirty="0" smtClean="0">
+                          <a:solidFill>
+                            <a:srgbClr val="00AAAE"/>
+                          </a:solidFill>
+                          <a:latin typeface="나눔고딕" pitchFamily="50" charset="-127"/>
+                          <a:ea typeface="나눔고딕" pitchFamily="50" charset="-127"/>
+                        </a:rPr>
+                        <a:t>좋았던 듯 </a:t>
+                      </a:r>
+                      <a:endParaRPr lang="en-US" altLang="ko-KR" sz="800" b="1" dirty="0" smtClean="0">
+                        <a:solidFill>
+                          <a:srgbClr val="00AAAE"/>
+                        </a:solidFill>
+                        <a:latin typeface="나눔고딕" pitchFamily="50" charset="-127"/>
+                        <a:ea typeface="나눔고딕" pitchFamily="50" charset="-127"/>
+                      </a:endParaRPr>
+                    </a:p>
+                    <a:p>
+                      <a:pPr marL="0" marR="0" indent="0" algn="l" defTabSz="1043056" rtl="0" eaLnBrk="1" fontAlgn="auto" latinLnBrk="1" hangingPunct="1">
+                        <a:lnSpc>
+                          <a:spcPts val="1500"/>
+                        </a:lnSpc>
+                        <a:spcBef>
+                          <a:spcPts val="0"/>
+                        </a:spcBef>
+                        <a:spcAft>
+                          <a:spcPts val="0"/>
+                        </a:spcAft>
+                        <a:buClrTx/>
+                        <a:buSzTx/>
+                        <a:buFontTx/>
+                        <a:buNone/>
+                        <a:tabLst/>
+                        <a:defRPr/>
+                      </a:pPr>
+                      <a:r>
+                        <a:rPr lang="ko-KR" altLang="en-US" sz="800" b="1" dirty="0" smtClean="0">
+                          <a:solidFill>
+                            <a:srgbClr val="00AAAE"/>
+                          </a:solidFill>
+                          <a:latin typeface="나눔고딕" pitchFamily="50" charset="-127"/>
+                          <a:ea typeface="나눔고딕" pitchFamily="50" charset="-127"/>
+                        </a:rPr>
+                        <a:t>광고는 </a:t>
+                      </a:r>
+                      <a:r>
+                        <a:rPr lang="en-US" altLang="ko-KR" sz="800" b="1" dirty="0" smtClean="0">
+                          <a:solidFill>
+                            <a:srgbClr val="00AAAE"/>
+                          </a:solidFill>
+                          <a:latin typeface="나눔고딕" pitchFamily="50" charset="-127"/>
+                          <a:ea typeface="나눔고딕" pitchFamily="50" charset="-127"/>
+                        </a:rPr>
+                        <a:t>BGM</a:t>
+                      </a:r>
+                      <a:r>
+                        <a:rPr lang="ko-KR" altLang="en-US" sz="800" b="1" dirty="0" smtClean="0">
+                          <a:solidFill>
+                            <a:srgbClr val="00AAAE"/>
+                          </a:solidFill>
+                          <a:latin typeface="나눔고딕" pitchFamily="50" charset="-127"/>
+                          <a:ea typeface="나눔고딕" pitchFamily="50" charset="-127"/>
+                        </a:rPr>
+                        <a:t>이 훌륭하네요 </a:t>
+                      </a:r>
+                    </a:p>
+                  </a:txBody>
+                  <a:tcPr marL="0" marR="0" marT="0" marB="0">
+                    <a:lnT w="12700" cap="flat" cmpd="sng" algn="ctr">
+                      <a:solidFill>
+                        <a:schemeClr val="tx1"/>
+                      </a:solidFill>
+                      <a:prstDash val="solid"/>
+                      <a:round/>
+                      <a:headEnd type="none" w="med" len="med"/>
+                      <a:tailEnd type="none" w="med" len="med"/>
+                    </a:lnT>
+                    <a:lnB w="3175" cap="flat" cmpd="sng" algn="ctr">
+                      <a:solidFill>
+                        <a:srgbClr val="00AAAE"/>
+                      </a:solidFill>
+                      <a:prstDash val="solid"/>
+                      <a:round/>
+                      <a:headEnd type="none" w="med" len="med"/>
+                      <a:tailEnd type="none" w="med" len="med"/>
+                    </a:lnB>
+                  </a:tcPr>
+                </a:tc>
+                <a:extLst>
+                  <a:ext uri="{0D108BD9-81ED-4DB2-BD59-A6C34878D82A}">
+                    <a16:rowId xmlns:a16="http://schemas.microsoft.com/office/drawing/2014/main" val="10000"/>
+                  </a:ext>
+                </a:extLst>
+              </a:tr>
+              <a:tr h="756000">
+                <a:tc>
+                  <a:txBody>
+                    <a:bodyPr/>
+                    <a:lstStyle/>
+                    <a:p>
+                      <a:pPr marL="0" marR="0" indent="0" algn="l" defTabSz="1043056" rtl="0" eaLnBrk="1" fontAlgn="auto" latinLnBrk="1" hangingPunct="1">
+                        <a:lnSpc>
+                          <a:spcPts val="1500"/>
+                        </a:lnSpc>
+                        <a:spcBef>
+                          <a:spcPts val="0"/>
+                        </a:spcBef>
+                        <a:spcAft>
+                          <a:spcPts val="0"/>
+                        </a:spcAft>
+                        <a:buClrTx/>
+                        <a:buSzTx/>
+                        <a:buFontTx/>
+                        <a:buNone/>
+                        <a:tabLst/>
+                        <a:defRPr/>
+                      </a:pPr>
+                      <a:endParaRPr lang="ko-KR" altLang="en-US" sz="800" dirty="0" smtClean="0">
+                        <a:solidFill>
+                          <a:srgbClr val="745EA8"/>
+                        </a:solidFill>
+                        <a:latin typeface="나눔고딕" pitchFamily="50" charset="-127"/>
+                        <a:ea typeface="나눔고딕" pitchFamily="50" charset="-127"/>
+                      </a:endParaRPr>
+                    </a:p>
+                  </a:txBody>
+                  <a:tcPr marL="0" marR="0" marT="0" marB="0">
+                    <a:lnT w="3175" cap="flat" cmpd="sng" algn="ctr">
+                      <a:solidFill>
+                        <a:srgbClr val="00AAAE"/>
+                      </a:solidFill>
+                      <a:prstDash val="solid"/>
+                      <a:round/>
+                      <a:headEnd type="none" w="med" len="med"/>
+                      <a:tailEnd type="none" w="med" len="med"/>
+                    </a:lnT>
+                    <a:lnB w="3175" cap="flat" cmpd="sng" algn="ctr">
+                      <a:solidFill>
+                        <a:srgbClr val="745EA8"/>
+                      </a:solidFill>
+                      <a:prstDash val="solid"/>
+                      <a:round/>
+                      <a:headEnd type="none" w="med" len="med"/>
+                      <a:tailEnd type="none" w="med" len="med"/>
+                    </a:lnB>
+                  </a:tcPr>
+                </a:tc>
+                <a:extLst>
+                  <a:ext uri="{0D108BD9-81ED-4DB2-BD59-A6C34878D82A}">
+                    <a16:rowId xmlns:a16="http://schemas.microsoft.com/office/drawing/2014/main" val="10001"/>
+                  </a:ext>
+                </a:extLst>
+              </a:tr>
+              <a:tr h="416175">
+                <a:tc>
+                  <a:txBody>
+                    <a:bodyPr/>
+                    <a:lstStyle/>
+                    <a:p>
+                      <a:pPr latinLnBrk="1">
+                        <a:lnSpc>
+                          <a:spcPts val="1500"/>
+                        </a:lnSpc>
+                      </a:pPr>
+                      <a:endParaRPr lang="ko-KR" altLang="en-US" sz="800" dirty="0">
+                        <a:latin typeface="나눔고딕" pitchFamily="50" charset="-127"/>
+                        <a:ea typeface="나눔고딕" pitchFamily="50" charset="-127"/>
+                      </a:endParaRPr>
+                    </a:p>
+                  </a:txBody>
+                  <a:tcPr marL="0" marR="0" marT="0" marB="0">
+                    <a:lnT w="3175" cap="flat" cmpd="sng" algn="ctr">
+                      <a:solidFill>
+                        <a:srgbClr val="745EA8"/>
+                      </a:solidFill>
+                      <a:prstDash val="solid"/>
+                      <a:round/>
+                      <a:headEnd type="none" w="med" len="med"/>
+                      <a:tailEnd type="none" w="med" len="med"/>
+                    </a:lnT>
+                  </a:tcPr>
+                </a:tc>
+                <a:extLst>
+                  <a:ext uri="{0D108BD9-81ED-4DB2-BD59-A6C34878D82A}">
+                    <a16:rowId xmlns:a16="http://schemas.microsoft.com/office/drawing/2014/main" val="10002"/>
+                  </a:ext>
+                </a:extLst>
+              </a:tr>
+            </a:tbl>
+          </a:graphicData>
+        </a:graphic>
+      </p:graphicFrame>
+      <p:cxnSp>
+        <p:nvCxnSpPr>
+          <p:cNvPr id="20" name="직선 연결선 19"/>
+          <p:cNvCxnSpPr/>
+          <p:nvPr/>
+        </p:nvCxnSpPr>
+        <p:spPr>
+          <a:xfrm>
+            <a:off x="5439853" y="3576637"/>
+            <a:ext cx="4860000" cy="9525"/>
+          </a:xfrm>
+          <a:prstGeom prst="line">
+            <a:avLst/>
+          </a:prstGeom>
+          <a:ln w="3810">
+            <a:solidFill>
+              <a:srgbClr val="00AAAE"/>
+            </a:solidFill>
+          </a:ln>
+        </p:spPr>
+        <p:style>
+          <a:lnRef idx="1">
+            <a:schemeClr val="accent1"/>
+          </a:lnRef>
+          <a:fillRef idx="0">
+            <a:schemeClr val="accent1"/>
+          </a:fillRef>
+          <a:effectRef idx="0">
+            <a:schemeClr val="accent1"/>
+          </a:effectRef>
+          <a:fontRef idx="minor">
+            <a:schemeClr val="tx1"/>
+          </a:fontRef>
+        </p:style>
+      </p:cxnSp>
+      <p:cxnSp>
+        <p:nvCxnSpPr>
+          <p:cNvPr id="21" name="직선 연결선 20"/>
+          <p:cNvCxnSpPr/>
+          <p:nvPr/>
+        </p:nvCxnSpPr>
+        <p:spPr>
+          <a:xfrm>
+            <a:off x="5439853" y="3767137"/>
+            <a:ext cx="4860000" cy="9525"/>
+          </a:xfrm>
+          <a:prstGeom prst="line">
+            <a:avLst/>
+          </a:prstGeom>
+          <a:ln w="3810">
+            <a:solidFill>
+              <a:srgbClr val="00AAAE"/>
+            </a:solidFill>
+          </a:ln>
+        </p:spPr>
+        <p:style>
+          <a:lnRef idx="1">
+            <a:schemeClr val="accent1"/>
+          </a:lnRef>
+          <a:fillRef idx="0">
+            <a:schemeClr val="accent1"/>
+          </a:fillRef>
+          <a:effectRef idx="0">
+            <a:schemeClr val="accent1"/>
+          </a:effectRef>
+          <a:fontRef idx="minor">
+            <a:schemeClr val="tx1"/>
+          </a:fontRef>
+        </p:style>
+      </p:cxnSp>
+      <p:cxnSp>
+        <p:nvCxnSpPr>
+          <p:cNvPr id="22" name="직선 연결선 21"/>
+          <p:cNvCxnSpPr/>
+          <p:nvPr/>
+        </p:nvCxnSpPr>
+        <p:spPr>
+          <a:xfrm>
+            <a:off x="5439853" y="3957637"/>
+            <a:ext cx="4860000" cy="9525"/>
+          </a:xfrm>
+          <a:prstGeom prst="line">
+            <a:avLst/>
+          </a:prstGeom>
+          <a:ln w="3810">
+            <a:solidFill>
+              <a:srgbClr val="00AAAE"/>
+            </a:solidFill>
+          </a:ln>
+        </p:spPr>
+        <p:style>
+          <a:lnRef idx="1">
+            <a:schemeClr val="accent1"/>
+          </a:lnRef>
+          <a:fillRef idx="0">
+            <a:schemeClr val="accent1"/>
+          </a:fillRef>
+          <a:effectRef idx="0">
+            <a:schemeClr val="accent1"/>
+          </a:effectRef>
+          <a:fontRef idx="minor">
+            <a:schemeClr val="tx1"/>
+          </a:fontRef>
+        </p:style>
+      </p:cxnSp>
+      <p:cxnSp>
+        <p:nvCxnSpPr>
+          <p:cNvPr id="23" name="직선 연결선 22"/>
+          <p:cNvCxnSpPr/>
+          <p:nvPr/>
+        </p:nvCxnSpPr>
+        <p:spPr>
+          <a:xfrm>
+            <a:off x="5439853" y="4148137"/>
+            <a:ext cx="4860000" cy="9525"/>
+          </a:xfrm>
+          <a:prstGeom prst="line">
+            <a:avLst/>
+          </a:prstGeom>
+          <a:ln w="3810">
+            <a:solidFill>
+              <a:srgbClr val="00AAAE"/>
+            </a:solidFill>
+          </a:ln>
+        </p:spPr>
+        <p:style>
+          <a:lnRef idx="1">
+            <a:schemeClr val="accent1"/>
+          </a:lnRef>
+          <a:fillRef idx="0">
+            <a:schemeClr val="accent1"/>
+          </a:fillRef>
+          <a:effectRef idx="0">
+            <a:schemeClr val="accent1"/>
+          </a:effectRef>
+          <a:fontRef idx="minor">
+            <a:schemeClr val="tx1"/>
+          </a:fontRef>
+        </p:style>
+      </p:cxnSp>
+      <p:cxnSp>
+        <p:nvCxnSpPr>
+          <p:cNvPr id="24" name="직선 연결선 23"/>
+          <p:cNvCxnSpPr/>
+          <p:nvPr/>
+        </p:nvCxnSpPr>
+        <p:spPr>
+          <a:xfrm>
+            <a:off x="5439853" y="4338637"/>
+            <a:ext cx="4860000" cy="9525"/>
+          </a:xfrm>
+          <a:prstGeom prst="line">
+            <a:avLst/>
+          </a:prstGeom>
+          <a:ln w="3810">
+            <a:solidFill>
+              <a:srgbClr val="00AAAE"/>
+            </a:solidFill>
+          </a:ln>
+        </p:spPr>
+        <p:style>
+          <a:lnRef idx="1">
+            <a:schemeClr val="accent1"/>
+          </a:lnRef>
+          <a:fillRef idx="0">
+            <a:schemeClr val="accent1"/>
+          </a:fillRef>
+          <a:effectRef idx="0">
+            <a:schemeClr val="accent1"/>
+          </a:effectRef>
+          <a:fontRef idx="minor">
+            <a:schemeClr val="tx1"/>
+          </a:fontRef>
+        </p:style>
+      </p:cxnSp>
+      <p:cxnSp>
+        <p:nvCxnSpPr>
+          <p:cNvPr id="25" name="직선 연결선 24"/>
+          <p:cNvCxnSpPr/>
+          <p:nvPr/>
+        </p:nvCxnSpPr>
+        <p:spPr>
+          <a:xfrm>
+            <a:off x="5439853" y="4529137"/>
+            <a:ext cx="4860000" cy="9525"/>
+          </a:xfrm>
+          <a:prstGeom prst="line">
+            <a:avLst/>
+          </a:prstGeom>
+          <a:ln w="3810">
+            <a:solidFill>
+              <a:srgbClr val="00AAAE"/>
+            </a:solidFill>
+          </a:ln>
+        </p:spPr>
+        <p:style>
+          <a:lnRef idx="1">
+            <a:schemeClr val="accent1"/>
+          </a:lnRef>
+          <a:fillRef idx="0">
+            <a:schemeClr val="accent1"/>
+          </a:fillRef>
+          <a:effectRef idx="0">
+            <a:schemeClr val="accent1"/>
+          </a:effectRef>
+          <a:fontRef idx="minor">
+            <a:schemeClr val="tx1"/>
+          </a:fontRef>
+        </p:style>
+      </p:cxnSp>
+      <p:cxnSp>
+        <p:nvCxnSpPr>
+          <p:cNvPr id="26" name="직선 연결선 25"/>
+          <p:cNvCxnSpPr/>
+          <p:nvPr/>
+        </p:nvCxnSpPr>
+        <p:spPr>
+          <a:xfrm>
+            <a:off x="5439853" y="4719639"/>
+            <a:ext cx="4860000" cy="9525"/>
+          </a:xfrm>
+          <a:prstGeom prst="line">
+            <a:avLst/>
+          </a:prstGeom>
+          <a:ln w="3810">
+            <a:solidFill>
+              <a:srgbClr val="00AAAE"/>
+            </a:solidFill>
+          </a:ln>
+        </p:spPr>
+        <p:style>
+          <a:lnRef idx="1">
+            <a:schemeClr val="accent1"/>
+          </a:lnRef>
+          <a:fillRef idx="0">
+            <a:schemeClr val="accent1"/>
+          </a:fillRef>
+          <a:effectRef idx="0">
+            <a:schemeClr val="accent1"/>
+          </a:effectRef>
+          <a:fontRef idx="minor">
+            <a:schemeClr val="tx1"/>
+          </a:fontRef>
+        </p:style>
+      </p:cxnSp>
+      <p:cxnSp>
+        <p:nvCxnSpPr>
+          <p:cNvPr id="27" name="직선 연결선 26"/>
+          <p:cNvCxnSpPr/>
+          <p:nvPr/>
+        </p:nvCxnSpPr>
+        <p:spPr>
+          <a:xfrm>
+            <a:off x="5439853" y="5105401"/>
+            <a:ext cx="4860000" cy="9525"/>
+          </a:xfrm>
+          <a:prstGeom prst="line">
+            <a:avLst/>
+          </a:prstGeom>
+          <a:ln w="3810">
+            <a:solidFill>
+              <a:srgbClr val="745EA8"/>
+            </a:solidFill>
+          </a:ln>
+        </p:spPr>
+        <p:style>
+          <a:lnRef idx="1">
+            <a:schemeClr val="accent1"/>
+          </a:lnRef>
+          <a:fillRef idx="0">
+            <a:schemeClr val="accent1"/>
+          </a:fillRef>
+          <a:effectRef idx="0">
+            <a:schemeClr val="accent1"/>
+          </a:effectRef>
+          <a:fontRef idx="minor">
+            <a:schemeClr val="tx1"/>
+          </a:fontRef>
+        </p:style>
+      </p:cxnSp>
+      <p:cxnSp>
+        <p:nvCxnSpPr>
+          <p:cNvPr id="28" name="직선 연결선 27"/>
+          <p:cNvCxnSpPr/>
+          <p:nvPr/>
+        </p:nvCxnSpPr>
+        <p:spPr>
+          <a:xfrm>
+            <a:off x="5439853" y="5295901"/>
+            <a:ext cx="4860000" cy="9525"/>
+          </a:xfrm>
+          <a:prstGeom prst="line">
+            <a:avLst/>
+          </a:prstGeom>
+          <a:ln w="3810">
+            <a:solidFill>
+              <a:srgbClr val="745EA8"/>
+            </a:solidFill>
+          </a:ln>
+        </p:spPr>
+        <p:style>
+          <a:lnRef idx="1">
+            <a:schemeClr val="accent1"/>
+          </a:lnRef>
+          <a:fillRef idx="0">
+            <a:schemeClr val="accent1"/>
+          </a:fillRef>
+          <a:effectRef idx="0">
+            <a:schemeClr val="accent1"/>
+          </a:effectRef>
+          <a:fontRef idx="minor">
+            <a:schemeClr val="tx1"/>
+          </a:fontRef>
+        </p:style>
+      </p:cxnSp>
+      <p:cxnSp>
+        <p:nvCxnSpPr>
+          <p:cNvPr id="29" name="직선 연결선 28"/>
+          <p:cNvCxnSpPr/>
+          <p:nvPr/>
+        </p:nvCxnSpPr>
+        <p:spPr>
+          <a:xfrm>
+            <a:off x="5439853" y="5486403"/>
+            <a:ext cx="4860000" cy="9525"/>
+          </a:xfrm>
+          <a:prstGeom prst="line">
+            <a:avLst/>
+          </a:prstGeom>
+          <a:ln w="3810">
+            <a:solidFill>
+              <a:srgbClr val="745EA8"/>
+            </a:solidFill>
+          </a:ln>
+        </p:spPr>
+        <p:style>
+          <a:lnRef idx="1">
+            <a:schemeClr val="accent1"/>
+          </a:lnRef>
+          <a:fillRef idx="0">
+            <a:schemeClr val="accent1"/>
+          </a:fillRef>
+          <a:effectRef idx="0">
+            <a:schemeClr val="accent1"/>
+          </a:effectRef>
+          <a:fontRef idx="minor">
+            <a:schemeClr val="tx1"/>
+          </a:fontRef>
+        </p:style>
+      </p:cxnSp>
+      <p:sp>
+        <p:nvSpPr>
+          <p:cNvPr id="32" name="직사각형 31"/>
+          <p:cNvSpPr/>
+          <p:nvPr/>
+        </p:nvSpPr>
+        <p:spPr>
+          <a:xfrm>
+            <a:off x="4358760" y="3218402"/>
+            <a:ext cx="1084792" cy="123111"/>
+          </a:xfrm>
+          <a:prstGeom prst="rect">
+            <a:avLst/>
+          </a:prstGeom>
+        </p:spPr>
+        <p:txBody>
+          <a:bodyPr wrap="square" lIns="0" tIns="0" rIns="0" bIns="0">
+            <a:spAutoFit/>
+          </a:bodyPr>
+          <a:lstStyle/>
+          <a:p>
+            <a:r>
+              <a:rPr lang="ko-KR" altLang="en-US" sz="800" b="1" smtClean="0">
+                <a:latin typeface="나눔고딕" pitchFamily="50" charset="-127"/>
+                <a:ea typeface="나눔고딕" pitchFamily="50" charset="-127"/>
+              </a:rPr>
+              <a:t>분류</a:t>
+            </a:r>
+            <a:endParaRPr lang="en-US" altLang="ko-KR" sz="800" b="1" dirty="0" smtClean="0">
+              <a:latin typeface="나눔고딕" pitchFamily="50" charset="-127"/>
+              <a:ea typeface="나눔고딕" pitchFamily="50" charset="-127"/>
+            </a:endParaRPr>
+          </a:p>
+        </p:txBody>
+      </p:sp>
+      <p:sp>
+        <p:nvSpPr>
+          <p:cNvPr id="33" name="직사각형 32"/>
+          <p:cNvSpPr/>
+          <p:nvPr/>
+        </p:nvSpPr>
+        <p:spPr>
+          <a:xfrm>
+            <a:off x="5439853" y="3218402"/>
+            <a:ext cx="1084792" cy="123111"/>
+          </a:xfrm>
+          <a:prstGeom prst="rect">
+            <a:avLst/>
+          </a:prstGeom>
+        </p:spPr>
+        <p:txBody>
+          <a:bodyPr wrap="square" lIns="0" tIns="0" rIns="0" bIns="0">
+            <a:spAutoFit/>
+          </a:bodyPr>
+          <a:lstStyle/>
+          <a:p>
+            <a:r>
+              <a:rPr lang="ko-KR" altLang="en-US" sz="800" b="1" dirty="0" smtClean="0">
+                <a:latin typeface="나눔고딕" pitchFamily="50" charset="-127"/>
+                <a:ea typeface="나눔고딕" pitchFamily="50" charset="-127"/>
+              </a:rPr>
+              <a:t>내용요약</a:t>
+            </a:r>
+            <a:endParaRPr lang="en-US" altLang="ko-KR" sz="800" b="1" dirty="0" smtClean="0">
+              <a:latin typeface="나눔고딕" pitchFamily="50" charset="-127"/>
+              <a:ea typeface="나눔고딕" pitchFamily="50" charset="-127"/>
+            </a:endParaRPr>
+          </a:p>
+        </p:txBody>
+      </p:sp>
+      <p:sp>
+        <p:nvSpPr>
+          <p:cNvPr id="30" name="텍스트 개체 틀 11"/>
+          <p:cNvSpPr>
+            <a:spLocks noGrp="1"/>
+          </p:cNvSpPr>
+          <p:nvPr>
+            <p:ph type="body" sz="quarter" idx="16"/>
+          </p:nvPr>
+        </p:nvSpPr>
+        <p:spPr>
+          <a:xfrm rot="16200000">
+            <a:off x="9093319" y="4944182"/>
+            <a:ext cx="2628000" cy="720000"/>
+          </a:xfrm>
+        </p:spPr>
+        <p:txBody>
+          <a:bodyPr/>
+          <a:lstStyle/>
+          <a:p>
+            <a:r>
+              <a:rPr lang="en-US" altLang="ko-KR" dirty="0" smtClean="0"/>
+              <a:t>Hi-Five</a:t>
+            </a:r>
+            <a:endParaRPr lang="ko-KR" altLang="en-US" dirty="0"/>
+          </a:p>
+        </p:txBody>
+      </p:sp>
+      <p:sp>
+        <p:nvSpPr>
+          <p:cNvPr id="34" name="텍스트 개체 틀 11"/>
+          <p:cNvSpPr txBox="1">
+            <a:spLocks/>
+          </p:cNvSpPr>
+          <p:nvPr/>
+        </p:nvSpPr>
+        <p:spPr>
+          <a:xfrm>
+            <a:off x="260131" y="410400"/>
+            <a:ext cx="3717869" cy="2380097"/>
+          </a:xfrm>
+          <a:prstGeom prst="rect">
+            <a:avLst/>
+          </a:prstGeom>
+        </p:spPr>
+        <p:txBody>
+          <a:bodyPr lIns="0" tIns="0" rIns="0" bIns="0"/>
+          <a:lstStyle>
+            <a:lvl1pPr marL="0" indent="0" algn="l" defTabSz="1043056" rtl="0" eaLnBrk="1" latinLnBrk="1" hangingPunct="1">
+              <a:lnSpc>
+                <a:spcPts val="4600"/>
+              </a:lnSpc>
+              <a:spcBef>
+                <a:spcPts val="0"/>
+              </a:spcBef>
+              <a:buFont typeface="Arial" pitchFamily="34" charset="0"/>
+              <a:buNone/>
+              <a:defRPr sz="4000" b="0" kern="1200" spc="-170" baseline="0">
+                <a:solidFill>
+                  <a:srgbClr val="00AAAE"/>
+                </a:solidFill>
+                <a:latin typeface="나눔명조" pitchFamily="18" charset="-127"/>
+                <a:ea typeface="나눔명조" pitchFamily="18" charset="-127"/>
+                <a:cs typeface="+mn-cs"/>
+              </a:defRPr>
+            </a:lvl1pPr>
+            <a:lvl2pPr marL="847483" indent="-325955" algn="l" defTabSz="1043056" rtl="0" eaLnBrk="1" latinLnBrk="1" hangingPunct="1">
+              <a:spcBef>
+                <a:spcPct val="20000"/>
+              </a:spcBef>
+              <a:buFont typeface="Arial" pitchFamily="34" charset="0"/>
+              <a:buChar char="–"/>
+              <a:defRPr sz="3200" kern="1200">
+                <a:solidFill>
+                  <a:schemeClr val="tx1"/>
+                </a:solidFill>
+                <a:latin typeface="+mn-lt"/>
+                <a:ea typeface="+mn-ea"/>
+                <a:cs typeface="+mn-cs"/>
+              </a:defRPr>
+            </a:lvl2pPr>
+            <a:lvl3pPr marL="1303820" indent="-260764" algn="l" defTabSz="1043056" rtl="0" eaLnBrk="1" latinLnBrk="1" hangingPunct="1">
+              <a:spcBef>
+                <a:spcPct val="20000"/>
+              </a:spcBef>
+              <a:buFont typeface="Arial" pitchFamily="34" charset="0"/>
+              <a:buChar char="•"/>
+              <a:defRPr sz="2700" kern="1200">
+                <a:solidFill>
+                  <a:schemeClr val="tx1"/>
+                </a:solidFill>
+                <a:latin typeface="+mn-lt"/>
+                <a:ea typeface="+mn-ea"/>
+                <a:cs typeface="+mn-cs"/>
+              </a:defRPr>
+            </a:lvl3pPr>
+            <a:lvl4pPr marL="1825348" indent="-260764" algn="l" defTabSz="1043056" rtl="0" eaLnBrk="1" latinLnBrk="1" hangingPunct="1">
+              <a:spcBef>
+                <a:spcPct val="20000"/>
+              </a:spcBef>
+              <a:buFont typeface="Arial" pitchFamily="34" charset="0"/>
+              <a:buChar char="–"/>
+              <a:defRPr sz="2300" kern="1200">
+                <a:solidFill>
+                  <a:schemeClr val="tx1"/>
+                </a:solidFill>
+                <a:latin typeface="+mn-lt"/>
+                <a:ea typeface="+mn-ea"/>
+                <a:cs typeface="+mn-cs"/>
+              </a:defRPr>
+            </a:lvl4pPr>
+            <a:lvl5pPr marL="2346876" indent="-260764" algn="l" defTabSz="1043056" rtl="0" eaLnBrk="1" latinLnBrk="1" hangingPunct="1">
+              <a:spcBef>
+                <a:spcPct val="20000"/>
+              </a:spcBef>
+              <a:buFont typeface="Arial" pitchFamily="34" charset="0"/>
+              <a:buChar char="»"/>
+              <a:defRPr sz="2300" kern="1200">
+                <a:solidFill>
+                  <a:schemeClr val="tx1"/>
+                </a:solidFill>
+                <a:latin typeface="+mn-lt"/>
+                <a:ea typeface="+mn-ea"/>
+                <a:cs typeface="+mn-cs"/>
+              </a:defRPr>
+            </a:lvl5pPr>
+            <a:lvl6pPr marL="2868404" indent="-260764" algn="l" defTabSz="1043056" rtl="0" eaLnBrk="1" latinLnBrk="1" hangingPunct="1">
+              <a:spcBef>
+                <a:spcPct val="20000"/>
+              </a:spcBef>
+              <a:buFont typeface="Arial" pitchFamily="34" charset="0"/>
+              <a:buChar char="•"/>
+              <a:defRPr sz="2300" kern="1200">
+                <a:solidFill>
+                  <a:schemeClr val="tx1"/>
+                </a:solidFill>
+                <a:latin typeface="+mn-lt"/>
+                <a:ea typeface="+mn-ea"/>
+                <a:cs typeface="+mn-cs"/>
+              </a:defRPr>
+            </a:lvl6pPr>
+            <a:lvl7pPr marL="3389932" indent="-260764" algn="l" defTabSz="1043056" rtl="0" eaLnBrk="1" latinLnBrk="1" hangingPunct="1">
+              <a:spcBef>
+                <a:spcPct val="20000"/>
+              </a:spcBef>
+              <a:buFont typeface="Arial" pitchFamily="34" charset="0"/>
+              <a:buChar char="•"/>
+              <a:defRPr sz="2300" kern="1200">
+                <a:solidFill>
+                  <a:schemeClr val="tx1"/>
+                </a:solidFill>
+                <a:latin typeface="+mn-lt"/>
+                <a:ea typeface="+mn-ea"/>
+                <a:cs typeface="+mn-cs"/>
+              </a:defRPr>
+            </a:lvl7pPr>
+            <a:lvl8pPr marL="3911460" indent="-260764" algn="l" defTabSz="1043056" rtl="0" eaLnBrk="1" latinLnBrk="1" hangingPunct="1">
+              <a:spcBef>
+                <a:spcPct val="20000"/>
+              </a:spcBef>
+              <a:buFont typeface="Arial" pitchFamily="34" charset="0"/>
+              <a:buChar char="•"/>
+              <a:defRPr sz="2300" kern="1200">
+                <a:solidFill>
+                  <a:schemeClr val="tx1"/>
+                </a:solidFill>
+                <a:latin typeface="+mn-lt"/>
+                <a:ea typeface="+mn-ea"/>
+                <a:cs typeface="+mn-cs"/>
+              </a:defRPr>
+            </a:lvl8pPr>
+            <a:lvl9pPr marL="4432988" indent="-260764" algn="l" defTabSz="1043056" rtl="0" eaLnBrk="1" latinLnBrk="1" hangingPunct="1">
+              <a:spcBef>
+                <a:spcPct val="20000"/>
+              </a:spcBef>
+              <a:buFont typeface="Arial" pitchFamily="34" charset="0"/>
+              <a:buChar char="•"/>
+              <a:defRPr sz="2300" kern="1200">
+                <a:solidFill>
+                  <a:schemeClr val="tx1"/>
+                </a:solidFill>
+                <a:latin typeface="+mn-lt"/>
+                <a:ea typeface="+mn-ea"/>
+                <a:cs typeface="+mn-cs"/>
+              </a:defRPr>
+            </a:lvl9pPr>
+          </a:lstStyle>
+          <a:p>
+            <a:r>
+              <a:rPr lang="en-US" altLang="ko-KR" b="1" spc="0" dirty="0" smtClean="0">
+                <a:latin typeface="Eras Bold ITC" panose="020B0907030504020204" pitchFamily="34" charset="0"/>
+              </a:rPr>
+              <a:t>Project </a:t>
+            </a:r>
+          </a:p>
+          <a:p>
+            <a:r>
+              <a:rPr lang="en-US" altLang="ko-KR" b="1" spc="0" dirty="0" smtClean="0">
+                <a:latin typeface="Eras Bold ITC" panose="020B0907030504020204" pitchFamily="34" charset="0"/>
+              </a:rPr>
+              <a:t>Analysis</a:t>
+            </a:r>
+          </a:p>
+        </p:txBody>
+      </p:sp>
+      <p:sp>
+        <p:nvSpPr>
+          <p:cNvPr id="35" name="텍스트 개체 틀 10"/>
+          <p:cNvSpPr>
+            <a:spLocks noGrp="1"/>
+          </p:cNvSpPr>
+          <p:nvPr>
+            <p:ph type="body" sz="quarter" idx="14"/>
+          </p:nvPr>
+        </p:nvSpPr>
+        <p:spPr>
+          <a:xfrm>
+            <a:off x="4320000" y="435632"/>
+            <a:ext cx="5760000" cy="540000"/>
+          </a:xfrm>
+        </p:spPr>
+        <p:txBody>
+          <a:bodyPr/>
+          <a:lstStyle/>
+          <a:p>
+            <a:r>
+              <a:rPr lang="en-US" altLang="ko-KR" sz="3200" b="1" spc="0" dirty="0" smtClean="0">
+                <a:latin typeface="새굴림" panose="02030600000101010101" pitchFamily="18" charset="-127"/>
+                <a:ea typeface="새굴림" panose="02030600000101010101" pitchFamily="18" charset="-127"/>
+              </a:rPr>
+              <a:t>Functional Requirements</a:t>
+            </a:r>
+            <a:endParaRPr lang="ko-KR" altLang="en-US" sz="3200" b="1" spc="0" dirty="0">
+              <a:latin typeface="새굴림" panose="02030600000101010101" pitchFamily="18" charset="-127"/>
+              <a:ea typeface="새굴림" panose="02030600000101010101" pitchFamily="18" charset="-127"/>
+            </a:endParaRPr>
+          </a:p>
+        </p:txBody>
+      </p:sp>
+    </p:spTree>
+    <p:extLst>
+      <p:ext uri="{BB962C8B-B14F-4D97-AF65-F5344CB8AC3E}">
+        <p14:creationId xmlns:p14="http://schemas.microsoft.com/office/powerpoint/2010/main" val="3075849426"/>
+      </p:ext>
+    </p:extLst>
+  </p:cSld>
+  <p:clrMapOvr>
+    <a:masterClrMapping/>
+  </p:clrMapOvr>
+  <mc:AlternateContent xmlns:mc="http://schemas.openxmlformats.org/markup-compatibility/2006" xmlns:p14="http://schemas.microsoft.com/office/powerpoint/2010/main">
+    <mc:Choice Requires="p14">
+      <p:transition spd="slow" p14:dur="3400">
+        <p14:reveal/>
+      </p:transition>
+    </mc:Choice>
+    <mc:Fallback xmlns="">
+      <p:transition spd="slow">
+        <p:fade/>
+      </p:transition>
+    </mc:Fallback>
+  </mc:AlternateContent>
+  <p:timing>
+    <p:tnLst>
+      <p:par>
+        <p:cTn id="1" dur="indefinite" restart="never" nodeType="tmRoot"/>
+      </p:par>
+    </p:tnLst>
+  </p:timing>
+</p:sld>
+</file>
+
+<file path=ppt/slides/slide11.xml><?xml version="1.0" encoding="utf-8"?>
+<p:sld xmlns:a="http://schemas.openxmlformats.org/drawingml/2006/main" xmlns:r="http://schemas.openxmlformats.org/officeDocument/2006/relationships" xmlns:p="http://schemas.openxmlformats.org/presentationml/2006/main">
+  <p:cSld>
+    <p:spTree>
+      <p:nvGrpSpPr>
+        <p:cNvPr id="1" name=""/>
+        <p:cNvGrpSpPr/>
+        <p:nvPr/>
+      </p:nvGrpSpPr>
+      <p:grpSpPr>
+        <a:xfrm>
+          <a:off x="0" y="0"/>
+          <a:ext cx="0" cy="0"/>
+          <a:chOff x="0" y="0"/>
+          <a:chExt cx="0" cy="0"/>
+        </a:xfrm>
+      </p:grpSpPr>
+      <p:sp>
+        <p:nvSpPr>
           <p:cNvPr id="10" name="텍스트 개체 틀 9"/>
           <p:cNvSpPr>
             <a:spLocks noGrp="1"/>
@@ -3115,7 +4889,7 @@
                   <a:srgbClr val="E1E2E3"/>
                 </a:solidFill>
               </a:rPr>
-              <a:t>2-4</a:t>
+              <a:t>2-5</a:t>
             </a:r>
             <a:endParaRPr lang="ko-KR" altLang="en-US" sz="8800" spc="0" dirty="0">
               <a:solidFill>
@@ -4973,2200 +6747,6 @@
               </a:rPr>
               <a:t>Analysis</a:t>
             </a:r>
-            <a:endParaRPr lang="en-US" altLang="ko-KR" b="1" spc="0" dirty="0" smtClean="0">
-              <a:latin typeface="Eras Bold ITC" panose="020B0907030504020204" pitchFamily="34" charset="0"/>
-            </a:endParaRPr>
-          </a:p>
-        </p:txBody>
-      </p:sp>
-    </p:spTree>
-    <p:extLst>
-      <p:ext uri="{BB962C8B-B14F-4D97-AF65-F5344CB8AC3E}">
-        <p14:creationId xmlns:p14="http://schemas.microsoft.com/office/powerpoint/2010/main" val="3075849426"/>
-      </p:ext>
-    </p:extLst>
-  </p:cSld>
-  <p:clrMapOvr>
-    <a:masterClrMapping/>
-  </p:clrMapOvr>
-  <mc:AlternateContent xmlns:mc="http://schemas.openxmlformats.org/markup-compatibility/2006">
-    <mc:Choice xmlns:p14="http://schemas.microsoft.com/office/powerpoint/2010/main" Requires="p14">
-      <p:transition spd="slow" p14:dur="3400">
-        <p14:reveal/>
-      </p:transition>
-    </mc:Choice>
-    <mc:Fallback>
-      <p:transition spd="slow">
-        <p:fade/>
-      </p:transition>
-    </mc:Fallback>
-  </mc:AlternateContent>
-  <p:timing>
-    <p:tnLst>
-      <p:par>
-        <p:cTn id="1" dur="indefinite" restart="never" nodeType="tmRoot"/>
-      </p:par>
-    </p:tnLst>
-  </p:timing>
-</p:sld>
-</file>
-
-<file path=ppt/slides/slide11.xml><?xml version="1.0" encoding="utf-8"?>
-<p:sld xmlns:a="http://schemas.openxmlformats.org/drawingml/2006/main" xmlns:r="http://schemas.openxmlformats.org/officeDocument/2006/relationships" xmlns:p="http://schemas.openxmlformats.org/presentationml/2006/main">
-  <p:cSld>
-    <p:spTree>
-      <p:nvGrpSpPr>
-        <p:cNvPr id="1" name=""/>
-        <p:cNvGrpSpPr/>
-        <p:nvPr/>
-      </p:nvGrpSpPr>
-      <p:grpSpPr>
-        <a:xfrm>
-          <a:off x="0" y="0"/>
-          <a:ext cx="0" cy="0"/>
-          <a:chOff x="0" y="0"/>
-          <a:chExt cx="0" cy="0"/>
-        </a:xfrm>
-      </p:grpSpPr>
-      <p:sp>
-        <p:nvSpPr>
-          <p:cNvPr id="10" name="텍스트 개체 틀 9"/>
-          <p:cNvSpPr>
-            <a:spLocks noGrp="1"/>
-          </p:cNvSpPr>
-          <p:nvPr>
-            <p:ph type="body" sz="quarter" idx="17"/>
-          </p:nvPr>
-        </p:nvSpPr>
-        <p:spPr>
-          <a:xfrm>
-            <a:off x="4358103" y="861896"/>
-            <a:ext cx="5940000" cy="2268000"/>
-          </a:xfrm>
-        </p:spPr>
-        <p:txBody>
-          <a:bodyPr/>
-          <a:lstStyle/>
-          <a:p>
-            <a:r>
-              <a:rPr lang="ko-KR" altLang="en-US" spc="0" dirty="0" smtClean="0"/>
-              <a:t>온라인 반응</a:t>
-            </a:r>
-            <a:r>
-              <a:rPr lang="en-US" altLang="ko-KR" spc="0" dirty="0" smtClean="0"/>
-              <a:t>.</a:t>
-            </a:r>
-          </a:p>
-          <a:p>
-            <a:r>
-              <a:rPr lang="ko-KR" altLang="en-US" spc="0" dirty="0" smtClean="0">
-                <a:solidFill>
-                  <a:schemeClr val="tx1"/>
-                </a:solidFill>
-              </a:rPr>
-              <a:t>총 </a:t>
-            </a:r>
-            <a:r>
-              <a:rPr lang="en-US" altLang="ko-KR" spc="0" dirty="0" smtClean="0">
-                <a:solidFill>
-                  <a:schemeClr val="tx1"/>
-                </a:solidFill>
-              </a:rPr>
-              <a:t>000</a:t>
-            </a:r>
-            <a:r>
-              <a:rPr lang="ko-KR" altLang="en-US" spc="0" dirty="0" smtClean="0">
-                <a:solidFill>
-                  <a:schemeClr val="tx1"/>
-                </a:solidFill>
-              </a:rPr>
-              <a:t>건 </a:t>
-            </a:r>
-            <a:r>
-              <a:rPr lang="en-US" altLang="ko-KR" spc="0" dirty="0" smtClean="0">
-                <a:solidFill>
-                  <a:schemeClr val="tx1"/>
-                </a:solidFill>
-              </a:rPr>
-              <a:t>/ </a:t>
-            </a:r>
-            <a:r>
-              <a:rPr lang="ko-KR" altLang="en-US" spc="0" dirty="0" smtClean="0">
-                <a:solidFill>
-                  <a:schemeClr val="tx1"/>
-                </a:solidFill>
-              </a:rPr>
-              <a:t>긍정 </a:t>
-            </a:r>
-            <a:r>
-              <a:rPr lang="en-US" altLang="ko-KR" spc="0" dirty="0" smtClean="0">
-                <a:solidFill>
-                  <a:schemeClr val="tx1"/>
-                </a:solidFill>
-              </a:rPr>
-              <a:t>0(0%)   〉   </a:t>
-            </a:r>
-            <a:r>
-              <a:rPr lang="ko-KR" altLang="en-US" spc="0" dirty="0" smtClean="0">
-                <a:solidFill>
-                  <a:schemeClr val="tx1"/>
-                </a:solidFill>
-              </a:rPr>
-              <a:t>중립</a:t>
-            </a:r>
-            <a:r>
-              <a:rPr lang="en-US" altLang="ko-KR" spc="0" dirty="0" smtClean="0">
-                <a:solidFill>
-                  <a:schemeClr val="tx1"/>
-                </a:solidFill>
-              </a:rPr>
-              <a:t>00(0%)   〉   </a:t>
-            </a:r>
-            <a:r>
-              <a:rPr lang="ko-KR" altLang="en-US" spc="0" dirty="0" smtClean="0">
-                <a:solidFill>
-                  <a:schemeClr val="tx1"/>
-                </a:solidFill>
-              </a:rPr>
-              <a:t>부정 </a:t>
-            </a:r>
-            <a:r>
-              <a:rPr lang="en-US" altLang="ko-KR" spc="0" dirty="0" smtClean="0">
-                <a:solidFill>
-                  <a:schemeClr val="tx1"/>
-                </a:solidFill>
-              </a:rPr>
-              <a:t>00(0%)</a:t>
-            </a:r>
-          </a:p>
-          <a:p>
-            <a:endParaRPr lang="en-US" altLang="ko-KR" spc="0" dirty="0" smtClean="0"/>
-          </a:p>
-          <a:p>
-            <a:r>
-              <a:rPr lang="ko-KR" altLang="en-US" spc="0" dirty="0" smtClean="0"/>
-              <a:t>반응 요약</a:t>
-            </a:r>
-            <a:r>
-              <a:rPr lang="en-US" altLang="ko-KR" spc="0" dirty="0" smtClean="0"/>
-              <a:t>.</a:t>
-            </a:r>
-          </a:p>
-          <a:p>
-            <a:r>
-              <a:rPr lang="en-US" altLang="ko-KR" spc="0" dirty="0" smtClean="0">
-                <a:solidFill>
-                  <a:schemeClr val="tx1"/>
-                </a:solidFill>
-              </a:rPr>
-              <a:t>○</a:t>
-            </a:r>
-            <a:r>
-              <a:rPr lang="ko-KR" altLang="en-US" spc="0" dirty="0" smtClean="0">
-                <a:solidFill>
-                  <a:schemeClr val="tx1"/>
-                </a:solidFill>
-              </a:rPr>
-              <a:t>전반적으로 긍정적인 반응이며</a:t>
-            </a:r>
-            <a:r>
-              <a:rPr lang="en-US" altLang="ko-KR" spc="0" dirty="0" smtClean="0">
-                <a:solidFill>
-                  <a:schemeClr val="tx1"/>
-                </a:solidFill>
-              </a:rPr>
-              <a:t>, </a:t>
-            </a:r>
-            <a:r>
-              <a:rPr lang="ko-KR" altLang="en-US" spc="0" dirty="0" smtClean="0">
-                <a:solidFill>
-                  <a:schemeClr val="tx1"/>
-                </a:solidFill>
-              </a:rPr>
-              <a:t>메시지 전달력이 좋다는 비중이 높게 나타남</a:t>
-            </a:r>
-            <a:r>
-              <a:rPr lang="en-US" altLang="ko-KR" spc="0" dirty="0" smtClean="0">
-                <a:solidFill>
-                  <a:schemeClr val="tx1"/>
-                </a:solidFill>
-              </a:rPr>
-              <a:t>.</a:t>
-            </a:r>
-          </a:p>
-          <a:p>
-            <a:r>
-              <a:rPr lang="en-US" altLang="ko-KR" spc="0" dirty="0" smtClean="0">
-                <a:solidFill>
-                  <a:schemeClr val="tx1"/>
-                </a:solidFill>
-              </a:rPr>
-              <a:t>○</a:t>
-            </a:r>
-            <a:r>
-              <a:rPr lang="ko-KR" altLang="en-US" spc="0" dirty="0" smtClean="0">
-                <a:solidFill>
-                  <a:schemeClr val="tx1"/>
-                </a:solidFill>
-              </a:rPr>
-              <a:t>광고를 계기로 서비스를 새로 인지하고 </a:t>
-            </a:r>
-            <a:r>
-              <a:rPr lang="en-US" altLang="ko-KR" spc="0" dirty="0" smtClean="0">
-                <a:solidFill>
-                  <a:schemeClr val="tx1"/>
-                </a:solidFill>
-              </a:rPr>
-              <a:t>Trial </a:t>
-            </a:r>
-            <a:r>
-              <a:rPr lang="ko-KR" altLang="en-US" spc="0" dirty="0" smtClean="0">
-                <a:solidFill>
-                  <a:schemeClr val="tx1"/>
-                </a:solidFill>
-              </a:rPr>
-              <a:t>해보면서 신기해 함</a:t>
-            </a:r>
-            <a:r>
-              <a:rPr lang="en-US" altLang="ko-KR" spc="0" dirty="0" smtClean="0">
-                <a:solidFill>
-                  <a:schemeClr val="tx1"/>
-                </a:solidFill>
-              </a:rPr>
-              <a:t>.</a:t>
-            </a:r>
-          </a:p>
-          <a:p>
-            <a:r>
-              <a:rPr lang="en-US" altLang="ko-KR" spc="0" dirty="0" smtClean="0">
-                <a:solidFill>
-                  <a:schemeClr val="tx1"/>
-                </a:solidFill>
-              </a:rPr>
-              <a:t>○</a:t>
-            </a:r>
-            <a:r>
-              <a:rPr lang="ko-KR" altLang="en-US" spc="0" dirty="0" smtClean="0">
-                <a:solidFill>
-                  <a:schemeClr val="tx1"/>
-                </a:solidFill>
-              </a:rPr>
-              <a:t>광고의 포맷에 대한 긍정의견이 많았으며</a:t>
-            </a:r>
-            <a:r>
-              <a:rPr lang="en-US" altLang="ko-KR" spc="0" dirty="0" smtClean="0">
-                <a:solidFill>
-                  <a:schemeClr val="tx1"/>
-                </a:solidFill>
-              </a:rPr>
-              <a:t>, </a:t>
-            </a:r>
-            <a:r>
-              <a:rPr lang="ko-KR" altLang="en-US" spc="0" dirty="0" smtClean="0">
-                <a:solidFill>
-                  <a:schemeClr val="tx1"/>
-                </a:solidFill>
-              </a:rPr>
-              <a:t>인상적인 광고로 각인된 것으로 판단됨</a:t>
-            </a:r>
-            <a:r>
-              <a:rPr lang="en-US" altLang="ko-KR" spc="0" dirty="0" smtClean="0">
-                <a:solidFill>
-                  <a:schemeClr val="tx1"/>
-                </a:solidFill>
-              </a:rPr>
-              <a:t>.</a:t>
-            </a:r>
-          </a:p>
-        </p:txBody>
-      </p:sp>
-      <p:sp>
-        <p:nvSpPr>
-          <p:cNvPr id="6" name="텍스트 개체 틀 5"/>
-          <p:cNvSpPr>
-            <a:spLocks noGrp="1"/>
-          </p:cNvSpPr>
-          <p:nvPr>
-            <p:ph type="body" sz="quarter" idx="11"/>
-          </p:nvPr>
-        </p:nvSpPr>
-        <p:spPr>
-          <a:xfrm>
-            <a:off x="136800" y="3690000"/>
-            <a:ext cx="1620000" cy="2412000"/>
-          </a:xfrm>
-        </p:spPr>
-        <p:txBody>
-          <a:bodyPr/>
-          <a:lstStyle/>
-          <a:p>
-            <a:r>
-              <a:rPr lang="en-US" altLang="ko-KR" sz="8800" spc="0" dirty="0" smtClean="0">
-                <a:solidFill>
-                  <a:srgbClr val="E1E2E3"/>
-                </a:solidFill>
-              </a:rPr>
-              <a:t>2-5</a:t>
-            </a:r>
-            <a:endParaRPr lang="ko-KR" altLang="en-US" sz="8800" spc="0" dirty="0">
-              <a:solidFill>
-                <a:srgbClr val="E1E2E3"/>
-              </a:solidFill>
-            </a:endParaRPr>
-          </a:p>
-        </p:txBody>
-      </p:sp>
-      <p:sp>
-        <p:nvSpPr>
-          <p:cNvPr id="13" name="텍스트 개체 틀 7"/>
-          <p:cNvSpPr txBox="1">
-            <a:spLocks/>
-          </p:cNvSpPr>
-          <p:nvPr/>
-        </p:nvSpPr>
-        <p:spPr>
-          <a:xfrm>
-            <a:off x="4320000" y="5873434"/>
-            <a:ext cx="5760000" cy="540000"/>
-          </a:xfrm>
-          <a:prstGeom prst="rect">
-            <a:avLst/>
-          </a:prstGeom>
-        </p:spPr>
-        <p:txBody>
-          <a:bodyPr lIns="0" tIns="0" rIns="0" bIns="0"/>
-          <a:lstStyle/>
-          <a:p>
-            <a:pPr lvl="0">
-              <a:lnSpc>
-                <a:spcPts val="2400"/>
-              </a:lnSpc>
-            </a:pPr>
-            <a:r>
-              <a:rPr lang="ko-KR" altLang="en-US" dirty="0" smtClean="0">
-                <a:solidFill>
-                  <a:srgbClr val="00AAAE"/>
-                </a:solidFill>
-                <a:latin typeface="나눔명조" pitchFamily="18" charset="-127"/>
-                <a:ea typeface="나눔명조" pitchFamily="18" charset="-127"/>
-              </a:rPr>
-              <a:t>프로모션 지표</a:t>
-            </a:r>
-            <a:endParaRPr kumimoji="0" lang="ko-KR" altLang="en-US" sz="2100" b="0" i="0" u="none" strike="noStrike" kern="1200" cap="none" spc="0" normalizeH="0" baseline="0" noProof="0" dirty="0">
-              <a:ln>
-                <a:noFill/>
-              </a:ln>
-              <a:solidFill>
-                <a:srgbClr val="00AAAE"/>
-              </a:solidFill>
-              <a:effectLst/>
-              <a:uLnTx/>
-              <a:uFillTx/>
-              <a:latin typeface="나눔명조" pitchFamily="18" charset="-127"/>
-              <a:ea typeface="나눔명조" pitchFamily="18" charset="-127"/>
-              <a:cs typeface="+mn-cs"/>
-            </a:endParaRPr>
-          </a:p>
-        </p:txBody>
-      </p:sp>
-      <p:sp>
-        <p:nvSpPr>
-          <p:cNvPr id="14" name="텍스트 개체 틀 9"/>
-          <p:cNvSpPr txBox="1">
-            <a:spLocks/>
-          </p:cNvSpPr>
-          <p:nvPr/>
-        </p:nvSpPr>
-        <p:spPr>
-          <a:xfrm>
-            <a:off x="4362866" y="6286384"/>
-            <a:ext cx="5940000" cy="1019291"/>
-          </a:xfrm>
-          <a:prstGeom prst="rect">
-            <a:avLst/>
-          </a:prstGeom>
-        </p:spPr>
-        <p:txBody>
-          <a:bodyPr lIns="0" tIns="0" rIns="0" bIns="0"/>
-          <a:lstStyle/>
-          <a:p>
-            <a:pPr lvl="0">
-              <a:lnSpc>
-                <a:spcPts val="1600"/>
-              </a:lnSpc>
-            </a:pPr>
-            <a:r>
-              <a:rPr lang="ko-KR" altLang="en-US" sz="1200" dirty="0" smtClean="0">
-                <a:solidFill>
-                  <a:srgbClr val="745EA8"/>
-                </a:solidFill>
-                <a:latin typeface="나눔고딕" pitchFamily="50" charset="-127"/>
-                <a:ea typeface="나눔고딕" pitchFamily="50" charset="-127"/>
-              </a:rPr>
-              <a:t>이벤트 지표</a:t>
-            </a:r>
-            <a:r>
-              <a:rPr lang="en-US" altLang="ko-KR" sz="1200" dirty="0" smtClean="0">
-                <a:solidFill>
-                  <a:srgbClr val="745EA8"/>
-                </a:solidFill>
-                <a:latin typeface="나눔고딕" pitchFamily="50" charset="-127"/>
-                <a:ea typeface="나눔고딕" pitchFamily="50" charset="-127"/>
-              </a:rPr>
-              <a:t>.</a:t>
-            </a:r>
-          </a:p>
-          <a:p>
-            <a:pPr lvl="0">
-              <a:lnSpc>
-                <a:spcPts val="1600"/>
-              </a:lnSpc>
-            </a:pPr>
-            <a:r>
-              <a:rPr lang="en-US" altLang="ko-KR" sz="1200" dirty="0" smtClean="0">
-                <a:solidFill>
-                  <a:srgbClr val="745EA8"/>
-                </a:solidFill>
-                <a:latin typeface="나눔고딕" pitchFamily="50" charset="-127"/>
-                <a:ea typeface="나눔고딕" pitchFamily="50" charset="-127"/>
-              </a:rPr>
-              <a:t>○ </a:t>
-            </a:r>
-            <a:r>
-              <a:rPr lang="ko-KR" altLang="en-US" sz="1200" dirty="0" smtClean="0">
-                <a:solidFill>
-                  <a:srgbClr val="745EA8"/>
-                </a:solidFill>
-                <a:latin typeface="나눔고딕" pitchFamily="50" charset="-127"/>
-                <a:ea typeface="나눔고딕" pitchFamily="50" charset="-127"/>
-              </a:rPr>
-              <a:t>소재와 연계하여 이벤트 </a:t>
-            </a:r>
-            <a:r>
-              <a:rPr lang="en-US" altLang="ko-KR" sz="1200" dirty="0" smtClean="0">
-                <a:solidFill>
-                  <a:srgbClr val="745EA8"/>
-                </a:solidFill>
-                <a:latin typeface="나눔고딕" pitchFamily="50" charset="-127"/>
-                <a:ea typeface="나눔고딕" pitchFamily="50" charset="-127"/>
-              </a:rPr>
-              <a:t>0</a:t>
-            </a:r>
-            <a:r>
-              <a:rPr lang="ko-KR" altLang="en-US" sz="1200" dirty="0" smtClean="0">
-                <a:solidFill>
-                  <a:srgbClr val="745EA8"/>
-                </a:solidFill>
-                <a:latin typeface="나눔고딕" pitchFamily="50" charset="-127"/>
-                <a:ea typeface="나눔고딕" pitchFamily="50" charset="-127"/>
-              </a:rPr>
-              <a:t>주간 진행</a:t>
-            </a:r>
-            <a:r>
-              <a:rPr lang="en-US" altLang="ko-KR" sz="1200" dirty="0" smtClean="0">
-                <a:solidFill>
-                  <a:srgbClr val="745EA8"/>
-                </a:solidFill>
-                <a:latin typeface="나눔고딕" pitchFamily="50" charset="-127"/>
-                <a:ea typeface="나눔고딕" pitchFamily="50" charset="-127"/>
-              </a:rPr>
-              <a:t>(0/00~0/00)</a:t>
-            </a:r>
-          </a:p>
-          <a:p>
-            <a:pPr lvl="0">
-              <a:lnSpc>
-                <a:spcPts val="1600"/>
-              </a:lnSpc>
-            </a:pPr>
-            <a:r>
-              <a:rPr lang="en-US" altLang="ko-KR" sz="1200" dirty="0" smtClean="0">
-                <a:solidFill>
-                  <a:srgbClr val="745EA8"/>
-                </a:solidFill>
-                <a:latin typeface="나눔고딕" pitchFamily="50" charset="-127"/>
-                <a:ea typeface="나눔고딕" pitchFamily="50" charset="-127"/>
-              </a:rPr>
-              <a:t>○ </a:t>
-            </a:r>
-            <a:r>
-              <a:rPr lang="ko-KR" altLang="en-US" sz="1200" dirty="0" smtClean="0">
-                <a:solidFill>
-                  <a:srgbClr val="745EA8"/>
-                </a:solidFill>
-                <a:latin typeface="나눔고딕" pitchFamily="50" charset="-127"/>
-                <a:ea typeface="나눔고딕" pitchFamily="50" charset="-127"/>
-              </a:rPr>
-              <a:t>누적 응모 총 건</a:t>
-            </a:r>
-            <a:r>
-              <a:rPr lang="en-US" altLang="ko-KR" sz="1200" dirty="0" smtClean="0">
-                <a:solidFill>
-                  <a:srgbClr val="745EA8"/>
-                </a:solidFill>
-                <a:latin typeface="나눔고딕" pitchFamily="50" charset="-127"/>
-                <a:ea typeface="나눔고딕" pitchFamily="50" charset="-127"/>
-              </a:rPr>
-              <a:t>, </a:t>
-            </a:r>
-            <a:r>
-              <a:rPr lang="ko-KR" altLang="en-US" sz="1200" dirty="0" smtClean="0">
-                <a:solidFill>
-                  <a:srgbClr val="745EA8"/>
-                </a:solidFill>
-                <a:latin typeface="나눔고딕" pitchFamily="50" charset="-127"/>
-                <a:ea typeface="나눔고딕" pitchFamily="50" charset="-127"/>
-              </a:rPr>
-              <a:t>일 평균 건 응모</a:t>
-            </a:r>
-            <a:r>
-              <a:rPr lang="en-US" altLang="ko-KR" sz="1200" dirty="0" smtClean="0">
-                <a:solidFill>
-                  <a:srgbClr val="745EA8"/>
-                </a:solidFill>
-                <a:latin typeface="나눔고딕" pitchFamily="50" charset="-127"/>
-                <a:ea typeface="나눔고딕" pitchFamily="50" charset="-127"/>
-              </a:rPr>
-              <a:t>(0</a:t>
-            </a:r>
-            <a:r>
-              <a:rPr lang="ko-KR" altLang="en-US" sz="1200" dirty="0" smtClean="0">
-                <a:solidFill>
-                  <a:srgbClr val="745EA8"/>
-                </a:solidFill>
-                <a:latin typeface="나눔고딕" pitchFamily="50" charset="-127"/>
-                <a:ea typeface="나눔고딕" pitchFamily="50" charset="-127"/>
-              </a:rPr>
-              <a:t>주당 </a:t>
-            </a:r>
-            <a:r>
-              <a:rPr lang="en-US" altLang="ko-KR" sz="1200" dirty="0" smtClean="0">
-                <a:solidFill>
-                  <a:srgbClr val="745EA8"/>
-                </a:solidFill>
-                <a:latin typeface="나눔고딕" pitchFamily="50" charset="-127"/>
-                <a:ea typeface="나눔고딕" pitchFamily="50" charset="-127"/>
-              </a:rPr>
-              <a:t>0</a:t>
-            </a:r>
-            <a:r>
-              <a:rPr lang="ko-KR" altLang="en-US" sz="1200" dirty="0" smtClean="0">
-                <a:solidFill>
-                  <a:srgbClr val="745EA8"/>
-                </a:solidFill>
-                <a:latin typeface="나눔고딕" pitchFamily="50" charset="-127"/>
-                <a:ea typeface="나눔고딕" pitchFamily="50" charset="-127"/>
-              </a:rPr>
-              <a:t>회 응모가능</a:t>
-            </a:r>
-            <a:r>
-              <a:rPr lang="en-US" altLang="ko-KR" sz="1200" dirty="0" smtClean="0">
-                <a:solidFill>
-                  <a:srgbClr val="745EA8"/>
-                </a:solidFill>
-                <a:latin typeface="나눔고딕" pitchFamily="50" charset="-127"/>
-                <a:ea typeface="나눔고딕" pitchFamily="50" charset="-127"/>
-              </a:rPr>
-              <a:t>) </a:t>
-            </a:r>
-          </a:p>
-        </p:txBody>
-      </p:sp>
-      <p:graphicFrame>
-        <p:nvGraphicFramePr>
-          <p:cNvPr id="15" name="표 14"/>
-          <p:cNvGraphicFramePr>
-            <a:graphicFrameLocks noGrp="1"/>
-          </p:cNvGraphicFramePr>
-          <p:nvPr/>
-        </p:nvGraphicFramePr>
-        <p:xfrm>
-          <a:off x="3058583" y="3366469"/>
-          <a:ext cx="1080000" cy="2700000"/>
-        </p:xfrm>
-        <a:graphic>
-          <a:graphicData uri="http://schemas.openxmlformats.org/drawingml/2006/table">
-            <a:tbl>
-              <a:tblPr firstRow="1" bandRow="1">
-                <a:tableStyleId>{2D5ABB26-0587-4C30-8999-92F81FD0307C}</a:tableStyleId>
-              </a:tblPr>
-              <a:tblGrid>
-                <a:gridCol w="1080000">
-                  <a:extLst>
-                    <a:ext uri="{9D8B030D-6E8A-4147-A177-3AD203B41FA5}">
-                      <a16:colId xmlns:a16="http://schemas.microsoft.com/office/drawing/2014/main" val="20000"/>
-                    </a:ext>
-                  </a:extLst>
-                </a:gridCol>
-              </a:tblGrid>
-              <a:tr h="1350000">
-                <a:tc>
-                  <a:txBody>
-                    <a:bodyPr/>
-                    <a:lstStyle/>
-                    <a:p>
-                      <a:pPr latinLnBrk="1">
-                        <a:lnSpc>
-                          <a:spcPts val="1500"/>
-                        </a:lnSpc>
-                      </a:pPr>
-                      <a:r>
-                        <a:rPr lang="ko-KR" altLang="en-US" sz="800" b="1" dirty="0" smtClean="0">
-                          <a:latin typeface="나눔고딕" pitchFamily="50" charset="-127"/>
-                          <a:ea typeface="나눔고딕" pitchFamily="50" charset="-127"/>
-                        </a:rPr>
-                        <a:t>블로그</a:t>
-                      </a:r>
-                      <a:r>
-                        <a:rPr lang="en-US" altLang="ko-KR" sz="800" b="1" dirty="0" smtClean="0">
-                          <a:latin typeface="나눔고딕" pitchFamily="50" charset="-127"/>
-                          <a:ea typeface="나눔고딕" pitchFamily="50" charset="-127"/>
-                        </a:rPr>
-                        <a:t>, </a:t>
-                      </a:r>
-                      <a:r>
-                        <a:rPr lang="en-US" altLang="ko-KR" sz="800" b="1" baseline="0" dirty="0" smtClean="0">
-                          <a:latin typeface="나눔고딕" pitchFamily="50" charset="-127"/>
-                          <a:ea typeface="나눔고딕" pitchFamily="50" charset="-127"/>
-                        </a:rPr>
-                        <a:t> </a:t>
-                      </a:r>
-                      <a:r>
-                        <a:rPr lang="ko-KR" altLang="en-US" sz="800" b="1" dirty="0" smtClean="0">
-                          <a:latin typeface="나눔고딕" pitchFamily="50" charset="-127"/>
-                          <a:ea typeface="나눔고딕" pitchFamily="50" charset="-127"/>
-                        </a:rPr>
-                        <a:t>카페</a:t>
-                      </a:r>
-                      <a:r>
-                        <a:rPr lang="en-US" altLang="ko-KR" sz="800" b="1" dirty="0" smtClean="0">
-                          <a:latin typeface="나눔고딕" pitchFamily="50" charset="-127"/>
-                          <a:ea typeface="나눔고딕" pitchFamily="50" charset="-127"/>
-                        </a:rPr>
-                        <a:t>,</a:t>
-                      </a:r>
-                    </a:p>
-                    <a:p>
-                      <a:pPr latinLnBrk="1">
-                        <a:lnSpc>
-                          <a:spcPts val="1500"/>
-                        </a:lnSpc>
-                      </a:pPr>
-                      <a:r>
-                        <a:rPr lang="en-US" altLang="ko-KR" sz="800" b="1" dirty="0" smtClean="0">
-                          <a:latin typeface="나눔고딕" pitchFamily="50" charset="-127"/>
-                          <a:ea typeface="나눔고딕" pitchFamily="50" charset="-127"/>
-                        </a:rPr>
-                        <a:t>SNS ,</a:t>
-                      </a:r>
-                      <a:r>
-                        <a:rPr lang="en-US" altLang="ko-KR" sz="800" b="1" baseline="0" dirty="0" smtClean="0">
-                          <a:latin typeface="나눔고딕" pitchFamily="50" charset="-127"/>
-                          <a:ea typeface="나눔고딕" pitchFamily="50" charset="-127"/>
-                        </a:rPr>
-                        <a:t> </a:t>
-                      </a:r>
-                      <a:r>
-                        <a:rPr lang="en-US" altLang="ko-KR" sz="800" b="1" dirty="0" smtClean="0">
-                          <a:latin typeface="나눔고딕" pitchFamily="50" charset="-127"/>
-                          <a:ea typeface="나눔고딕" pitchFamily="50" charset="-127"/>
-                        </a:rPr>
-                        <a:t>TVCF</a:t>
-                      </a:r>
-                      <a:endParaRPr lang="ko-KR" altLang="en-US" sz="800" b="1" dirty="0">
-                        <a:latin typeface="나눔고딕" pitchFamily="50" charset="-127"/>
-                        <a:ea typeface="나눔고딕" pitchFamily="50" charset="-127"/>
-                      </a:endParaRPr>
-                    </a:p>
-                  </a:txBody>
-                  <a:tcPr marL="0" marR="0" marT="0" marB="0">
-                    <a:lnT w="12700" cap="flat" cmpd="sng" algn="ctr">
-                      <a:solidFill>
-                        <a:schemeClr val="tx1"/>
-                      </a:solidFill>
-                      <a:prstDash val="solid"/>
-                      <a:round/>
-                      <a:headEnd type="none" w="med" len="med"/>
-                      <a:tailEnd type="none" w="med" len="med"/>
-                    </a:lnT>
-                  </a:tcPr>
-                </a:tc>
-                <a:extLst>
-                  <a:ext uri="{0D108BD9-81ED-4DB2-BD59-A6C34878D82A}">
-                    <a16:rowId xmlns:a16="http://schemas.microsoft.com/office/drawing/2014/main" val="10000"/>
-                  </a:ext>
-                </a:extLst>
-              </a:tr>
-              <a:tr h="1350000">
-                <a:tc>
-                  <a:txBody>
-                    <a:bodyPr/>
-                    <a:lstStyle/>
-                    <a:p>
-                      <a:pPr latinLnBrk="1">
-                        <a:lnSpc>
-                          <a:spcPts val="1500"/>
-                        </a:lnSpc>
-                      </a:pPr>
-                      <a:endParaRPr lang="ko-KR" altLang="en-US" sz="800" b="1" dirty="0">
-                        <a:latin typeface="나눔고딕" pitchFamily="50" charset="-127"/>
-                        <a:ea typeface="나눔고딕" pitchFamily="50" charset="-127"/>
-                      </a:endParaRPr>
-                    </a:p>
-                  </a:txBody>
-                  <a:tcPr marL="0" marR="0" marT="0" marB="0"/>
-                </a:tc>
-                <a:extLst>
-                  <a:ext uri="{0D108BD9-81ED-4DB2-BD59-A6C34878D82A}">
-                    <a16:rowId xmlns:a16="http://schemas.microsoft.com/office/drawing/2014/main" val="10001"/>
-                  </a:ext>
-                </a:extLst>
-              </a:tr>
-            </a:tbl>
-          </a:graphicData>
-        </a:graphic>
-      </p:graphicFrame>
-      <p:graphicFrame>
-        <p:nvGraphicFramePr>
-          <p:cNvPr id="16" name="표 15"/>
-          <p:cNvGraphicFramePr>
-            <a:graphicFrameLocks noGrp="1"/>
-          </p:cNvGraphicFramePr>
-          <p:nvPr/>
-        </p:nvGraphicFramePr>
-        <p:xfrm>
-          <a:off x="4358760" y="3366469"/>
-          <a:ext cx="900000" cy="2721600"/>
-        </p:xfrm>
-        <a:graphic>
-          <a:graphicData uri="http://schemas.openxmlformats.org/drawingml/2006/table">
-            <a:tbl>
-              <a:tblPr firstRow="1" bandRow="1">
-                <a:tableStyleId>{2D5ABB26-0587-4C30-8999-92F81FD0307C}</a:tableStyleId>
-              </a:tblPr>
-              <a:tblGrid>
-                <a:gridCol w="900000">
-                  <a:extLst>
-                    <a:ext uri="{9D8B030D-6E8A-4147-A177-3AD203B41FA5}">
-                      <a16:colId xmlns:a16="http://schemas.microsoft.com/office/drawing/2014/main" val="20000"/>
-                    </a:ext>
-                  </a:extLst>
-                </a:gridCol>
-              </a:tblGrid>
-              <a:tr h="1548000">
-                <a:tc>
-                  <a:txBody>
-                    <a:bodyPr/>
-                    <a:lstStyle/>
-                    <a:p>
-                      <a:pPr latinLnBrk="1">
-                        <a:lnSpc>
-                          <a:spcPts val="1500"/>
-                        </a:lnSpc>
-                      </a:pPr>
-                      <a:r>
-                        <a:rPr lang="ko-KR" altLang="en-US" sz="800" b="1" dirty="0" smtClean="0">
-                          <a:latin typeface="나눔고딕" pitchFamily="50" charset="-127"/>
-                          <a:ea typeface="나눔고딕" pitchFamily="50" charset="-127"/>
-                        </a:rPr>
-                        <a:t>긍정</a:t>
-                      </a:r>
-                      <a:endParaRPr lang="ko-KR" altLang="en-US" sz="800" b="1" dirty="0">
-                        <a:latin typeface="나눔고딕" pitchFamily="50" charset="-127"/>
-                        <a:ea typeface="나눔고딕" pitchFamily="50" charset="-127"/>
-                      </a:endParaRPr>
-                    </a:p>
-                  </a:txBody>
-                  <a:tcPr marL="0" marR="0" marT="0" marB="0">
-                    <a:lnT w="12700" cap="flat" cmpd="sng" algn="ctr">
-                      <a:solidFill>
-                        <a:schemeClr val="tx1"/>
-                      </a:solidFill>
-                      <a:prstDash val="solid"/>
-                      <a:round/>
-                      <a:headEnd type="none" w="med" len="med"/>
-                      <a:tailEnd type="none" w="med" len="med"/>
-                    </a:lnT>
-                    <a:lnB w="3175" cap="flat" cmpd="sng" algn="ctr">
-                      <a:solidFill>
-                        <a:schemeClr val="tx1"/>
-                      </a:solidFill>
-                      <a:prstDash val="solid"/>
-                      <a:round/>
-                      <a:headEnd type="none" w="med" len="med"/>
-                      <a:tailEnd type="none" w="med" len="med"/>
-                    </a:lnB>
-                  </a:tcPr>
-                </a:tc>
-                <a:extLst>
-                  <a:ext uri="{0D108BD9-81ED-4DB2-BD59-A6C34878D82A}">
-                    <a16:rowId xmlns:a16="http://schemas.microsoft.com/office/drawing/2014/main" val="10000"/>
-                  </a:ext>
-                </a:extLst>
-              </a:tr>
-              <a:tr h="756000">
-                <a:tc>
-                  <a:txBody>
-                    <a:bodyPr/>
-                    <a:lstStyle/>
-                    <a:p>
-                      <a:pPr latinLnBrk="1">
-                        <a:lnSpc>
-                          <a:spcPts val="1500"/>
-                        </a:lnSpc>
-                      </a:pPr>
-                      <a:r>
-                        <a:rPr lang="ko-KR" altLang="en-US" sz="800" b="1" dirty="0" smtClean="0">
-                          <a:latin typeface="나눔고딕" pitchFamily="50" charset="-127"/>
-                          <a:ea typeface="나눔고딕" pitchFamily="50" charset="-127"/>
-                        </a:rPr>
-                        <a:t>부정</a:t>
-                      </a:r>
-                      <a:endParaRPr lang="ko-KR" altLang="en-US" sz="800" b="1" dirty="0">
-                        <a:latin typeface="나눔고딕" pitchFamily="50" charset="-127"/>
-                        <a:ea typeface="나눔고딕" pitchFamily="50" charset="-127"/>
-                      </a:endParaRPr>
-                    </a:p>
-                  </a:txBody>
-                  <a:tcPr marL="0" marR="0" marT="0" marB="0">
-                    <a:lnT w="3175" cap="flat" cmpd="sng" algn="ctr">
-                      <a:solidFill>
-                        <a:schemeClr val="tx1"/>
-                      </a:solidFill>
-                      <a:prstDash val="solid"/>
-                      <a:round/>
-                      <a:headEnd type="none" w="med" len="med"/>
-                      <a:tailEnd type="none" w="med" len="med"/>
-                    </a:lnT>
-                    <a:lnB w="3175" cap="flat" cmpd="sng" algn="ctr">
-                      <a:solidFill>
-                        <a:schemeClr val="tx1"/>
-                      </a:solidFill>
-                      <a:prstDash val="solid"/>
-                      <a:round/>
-                      <a:headEnd type="none" w="med" len="med"/>
-                      <a:tailEnd type="none" w="med" len="med"/>
-                    </a:lnB>
-                  </a:tcPr>
-                </a:tc>
-                <a:extLst>
-                  <a:ext uri="{0D108BD9-81ED-4DB2-BD59-A6C34878D82A}">
-                    <a16:rowId xmlns:a16="http://schemas.microsoft.com/office/drawing/2014/main" val="10001"/>
-                  </a:ext>
-                </a:extLst>
-              </a:tr>
-              <a:tr h="417600">
-                <a:tc>
-                  <a:txBody>
-                    <a:bodyPr/>
-                    <a:lstStyle/>
-                    <a:p>
-                      <a:pPr latinLnBrk="1">
-                        <a:lnSpc>
-                          <a:spcPts val="1500"/>
-                        </a:lnSpc>
-                      </a:pPr>
-                      <a:endParaRPr lang="ko-KR" altLang="en-US" sz="800" b="1" dirty="0">
-                        <a:latin typeface="나눔고딕" pitchFamily="50" charset="-127"/>
-                        <a:ea typeface="나눔고딕" pitchFamily="50" charset="-127"/>
-                      </a:endParaRPr>
-                    </a:p>
-                  </a:txBody>
-                  <a:tcPr marL="0" marR="0" marT="0" marB="0">
-                    <a:lnT w="3175" cap="flat" cmpd="sng" algn="ctr">
-                      <a:solidFill>
-                        <a:schemeClr val="tx1"/>
-                      </a:solidFill>
-                      <a:prstDash val="solid"/>
-                      <a:round/>
-                      <a:headEnd type="none" w="med" len="med"/>
-                      <a:tailEnd type="none" w="med" len="med"/>
-                    </a:lnT>
-                  </a:tcPr>
-                </a:tc>
-                <a:extLst>
-                  <a:ext uri="{0D108BD9-81ED-4DB2-BD59-A6C34878D82A}">
-                    <a16:rowId xmlns:a16="http://schemas.microsoft.com/office/drawing/2014/main" val="10002"/>
-                  </a:ext>
-                </a:extLst>
-              </a:tr>
-            </a:tbl>
-          </a:graphicData>
-        </a:graphic>
-      </p:graphicFrame>
-      <p:graphicFrame>
-        <p:nvGraphicFramePr>
-          <p:cNvPr id="18" name="표 17"/>
-          <p:cNvGraphicFramePr>
-            <a:graphicFrameLocks noGrp="1"/>
-          </p:cNvGraphicFramePr>
-          <p:nvPr>
-            <p:extLst>
-              <p:ext uri="{D42A27DB-BD31-4B8C-83A1-F6EECF244321}">
-                <p14:modId xmlns:p14="http://schemas.microsoft.com/office/powerpoint/2010/main" val="1276532552"/>
-              </p:ext>
-            </p:extLst>
-          </p:nvPr>
-        </p:nvGraphicFramePr>
-        <p:xfrm>
-          <a:off x="5439853" y="3366469"/>
-          <a:ext cx="4860000" cy="2720175"/>
-        </p:xfrm>
-        <a:graphic>
-          <a:graphicData uri="http://schemas.openxmlformats.org/drawingml/2006/table">
-            <a:tbl>
-              <a:tblPr firstRow="1" bandRow="1">
-                <a:tableStyleId>{2D5ABB26-0587-4C30-8999-92F81FD0307C}</a:tableStyleId>
-              </a:tblPr>
-              <a:tblGrid>
-                <a:gridCol w="4860000">
-                  <a:extLst>
-                    <a:ext uri="{9D8B030D-6E8A-4147-A177-3AD203B41FA5}">
-                      <a16:colId xmlns:a16="http://schemas.microsoft.com/office/drawing/2014/main" val="20000"/>
-                    </a:ext>
-                  </a:extLst>
-                </a:gridCol>
-              </a:tblGrid>
-              <a:tr h="1548000">
-                <a:tc>
-                  <a:txBody>
-                    <a:bodyPr/>
-                    <a:lstStyle/>
-                    <a:p>
-                      <a:pPr marL="0" marR="0" indent="0" algn="l" defTabSz="1043056" rtl="0" eaLnBrk="1" fontAlgn="auto" latinLnBrk="1" hangingPunct="1">
-                        <a:lnSpc>
-                          <a:spcPts val="1500"/>
-                        </a:lnSpc>
-                        <a:spcBef>
-                          <a:spcPts val="0"/>
-                        </a:spcBef>
-                        <a:spcAft>
-                          <a:spcPts val="0"/>
-                        </a:spcAft>
-                        <a:buClrTx/>
-                        <a:buSzTx/>
-                        <a:buFontTx/>
-                        <a:buNone/>
-                        <a:tabLst/>
-                        <a:defRPr/>
-                      </a:pPr>
-                      <a:r>
-                        <a:rPr lang="ko-KR" altLang="en-US" sz="800" b="1" dirty="0" smtClean="0">
-                          <a:solidFill>
-                            <a:srgbClr val="00AAAE"/>
-                          </a:solidFill>
-                          <a:latin typeface="나눔고딕" pitchFamily="50" charset="-127"/>
-                          <a:ea typeface="나눔고딕" pitchFamily="50" charset="-127"/>
-                        </a:rPr>
-                        <a:t>자세한 설명을 보고 듣고 하니 이해가 빠르네요 </a:t>
-                      </a:r>
-                      <a:r>
-                        <a:rPr lang="en-US" altLang="ko-KR" sz="800" b="1" dirty="0" smtClean="0">
-                          <a:solidFill>
-                            <a:srgbClr val="00AAAE"/>
-                          </a:solidFill>
-                          <a:latin typeface="나눔고딕" pitchFamily="50" charset="-127"/>
-                          <a:ea typeface="나눔고딕" pitchFamily="50" charset="-127"/>
-                        </a:rPr>
-                        <a:t>/ </a:t>
-                      </a:r>
-                      <a:r>
-                        <a:rPr lang="ko-KR" altLang="en-US" sz="800" b="1" dirty="0" smtClean="0">
-                          <a:solidFill>
-                            <a:srgbClr val="00AAAE"/>
-                          </a:solidFill>
-                          <a:latin typeface="나눔고딕" pitchFamily="50" charset="-127"/>
-                          <a:ea typeface="나눔고딕" pitchFamily="50" charset="-127"/>
-                        </a:rPr>
-                        <a:t>새로운 기능을 알았네요</a:t>
-                      </a:r>
-                    </a:p>
-                    <a:p>
-                      <a:pPr marL="0" marR="0" indent="0" algn="l" defTabSz="1043056" rtl="0" eaLnBrk="1" fontAlgn="auto" latinLnBrk="1" hangingPunct="1">
-                        <a:lnSpc>
-                          <a:spcPts val="1500"/>
-                        </a:lnSpc>
-                        <a:spcBef>
-                          <a:spcPts val="0"/>
-                        </a:spcBef>
-                        <a:spcAft>
-                          <a:spcPts val="0"/>
-                        </a:spcAft>
-                        <a:buClrTx/>
-                        <a:buSzTx/>
-                        <a:buFontTx/>
-                        <a:buNone/>
-                        <a:tabLst/>
-                        <a:defRPr/>
-                      </a:pPr>
-                      <a:r>
-                        <a:rPr lang="ko-KR" altLang="en-US" sz="800" b="1" dirty="0" smtClean="0">
-                          <a:solidFill>
-                            <a:srgbClr val="00AAAE"/>
-                          </a:solidFill>
-                          <a:latin typeface="나눔고딕" pitchFamily="50" charset="-127"/>
-                          <a:ea typeface="나눔고딕" pitchFamily="50" charset="-127"/>
-                        </a:rPr>
-                        <a:t>간단명료하네요 </a:t>
-                      </a:r>
-                      <a:r>
-                        <a:rPr lang="en-US" altLang="ko-KR" sz="800" b="1" dirty="0" smtClean="0">
-                          <a:solidFill>
-                            <a:srgbClr val="00AAAE"/>
-                          </a:solidFill>
-                          <a:latin typeface="나눔고딕" pitchFamily="50" charset="-127"/>
-                          <a:ea typeface="나눔고딕" pitchFamily="50" charset="-127"/>
-                        </a:rPr>
-                        <a:t>/ </a:t>
-                      </a:r>
-                      <a:r>
-                        <a:rPr lang="ko-KR" altLang="en-US" sz="800" b="1" dirty="0" smtClean="0">
-                          <a:solidFill>
-                            <a:srgbClr val="00AAAE"/>
-                          </a:solidFill>
-                          <a:latin typeface="나눔고딕" pitchFamily="50" charset="-127"/>
-                          <a:ea typeface="나눔고딕" pitchFamily="50" charset="-127"/>
-                        </a:rPr>
-                        <a:t>광고보고 다운받은 </a:t>
-                      </a:r>
-                      <a:r>
-                        <a:rPr lang="en-US" altLang="ko-KR" sz="800" b="1" dirty="0" smtClean="0">
-                          <a:solidFill>
-                            <a:srgbClr val="00AAAE"/>
-                          </a:solidFill>
-                          <a:latin typeface="나눔고딕" pitchFamily="50" charset="-127"/>
-                          <a:ea typeface="나눔고딕" pitchFamily="50" charset="-127"/>
-                        </a:rPr>
-                        <a:t>1</a:t>
-                      </a:r>
-                      <a:r>
-                        <a:rPr lang="ko-KR" altLang="en-US" sz="800" b="1" dirty="0" smtClean="0">
-                          <a:solidFill>
-                            <a:srgbClr val="00AAAE"/>
-                          </a:solidFill>
-                          <a:latin typeface="나눔고딕" pitchFamily="50" charset="-127"/>
-                          <a:ea typeface="나눔고딕" pitchFamily="50" charset="-127"/>
-                        </a:rPr>
-                        <a:t>인 </a:t>
-                      </a:r>
-                      <a:r>
-                        <a:rPr lang="en-US" altLang="ko-KR" sz="800" b="1" dirty="0" smtClean="0">
-                          <a:solidFill>
-                            <a:srgbClr val="00AAAE"/>
-                          </a:solidFill>
-                          <a:latin typeface="나눔고딕" pitchFamily="50" charset="-127"/>
-                          <a:ea typeface="나눔고딕" pitchFamily="50" charset="-127"/>
-                        </a:rPr>
-                        <a:t>/ </a:t>
-                      </a:r>
-                      <a:r>
-                        <a:rPr lang="ko-KR" altLang="en-US" sz="800" b="1" dirty="0" smtClean="0">
-                          <a:solidFill>
-                            <a:srgbClr val="00AAAE"/>
-                          </a:solidFill>
-                          <a:latin typeface="나눔고딕" pitchFamily="50" charset="-127"/>
-                          <a:ea typeface="나눔고딕" pitchFamily="50" charset="-127"/>
-                        </a:rPr>
-                        <a:t>광고 보고 실 제 해본 </a:t>
-                      </a:r>
-                    </a:p>
-                    <a:p>
-                      <a:pPr marL="0" marR="0" indent="0" algn="l" defTabSz="1043056" rtl="0" eaLnBrk="1" fontAlgn="auto" latinLnBrk="1" hangingPunct="1">
-                        <a:lnSpc>
-                          <a:spcPts val="1500"/>
-                        </a:lnSpc>
-                        <a:spcBef>
-                          <a:spcPts val="0"/>
-                        </a:spcBef>
-                        <a:spcAft>
-                          <a:spcPts val="0"/>
-                        </a:spcAft>
-                        <a:buClrTx/>
-                        <a:buSzTx/>
-                        <a:buFontTx/>
-                        <a:buNone/>
-                        <a:tabLst/>
-                        <a:defRPr/>
-                      </a:pPr>
-                      <a:r>
-                        <a:rPr lang="en-US" altLang="ko-KR" sz="800" b="1" dirty="0" smtClean="0">
-                          <a:solidFill>
-                            <a:srgbClr val="00AAAE"/>
-                          </a:solidFill>
-                          <a:latin typeface="나눔고딕" pitchFamily="50" charset="-127"/>
-                          <a:ea typeface="나눔고딕" pitchFamily="50" charset="-127"/>
-                        </a:rPr>
-                        <a:t>TV</a:t>
-                      </a:r>
-                      <a:r>
-                        <a:rPr lang="ko-KR" altLang="en-US" sz="800" b="1" dirty="0" smtClean="0">
-                          <a:solidFill>
-                            <a:srgbClr val="00AAAE"/>
-                          </a:solidFill>
-                          <a:latin typeface="나눔고딕" pitchFamily="50" charset="-127"/>
-                          <a:ea typeface="나눔고딕" pitchFamily="50" charset="-127"/>
-                        </a:rPr>
-                        <a:t>광고에서 노래 들려주면 제목 알려주는 거를 해봤는데 진짜 된다</a:t>
-                      </a:r>
-                    </a:p>
-                    <a:p>
-                      <a:pPr marL="0" marR="0" indent="0" algn="l" defTabSz="1043056" rtl="0" eaLnBrk="1" fontAlgn="auto" latinLnBrk="1" hangingPunct="1">
-                        <a:lnSpc>
-                          <a:spcPts val="1500"/>
-                        </a:lnSpc>
-                        <a:spcBef>
-                          <a:spcPts val="0"/>
-                        </a:spcBef>
-                        <a:spcAft>
-                          <a:spcPts val="0"/>
-                        </a:spcAft>
-                        <a:buClrTx/>
-                        <a:buSzTx/>
-                        <a:buFontTx/>
-                        <a:buNone/>
-                        <a:tabLst/>
-                        <a:defRPr/>
-                      </a:pPr>
-                      <a:r>
-                        <a:rPr lang="ko-KR" altLang="en-US" sz="800" b="1" dirty="0" smtClean="0">
-                          <a:solidFill>
-                            <a:srgbClr val="00AAAE"/>
-                          </a:solidFill>
-                          <a:latin typeface="나눔고딕" pitchFamily="50" charset="-127"/>
-                          <a:ea typeface="나눔고딕" pitchFamily="50" charset="-127"/>
-                        </a:rPr>
-                        <a:t>심플하고 군더더기 없는 광고 너무 좋아요 왠지 바로 해보고 싶은 생각도 들어요</a:t>
-                      </a:r>
-                    </a:p>
-                    <a:p>
-                      <a:pPr marL="0" marR="0" indent="0" algn="l" defTabSz="1043056" rtl="0" eaLnBrk="1" fontAlgn="auto" latinLnBrk="1" hangingPunct="1">
-                        <a:lnSpc>
-                          <a:spcPts val="1500"/>
-                        </a:lnSpc>
-                        <a:spcBef>
-                          <a:spcPts val="0"/>
-                        </a:spcBef>
-                        <a:spcAft>
-                          <a:spcPts val="0"/>
-                        </a:spcAft>
-                        <a:buClrTx/>
-                        <a:buSzTx/>
-                        <a:buFontTx/>
-                        <a:buNone/>
-                        <a:tabLst/>
-                        <a:defRPr/>
-                      </a:pPr>
-                      <a:r>
-                        <a:rPr lang="ko-KR" altLang="en-US" sz="800" b="1" dirty="0" smtClean="0">
-                          <a:solidFill>
-                            <a:srgbClr val="00AAAE"/>
-                          </a:solidFill>
-                          <a:latin typeface="나눔고딕" pitchFamily="50" charset="-127"/>
-                          <a:ea typeface="나눔고딕" pitchFamily="50" charset="-127"/>
-                        </a:rPr>
-                        <a:t>역시 깔끔한 광고</a:t>
-                      </a:r>
-                      <a:r>
-                        <a:rPr lang="en-US" altLang="ko-KR" sz="800" b="1" dirty="0" smtClean="0">
-                          <a:solidFill>
-                            <a:srgbClr val="00AAAE"/>
-                          </a:solidFill>
-                          <a:latin typeface="나눔고딕" pitchFamily="50" charset="-127"/>
-                          <a:ea typeface="나눔고딕" pitchFamily="50" charset="-127"/>
-                        </a:rPr>
-                        <a:t>, </a:t>
-                      </a:r>
-                      <a:r>
-                        <a:rPr lang="ko-KR" altLang="en-US" sz="800" b="1" dirty="0" smtClean="0">
-                          <a:solidFill>
-                            <a:srgbClr val="00AAAE"/>
-                          </a:solidFill>
-                          <a:latin typeface="나눔고딕" pitchFamily="50" charset="-127"/>
-                          <a:ea typeface="나눔고딕" pitchFamily="50" charset="-127"/>
-                        </a:rPr>
-                        <a:t>담백함과 격이 느껴지는 힘 뺀 고수 느낌</a:t>
-                      </a:r>
-                    </a:p>
-                    <a:p>
-                      <a:pPr marL="0" marR="0" indent="0" algn="l" defTabSz="1043056" rtl="0" eaLnBrk="1" fontAlgn="auto" latinLnBrk="1" hangingPunct="1">
-                        <a:lnSpc>
-                          <a:spcPts val="1500"/>
-                        </a:lnSpc>
-                        <a:spcBef>
-                          <a:spcPts val="0"/>
-                        </a:spcBef>
-                        <a:spcAft>
-                          <a:spcPts val="0"/>
-                        </a:spcAft>
-                        <a:buClrTx/>
-                        <a:buSzTx/>
-                        <a:buFontTx/>
-                        <a:buNone/>
-                        <a:tabLst/>
-                        <a:defRPr/>
-                      </a:pPr>
-                      <a:r>
-                        <a:rPr lang="ko-KR" altLang="en-US" sz="800" b="1" dirty="0" smtClean="0">
-                          <a:solidFill>
-                            <a:srgbClr val="00AAAE"/>
-                          </a:solidFill>
-                          <a:latin typeface="나눔고딕" pitchFamily="50" charset="-127"/>
-                          <a:ea typeface="나눔고딕" pitchFamily="50" charset="-127"/>
-                        </a:rPr>
-                        <a:t>확실히 이야기 해주네요 정보전달력이 좋아요  </a:t>
-                      </a:r>
-                      <a:r>
-                        <a:rPr lang="en-US" altLang="ko-KR" sz="800" b="1" dirty="0" smtClean="0">
-                          <a:solidFill>
-                            <a:srgbClr val="00AAAE"/>
-                          </a:solidFill>
-                          <a:latin typeface="나눔고딕" pitchFamily="50" charset="-127"/>
-                          <a:ea typeface="나눔고딕" pitchFamily="50" charset="-127"/>
-                        </a:rPr>
-                        <a:t>/ </a:t>
-                      </a:r>
-                      <a:r>
-                        <a:rPr lang="ko-KR" altLang="en-US" sz="800" b="1" dirty="0" smtClean="0">
-                          <a:solidFill>
-                            <a:srgbClr val="00AAAE"/>
-                          </a:solidFill>
-                          <a:latin typeface="나눔고딕" pitchFamily="50" charset="-127"/>
-                          <a:ea typeface="나눔고딕" pitchFamily="50" charset="-127"/>
-                        </a:rPr>
-                        <a:t>사용하는 모습 보여준 것이 더  </a:t>
-                      </a:r>
-                      <a:r>
-                        <a:rPr lang="ko-KR" altLang="en-US" sz="800" b="1" dirty="0" err="1" smtClean="0">
-                          <a:solidFill>
-                            <a:srgbClr val="00AAAE"/>
-                          </a:solidFill>
-                          <a:latin typeface="나눔고딕" pitchFamily="50" charset="-127"/>
-                          <a:ea typeface="나눔고딕" pitchFamily="50" charset="-127"/>
-                        </a:rPr>
-                        <a:t>좋았던듯</a:t>
-                      </a:r>
-                      <a:r>
-                        <a:rPr lang="ko-KR" altLang="en-US" sz="800" b="1" dirty="0" smtClean="0">
-                          <a:solidFill>
-                            <a:srgbClr val="00AAAE"/>
-                          </a:solidFill>
-                          <a:latin typeface="나눔고딕" pitchFamily="50" charset="-127"/>
-                          <a:ea typeface="나눔고딕" pitchFamily="50" charset="-127"/>
-                        </a:rPr>
-                        <a:t> </a:t>
-                      </a:r>
-                    </a:p>
-                    <a:p>
-                      <a:pPr marL="0" marR="0" indent="0" algn="l" defTabSz="1043056" rtl="0" eaLnBrk="1" fontAlgn="auto" latinLnBrk="1" hangingPunct="1">
-                        <a:lnSpc>
-                          <a:spcPts val="1500"/>
-                        </a:lnSpc>
-                        <a:spcBef>
-                          <a:spcPts val="0"/>
-                        </a:spcBef>
-                        <a:spcAft>
-                          <a:spcPts val="0"/>
-                        </a:spcAft>
-                        <a:buClrTx/>
-                        <a:buSzTx/>
-                        <a:buFontTx/>
-                        <a:buNone/>
-                        <a:tabLst/>
-                        <a:defRPr/>
-                      </a:pPr>
-                      <a:r>
-                        <a:rPr lang="ko-KR" altLang="en-US" sz="800" b="1" dirty="0" smtClean="0">
-                          <a:solidFill>
-                            <a:srgbClr val="00AAAE"/>
-                          </a:solidFill>
-                          <a:latin typeface="나눔고딕" pitchFamily="50" charset="-127"/>
-                          <a:ea typeface="나눔고딕" pitchFamily="50" charset="-127"/>
-                        </a:rPr>
-                        <a:t>귀에 익은 음악들을 잘 고르셨군요</a:t>
-                      </a:r>
-                      <a:r>
-                        <a:rPr lang="ko-KR" altLang="en-US" sz="800" b="1" baseline="0" dirty="0" smtClean="0">
-                          <a:solidFill>
-                            <a:srgbClr val="00AAAE"/>
-                          </a:solidFill>
-                          <a:latin typeface="나눔고딕" pitchFamily="50" charset="-127"/>
-                          <a:ea typeface="나눔고딕" pitchFamily="50" charset="-127"/>
-                        </a:rPr>
-                        <a:t> </a:t>
-                      </a:r>
-                      <a:r>
-                        <a:rPr lang="ko-KR" altLang="en-US" sz="800" b="1" dirty="0" smtClean="0">
-                          <a:solidFill>
-                            <a:srgbClr val="00AAAE"/>
-                          </a:solidFill>
-                          <a:latin typeface="나눔고딕" pitchFamily="50" charset="-127"/>
-                          <a:ea typeface="나눔고딕" pitchFamily="50" charset="-127"/>
-                        </a:rPr>
-                        <a:t>사용하는 모습 보여준 것이 더</a:t>
-                      </a:r>
-                      <a:r>
-                        <a:rPr lang="ko-KR" altLang="en-US" sz="800" b="1" baseline="0" dirty="0" smtClean="0">
-                          <a:solidFill>
-                            <a:srgbClr val="00AAAE"/>
-                          </a:solidFill>
-                          <a:latin typeface="나눔고딕" pitchFamily="50" charset="-127"/>
-                          <a:ea typeface="나눔고딕" pitchFamily="50" charset="-127"/>
-                        </a:rPr>
-                        <a:t> </a:t>
-                      </a:r>
-                      <a:r>
-                        <a:rPr lang="ko-KR" altLang="en-US" sz="800" b="1" dirty="0" smtClean="0">
-                          <a:solidFill>
-                            <a:srgbClr val="00AAAE"/>
-                          </a:solidFill>
-                          <a:latin typeface="나눔고딕" pitchFamily="50" charset="-127"/>
-                          <a:ea typeface="나눔고딕" pitchFamily="50" charset="-127"/>
-                        </a:rPr>
-                        <a:t>좋았던 듯 </a:t>
-                      </a:r>
-                      <a:endParaRPr lang="en-US" altLang="ko-KR" sz="800" b="1" dirty="0" smtClean="0">
-                        <a:solidFill>
-                          <a:srgbClr val="00AAAE"/>
-                        </a:solidFill>
-                        <a:latin typeface="나눔고딕" pitchFamily="50" charset="-127"/>
-                        <a:ea typeface="나눔고딕" pitchFamily="50" charset="-127"/>
-                      </a:endParaRPr>
-                    </a:p>
-                    <a:p>
-                      <a:pPr marL="0" marR="0" indent="0" algn="l" defTabSz="1043056" rtl="0" eaLnBrk="1" fontAlgn="auto" latinLnBrk="1" hangingPunct="1">
-                        <a:lnSpc>
-                          <a:spcPts val="1500"/>
-                        </a:lnSpc>
-                        <a:spcBef>
-                          <a:spcPts val="0"/>
-                        </a:spcBef>
-                        <a:spcAft>
-                          <a:spcPts val="0"/>
-                        </a:spcAft>
-                        <a:buClrTx/>
-                        <a:buSzTx/>
-                        <a:buFontTx/>
-                        <a:buNone/>
-                        <a:tabLst/>
-                        <a:defRPr/>
-                      </a:pPr>
-                      <a:r>
-                        <a:rPr lang="ko-KR" altLang="en-US" sz="800" b="1" dirty="0" smtClean="0">
-                          <a:solidFill>
-                            <a:srgbClr val="00AAAE"/>
-                          </a:solidFill>
-                          <a:latin typeface="나눔고딕" pitchFamily="50" charset="-127"/>
-                          <a:ea typeface="나눔고딕" pitchFamily="50" charset="-127"/>
-                        </a:rPr>
-                        <a:t>광고는 </a:t>
-                      </a:r>
-                      <a:r>
-                        <a:rPr lang="en-US" altLang="ko-KR" sz="800" b="1" dirty="0" smtClean="0">
-                          <a:solidFill>
-                            <a:srgbClr val="00AAAE"/>
-                          </a:solidFill>
-                          <a:latin typeface="나눔고딕" pitchFamily="50" charset="-127"/>
-                          <a:ea typeface="나눔고딕" pitchFamily="50" charset="-127"/>
-                        </a:rPr>
-                        <a:t>BGM</a:t>
-                      </a:r>
-                      <a:r>
-                        <a:rPr lang="ko-KR" altLang="en-US" sz="800" b="1" dirty="0" smtClean="0">
-                          <a:solidFill>
-                            <a:srgbClr val="00AAAE"/>
-                          </a:solidFill>
-                          <a:latin typeface="나눔고딕" pitchFamily="50" charset="-127"/>
-                          <a:ea typeface="나눔고딕" pitchFamily="50" charset="-127"/>
-                        </a:rPr>
-                        <a:t>이 훌륭하네요 </a:t>
-                      </a:r>
-                    </a:p>
-                  </a:txBody>
-                  <a:tcPr marL="0" marR="0" marT="0" marB="0">
-                    <a:lnT w="12700" cap="flat" cmpd="sng" algn="ctr">
-                      <a:solidFill>
-                        <a:schemeClr val="tx1"/>
-                      </a:solidFill>
-                      <a:prstDash val="solid"/>
-                      <a:round/>
-                      <a:headEnd type="none" w="med" len="med"/>
-                      <a:tailEnd type="none" w="med" len="med"/>
-                    </a:lnT>
-                    <a:lnB w="3175" cap="flat" cmpd="sng" algn="ctr">
-                      <a:solidFill>
-                        <a:srgbClr val="00AAAE"/>
-                      </a:solidFill>
-                      <a:prstDash val="solid"/>
-                      <a:round/>
-                      <a:headEnd type="none" w="med" len="med"/>
-                      <a:tailEnd type="none" w="med" len="med"/>
-                    </a:lnB>
-                  </a:tcPr>
-                </a:tc>
-                <a:extLst>
-                  <a:ext uri="{0D108BD9-81ED-4DB2-BD59-A6C34878D82A}">
-                    <a16:rowId xmlns:a16="http://schemas.microsoft.com/office/drawing/2014/main" val="10000"/>
-                  </a:ext>
-                </a:extLst>
-              </a:tr>
-              <a:tr h="756000">
-                <a:tc>
-                  <a:txBody>
-                    <a:bodyPr/>
-                    <a:lstStyle/>
-                    <a:p>
-                      <a:pPr marL="0" marR="0" indent="0" algn="l" defTabSz="1043056" rtl="0" eaLnBrk="1" fontAlgn="auto" latinLnBrk="1" hangingPunct="1">
-                        <a:lnSpc>
-                          <a:spcPts val="1500"/>
-                        </a:lnSpc>
-                        <a:spcBef>
-                          <a:spcPts val="0"/>
-                        </a:spcBef>
-                        <a:spcAft>
-                          <a:spcPts val="0"/>
-                        </a:spcAft>
-                        <a:buClrTx/>
-                        <a:buSzTx/>
-                        <a:buFontTx/>
-                        <a:buNone/>
-                        <a:tabLst/>
-                        <a:defRPr/>
-                      </a:pPr>
-                      <a:endParaRPr lang="ko-KR" altLang="en-US" sz="800" dirty="0" smtClean="0">
-                        <a:solidFill>
-                          <a:srgbClr val="745EA8"/>
-                        </a:solidFill>
-                        <a:latin typeface="나눔고딕" pitchFamily="50" charset="-127"/>
-                        <a:ea typeface="나눔고딕" pitchFamily="50" charset="-127"/>
-                      </a:endParaRPr>
-                    </a:p>
-                  </a:txBody>
-                  <a:tcPr marL="0" marR="0" marT="0" marB="0">
-                    <a:lnT w="3175" cap="flat" cmpd="sng" algn="ctr">
-                      <a:solidFill>
-                        <a:srgbClr val="00AAAE"/>
-                      </a:solidFill>
-                      <a:prstDash val="solid"/>
-                      <a:round/>
-                      <a:headEnd type="none" w="med" len="med"/>
-                      <a:tailEnd type="none" w="med" len="med"/>
-                    </a:lnT>
-                    <a:lnB w="3175" cap="flat" cmpd="sng" algn="ctr">
-                      <a:solidFill>
-                        <a:srgbClr val="745EA8"/>
-                      </a:solidFill>
-                      <a:prstDash val="solid"/>
-                      <a:round/>
-                      <a:headEnd type="none" w="med" len="med"/>
-                      <a:tailEnd type="none" w="med" len="med"/>
-                    </a:lnB>
-                  </a:tcPr>
-                </a:tc>
-                <a:extLst>
-                  <a:ext uri="{0D108BD9-81ED-4DB2-BD59-A6C34878D82A}">
-                    <a16:rowId xmlns:a16="http://schemas.microsoft.com/office/drawing/2014/main" val="10001"/>
-                  </a:ext>
-                </a:extLst>
-              </a:tr>
-              <a:tr h="416175">
-                <a:tc>
-                  <a:txBody>
-                    <a:bodyPr/>
-                    <a:lstStyle/>
-                    <a:p>
-                      <a:pPr latinLnBrk="1">
-                        <a:lnSpc>
-                          <a:spcPts val="1500"/>
-                        </a:lnSpc>
-                      </a:pPr>
-                      <a:endParaRPr lang="ko-KR" altLang="en-US" sz="800" dirty="0">
-                        <a:latin typeface="나눔고딕" pitchFamily="50" charset="-127"/>
-                        <a:ea typeface="나눔고딕" pitchFamily="50" charset="-127"/>
-                      </a:endParaRPr>
-                    </a:p>
-                  </a:txBody>
-                  <a:tcPr marL="0" marR="0" marT="0" marB="0">
-                    <a:lnT w="3175" cap="flat" cmpd="sng" algn="ctr">
-                      <a:solidFill>
-                        <a:srgbClr val="745EA8"/>
-                      </a:solidFill>
-                      <a:prstDash val="solid"/>
-                      <a:round/>
-                      <a:headEnd type="none" w="med" len="med"/>
-                      <a:tailEnd type="none" w="med" len="med"/>
-                    </a:lnT>
-                  </a:tcPr>
-                </a:tc>
-                <a:extLst>
-                  <a:ext uri="{0D108BD9-81ED-4DB2-BD59-A6C34878D82A}">
-                    <a16:rowId xmlns:a16="http://schemas.microsoft.com/office/drawing/2014/main" val="10002"/>
-                  </a:ext>
-                </a:extLst>
-              </a:tr>
-            </a:tbl>
-          </a:graphicData>
-        </a:graphic>
-      </p:graphicFrame>
-      <p:cxnSp>
-        <p:nvCxnSpPr>
-          <p:cNvPr id="20" name="직선 연결선 19"/>
-          <p:cNvCxnSpPr/>
-          <p:nvPr/>
-        </p:nvCxnSpPr>
-        <p:spPr>
-          <a:xfrm>
-            <a:off x="5439853" y="3576637"/>
-            <a:ext cx="4860000" cy="9525"/>
-          </a:xfrm>
-          <a:prstGeom prst="line">
-            <a:avLst/>
-          </a:prstGeom>
-          <a:ln w="3810">
-            <a:solidFill>
-              <a:srgbClr val="00AAAE"/>
-            </a:solidFill>
-          </a:ln>
-        </p:spPr>
-        <p:style>
-          <a:lnRef idx="1">
-            <a:schemeClr val="accent1"/>
-          </a:lnRef>
-          <a:fillRef idx="0">
-            <a:schemeClr val="accent1"/>
-          </a:fillRef>
-          <a:effectRef idx="0">
-            <a:schemeClr val="accent1"/>
-          </a:effectRef>
-          <a:fontRef idx="minor">
-            <a:schemeClr val="tx1"/>
-          </a:fontRef>
-        </p:style>
-      </p:cxnSp>
-      <p:cxnSp>
-        <p:nvCxnSpPr>
-          <p:cNvPr id="21" name="직선 연결선 20"/>
-          <p:cNvCxnSpPr/>
-          <p:nvPr/>
-        </p:nvCxnSpPr>
-        <p:spPr>
-          <a:xfrm>
-            <a:off x="5439853" y="3767137"/>
-            <a:ext cx="4860000" cy="9525"/>
-          </a:xfrm>
-          <a:prstGeom prst="line">
-            <a:avLst/>
-          </a:prstGeom>
-          <a:ln w="3810">
-            <a:solidFill>
-              <a:srgbClr val="00AAAE"/>
-            </a:solidFill>
-          </a:ln>
-        </p:spPr>
-        <p:style>
-          <a:lnRef idx="1">
-            <a:schemeClr val="accent1"/>
-          </a:lnRef>
-          <a:fillRef idx="0">
-            <a:schemeClr val="accent1"/>
-          </a:fillRef>
-          <a:effectRef idx="0">
-            <a:schemeClr val="accent1"/>
-          </a:effectRef>
-          <a:fontRef idx="minor">
-            <a:schemeClr val="tx1"/>
-          </a:fontRef>
-        </p:style>
-      </p:cxnSp>
-      <p:cxnSp>
-        <p:nvCxnSpPr>
-          <p:cNvPr id="22" name="직선 연결선 21"/>
-          <p:cNvCxnSpPr/>
-          <p:nvPr/>
-        </p:nvCxnSpPr>
-        <p:spPr>
-          <a:xfrm>
-            <a:off x="5439853" y="3957637"/>
-            <a:ext cx="4860000" cy="9525"/>
-          </a:xfrm>
-          <a:prstGeom prst="line">
-            <a:avLst/>
-          </a:prstGeom>
-          <a:ln w="3810">
-            <a:solidFill>
-              <a:srgbClr val="00AAAE"/>
-            </a:solidFill>
-          </a:ln>
-        </p:spPr>
-        <p:style>
-          <a:lnRef idx="1">
-            <a:schemeClr val="accent1"/>
-          </a:lnRef>
-          <a:fillRef idx="0">
-            <a:schemeClr val="accent1"/>
-          </a:fillRef>
-          <a:effectRef idx="0">
-            <a:schemeClr val="accent1"/>
-          </a:effectRef>
-          <a:fontRef idx="minor">
-            <a:schemeClr val="tx1"/>
-          </a:fontRef>
-        </p:style>
-      </p:cxnSp>
-      <p:cxnSp>
-        <p:nvCxnSpPr>
-          <p:cNvPr id="23" name="직선 연결선 22"/>
-          <p:cNvCxnSpPr/>
-          <p:nvPr/>
-        </p:nvCxnSpPr>
-        <p:spPr>
-          <a:xfrm>
-            <a:off x="5439853" y="4148137"/>
-            <a:ext cx="4860000" cy="9525"/>
-          </a:xfrm>
-          <a:prstGeom prst="line">
-            <a:avLst/>
-          </a:prstGeom>
-          <a:ln w="3810">
-            <a:solidFill>
-              <a:srgbClr val="00AAAE"/>
-            </a:solidFill>
-          </a:ln>
-        </p:spPr>
-        <p:style>
-          <a:lnRef idx="1">
-            <a:schemeClr val="accent1"/>
-          </a:lnRef>
-          <a:fillRef idx="0">
-            <a:schemeClr val="accent1"/>
-          </a:fillRef>
-          <a:effectRef idx="0">
-            <a:schemeClr val="accent1"/>
-          </a:effectRef>
-          <a:fontRef idx="minor">
-            <a:schemeClr val="tx1"/>
-          </a:fontRef>
-        </p:style>
-      </p:cxnSp>
-      <p:cxnSp>
-        <p:nvCxnSpPr>
-          <p:cNvPr id="24" name="직선 연결선 23"/>
-          <p:cNvCxnSpPr/>
-          <p:nvPr/>
-        </p:nvCxnSpPr>
-        <p:spPr>
-          <a:xfrm>
-            <a:off x="5439853" y="4338637"/>
-            <a:ext cx="4860000" cy="9525"/>
-          </a:xfrm>
-          <a:prstGeom prst="line">
-            <a:avLst/>
-          </a:prstGeom>
-          <a:ln w="3810">
-            <a:solidFill>
-              <a:srgbClr val="00AAAE"/>
-            </a:solidFill>
-          </a:ln>
-        </p:spPr>
-        <p:style>
-          <a:lnRef idx="1">
-            <a:schemeClr val="accent1"/>
-          </a:lnRef>
-          <a:fillRef idx="0">
-            <a:schemeClr val="accent1"/>
-          </a:fillRef>
-          <a:effectRef idx="0">
-            <a:schemeClr val="accent1"/>
-          </a:effectRef>
-          <a:fontRef idx="minor">
-            <a:schemeClr val="tx1"/>
-          </a:fontRef>
-        </p:style>
-      </p:cxnSp>
-      <p:cxnSp>
-        <p:nvCxnSpPr>
-          <p:cNvPr id="25" name="직선 연결선 24"/>
-          <p:cNvCxnSpPr/>
-          <p:nvPr/>
-        </p:nvCxnSpPr>
-        <p:spPr>
-          <a:xfrm>
-            <a:off x="5439853" y="4529137"/>
-            <a:ext cx="4860000" cy="9525"/>
-          </a:xfrm>
-          <a:prstGeom prst="line">
-            <a:avLst/>
-          </a:prstGeom>
-          <a:ln w="3810">
-            <a:solidFill>
-              <a:srgbClr val="00AAAE"/>
-            </a:solidFill>
-          </a:ln>
-        </p:spPr>
-        <p:style>
-          <a:lnRef idx="1">
-            <a:schemeClr val="accent1"/>
-          </a:lnRef>
-          <a:fillRef idx="0">
-            <a:schemeClr val="accent1"/>
-          </a:fillRef>
-          <a:effectRef idx="0">
-            <a:schemeClr val="accent1"/>
-          </a:effectRef>
-          <a:fontRef idx="minor">
-            <a:schemeClr val="tx1"/>
-          </a:fontRef>
-        </p:style>
-      </p:cxnSp>
-      <p:cxnSp>
-        <p:nvCxnSpPr>
-          <p:cNvPr id="26" name="직선 연결선 25"/>
-          <p:cNvCxnSpPr/>
-          <p:nvPr/>
-        </p:nvCxnSpPr>
-        <p:spPr>
-          <a:xfrm>
-            <a:off x="5439853" y="4719639"/>
-            <a:ext cx="4860000" cy="9525"/>
-          </a:xfrm>
-          <a:prstGeom prst="line">
-            <a:avLst/>
-          </a:prstGeom>
-          <a:ln w="3810">
-            <a:solidFill>
-              <a:srgbClr val="00AAAE"/>
-            </a:solidFill>
-          </a:ln>
-        </p:spPr>
-        <p:style>
-          <a:lnRef idx="1">
-            <a:schemeClr val="accent1"/>
-          </a:lnRef>
-          <a:fillRef idx="0">
-            <a:schemeClr val="accent1"/>
-          </a:fillRef>
-          <a:effectRef idx="0">
-            <a:schemeClr val="accent1"/>
-          </a:effectRef>
-          <a:fontRef idx="minor">
-            <a:schemeClr val="tx1"/>
-          </a:fontRef>
-        </p:style>
-      </p:cxnSp>
-      <p:cxnSp>
-        <p:nvCxnSpPr>
-          <p:cNvPr id="27" name="직선 연결선 26"/>
-          <p:cNvCxnSpPr/>
-          <p:nvPr/>
-        </p:nvCxnSpPr>
-        <p:spPr>
-          <a:xfrm>
-            <a:off x="5439853" y="5105401"/>
-            <a:ext cx="4860000" cy="9525"/>
-          </a:xfrm>
-          <a:prstGeom prst="line">
-            <a:avLst/>
-          </a:prstGeom>
-          <a:ln w="3810">
-            <a:solidFill>
-              <a:srgbClr val="745EA8"/>
-            </a:solidFill>
-          </a:ln>
-        </p:spPr>
-        <p:style>
-          <a:lnRef idx="1">
-            <a:schemeClr val="accent1"/>
-          </a:lnRef>
-          <a:fillRef idx="0">
-            <a:schemeClr val="accent1"/>
-          </a:fillRef>
-          <a:effectRef idx="0">
-            <a:schemeClr val="accent1"/>
-          </a:effectRef>
-          <a:fontRef idx="minor">
-            <a:schemeClr val="tx1"/>
-          </a:fontRef>
-        </p:style>
-      </p:cxnSp>
-      <p:cxnSp>
-        <p:nvCxnSpPr>
-          <p:cNvPr id="28" name="직선 연결선 27"/>
-          <p:cNvCxnSpPr/>
-          <p:nvPr/>
-        </p:nvCxnSpPr>
-        <p:spPr>
-          <a:xfrm>
-            <a:off x="5439853" y="5295901"/>
-            <a:ext cx="4860000" cy="9525"/>
-          </a:xfrm>
-          <a:prstGeom prst="line">
-            <a:avLst/>
-          </a:prstGeom>
-          <a:ln w="3810">
-            <a:solidFill>
-              <a:srgbClr val="745EA8"/>
-            </a:solidFill>
-          </a:ln>
-        </p:spPr>
-        <p:style>
-          <a:lnRef idx="1">
-            <a:schemeClr val="accent1"/>
-          </a:lnRef>
-          <a:fillRef idx="0">
-            <a:schemeClr val="accent1"/>
-          </a:fillRef>
-          <a:effectRef idx="0">
-            <a:schemeClr val="accent1"/>
-          </a:effectRef>
-          <a:fontRef idx="minor">
-            <a:schemeClr val="tx1"/>
-          </a:fontRef>
-        </p:style>
-      </p:cxnSp>
-      <p:cxnSp>
-        <p:nvCxnSpPr>
-          <p:cNvPr id="29" name="직선 연결선 28"/>
-          <p:cNvCxnSpPr/>
-          <p:nvPr/>
-        </p:nvCxnSpPr>
-        <p:spPr>
-          <a:xfrm>
-            <a:off x="5439853" y="5486403"/>
-            <a:ext cx="4860000" cy="9525"/>
-          </a:xfrm>
-          <a:prstGeom prst="line">
-            <a:avLst/>
-          </a:prstGeom>
-          <a:ln w="3810">
-            <a:solidFill>
-              <a:srgbClr val="745EA8"/>
-            </a:solidFill>
-          </a:ln>
-        </p:spPr>
-        <p:style>
-          <a:lnRef idx="1">
-            <a:schemeClr val="accent1"/>
-          </a:lnRef>
-          <a:fillRef idx="0">
-            <a:schemeClr val="accent1"/>
-          </a:fillRef>
-          <a:effectRef idx="0">
-            <a:schemeClr val="accent1"/>
-          </a:effectRef>
-          <a:fontRef idx="minor">
-            <a:schemeClr val="tx1"/>
-          </a:fontRef>
-        </p:style>
-      </p:cxnSp>
-      <p:sp>
-        <p:nvSpPr>
-          <p:cNvPr id="31" name="직사각형 30"/>
-          <p:cNvSpPr/>
-          <p:nvPr/>
-        </p:nvSpPr>
-        <p:spPr>
-          <a:xfrm>
-            <a:off x="3058584" y="3218402"/>
-            <a:ext cx="1084792" cy="123111"/>
-          </a:xfrm>
-          <a:prstGeom prst="rect">
-            <a:avLst/>
-          </a:prstGeom>
-        </p:spPr>
-        <p:txBody>
-          <a:bodyPr wrap="square" lIns="0" tIns="0" rIns="0" bIns="0">
-            <a:spAutoFit/>
-          </a:bodyPr>
-          <a:lstStyle/>
-          <a:p>
-            <a:r>
-              <a:rPr lang="ko-KR" altLang="en-US" sz="800" b="1" dirty="0" smtClean="0">
-                <a:latin typeface="나눔고딕" pitchFamily="50" charset="-127"/>
-                <a:ea typeface="나눔고딕" pitchFamily="50" charset="-127"/>
-              </a:rPr>
-              <a:t>출처</a:t>
-            </a:r>
-            <a:endParaRPr lang="en-US" altLang="ko-KR" sz="800" b="1" dirty="0" smtClean="0">
-              <a:latin typeface="나눔고딕" pitchFamily="50" charset="-127"/>
-              <a:ea typeface="나눔고딕" pitchFamily="50" charset="-127"/>
-            </a:endParaRPr>
-          </a:p>
-        </p:txBody>
-      </p:sp>
-      <p:sp>
-        <p:nvSpPr>
-          <p:cNvPr id="32" name="직사각형 31"/>
-          <p:cNvSpPr/>
-          <p:nvPr/>
-        </p:nvSpPr>
-        <p:spPr>
-          <a:xfrm>
-            <a:off x="4358760" y="3218402"/>
-            <a:ext cx="1084792" cy="123111"/>
-          </a:xfrm>
-          <a:prstGeom prst="rect">
-            <a:avLst/>
-          </a:prstGeom>
-        </p:spPr>
-        <p:txBody>
-          <a:bodyPr wrap="square" lIns="0" tIns="0" rIns="0" bIns="0">
-            <a:spAutoFit/>
-          </a:bodyPr>
-          <a:lstStyle/>
-          <a:p>
-            <a:r>
-              <a:rPr lang="ko-KR" altLang="en-US" sz="800" b="1" smtClean="0">
-                <a:latin typeface="나눔고딕" pitchFamily="50" charset="-127"/>
-                <a:ea typeface="나눔고딕" pitchFamily="50" charset="-127"/>
-              </a:rPr>
-              <a:t>분류</a:t>
-            </a:r>
-            <a:endParaRPr lang="en-US" altLang="ko-KR" sz="800" b="1" dirty="0" smtClean="0">
-              <a:latin typeface="나눔고딕" pitchFamily="50" charset="-127"/>
-              <a:ea typeface="나눔고딕" pitchFamily="50" charset="-127"/>
-            </a:endParaRPr>
-          </a:p>
-        </p:txBody>
-      </p:sp>
-      <p:sp>
-        <p:nvSpPr>
-          <p:cNvPr id="33" name="직사각형 32"/>
-          <p:cNvSpPr/>
-          <p:nvPr/>
-        </p:nvSpPr>
-        <p:spPr>
-          <a:xfrm>
-            <a:off x="5439853" y="3218402"/>
-            <a:ext cx="1084792" cy="123111"/>
-          </a:xfrm>
-          <a:prstGeom prst="rect">
-            <a:avLst/>
-          </a:prstGeom>
-        </p:spPr>
-        <p:txBody>
-          <a:bodyPr wrap="square" lIns="0" tIns="0" rIns="0" bIns="0">
-            <a:spAutoFit/>
-          </a:bodyPr>
-          <a:lstStyle/>
-          <a:p>
-            <a:r>
-              <a:rPr lang="ko-KR" altLang="en-US" sz="800" b="1" dirty="0" smtClean="0">
-                <a:latin typeface="나눔고딕" pitchFamily="50" charset="-127"/>
-                <a:ea typeface="나눔고딕" pitchFamily="50" charset="-127"/>
-              </a:rPr>
-              <a:t>내용요약</a:t>
-            </a:r>
-            <a:endParaRPr lang="en-US" altLang="ko-KR" sz="800" b="1" dirty="0" smtClean="0">
-              <a:latin typeface="나눔고딕" pitchFamily="50" charset="-127"/>
-              <a:ea typeface="나눔고딕" pitchFamily="50" charset="-127"/>
-            </a:endParaRPr>
-          </a:p>
-        </p:txBody>
-      </p:sp>
-      <p:sp>
-        <p:nvSpPr>
-          <p:cNvPr id="30" name="텍스트 개체 틀 11"/>
-          <p:cNvSpPr>
-            <a:spLocks noGrp="1"/>
-          </p:cNvSpPr>
-          <p:nvPr>
-            <p:ph type="body" sz="quarter" idx="16"/>
-          </p:nvPr>
-        </p:nvSpPr>
-        <p:spPr>
-          <a:xfrm rot="16200000">
-            <a:off x="9093319" y="4944182"/>
-            <a:ext cx="2628000" cy="720000"/>
-          </a:xfrm>
-        </p:spPr>
-        <p:txBody>
-          <a:bodyPr/>
-          <a:lstStyle/>
-          <a:p>
-            <a:r>
-              <a:rPr lang="en-US" altLang="ko-KR" dirty="0" smtClean="0"/>
-              <a:t>Hi-Five</a:t>
-            </a:r>
-            <a:endParaRPr lang="ko-KR" altLang="en-US" dirty="0"/>
-          </a:p>
-        </p:txBody>
-      </p:sp>
-      <p:sp>
-        <p:nvSpPr>
-          <p:cNvPr id="34" name="텍스트 개체 틀 11"/>
-          <p:cNvSpPr txBox="1">
-            <a:spLocks/>
-          </p:cNvSpPr>
-          <p:nvPr/>
-        </p:nvSpPr>
-        <p:spPr>
-          <a:xfrm>
-            <a:off x="260131" y="410400"/>
-            <a:ext cx="3717869" cy="2380097"/>
-          </a:xfrm>
-          <a:prstGeom prst="rect">
-            <a:avLst/>
-          </a:prstGeom>
-        </p:spPr>
-        <p:txBody>
-          <a:bodyPr lIns="0" tIns="0" rIns="0" bIns="0"/>
-          <a:lstStyle>
-            <a:lvl1pPr marL="0" indent="0" algn="l" defTabSz="1043056" rtl="0" eaLnBrk="1" latinLnBrk="1" hangingPunct="1">
-              <a:lnSpc>
-                <a:spcPts val="4600"/>
-              </a:lnSpc>
-              <a:spcBef>
-                <a:spcPts val="0"/>
-              </a:spcBef>
-              <a:buFont typeface="Arial" pitchFamily="34" charset="0"/>
-              <a:buNone/>
-              <a:defRPr sz="4000" b="0" kern="1200" spc="-170" baseline="0">
-                <a:solidFill>
-                  <a:srgbClr val="00AAAE"/>
-                </a:solidFill>
-                <a:latin typeface="나눔명조" pitchFamily="18" charset="-127"/>
-                <a:ea typeface="나눔명조" pitchFamily="18" charset="-127"/>
-                <a:cs typeface="+mn-cs"/>
-              </a:defRPr>
-            </a:lvl1pPr>
-            <a:lvl2pPr marL="847483" indent="-325955" algn="l" defTabSz="1043056" rtl="0" eaLnBrk="1" latinLnBrk="1" hangingPunct="1">
-              <a:spcBef>
-                <a:spcPct val="20000"/>
-              </a:spcBef>
-              <a:buFont typeface="Arial" pitchFamily="34" charset="0"/>
-              <a:buChar char="–"/>
-              <a:defRPr sz="3200" kern="1200">
-                <a:solidFill>
-                  <a:schemeClr val="tx1"/>
-                </a:solidFill>
-                <a:latin typeface="+mn-lt"/>
-                <a:ea typeface="+mn-ea"/>
-                <a:cs typeface="+mn-cs"/>
-              </a:defRPr>
-            </a:lvl2pPr>
-            <a:lvl3pPr marL="1303820" indent="-260764" algn="l" defTabSz="1043056" rtl="0" eaLnBrk="1" latinLnBrk="1" hangingPunct="1">
-              <a:spcBef>
-                <a:spcPct val="20000"/>
-              </a:spcBef>
-              <a:buFont typeface="Arial" pitchFamily="34" charset="0"/>
-              <a:buChar char="•"/>
-              <a:defRPr sz="2700" kern="1200">
-                <a:solidFill>
-                  <a:schemeClr val="tx1"/>
-                </a:solidFill>
-                <a:latin typeface="+mn-lt"/>
-                <a:ea typeface="+mn-ea"/>
-                <a:cs typeface="+mn-cs"/>
-              </a:defRPr>
-            </a:lvl3pPr>
-            <a:lvl4pPr marL="1825348" indent="-260764" algn="l" defTabSz="1043056" rtl="0" eaLnBrk="1" latinLnBrk="1" hangingPunct="1">
-              <a:spcBef>
-                <a:spcPct val="20000"/>
-              </a:spcBef>
-              <a:buFont typeface="Arial" pitchFamily="34" charset="0"/>
-              <a:buChar char="–"/>
-              <a:defRPr sz="2300" kern="1200">
-                <a:solidFill>
-                  <a:schemeClr val="tx1"/>
-                </a:solidFill>
-                <a:latin typeface="+mn-lt"/>
-                <a:ea typeface="+mn-ea"/>
-                <a:cs typeface="+mn-cs"/>
-              </a:defRPr>
-            </a:lvl4pPr>
-            <a:lvl5pPr marL="2346876" indent="-260764" algn="l" defTabSz="1043056" rtl="0" eaLnBrk="1" latinLnBrk="1" hangingPunct="1">
-              <a:spcBef>
-                <a:spcPct val="20000"/>
-              </a:spcBef>
-              <a:buFont typeface="Arial" pitchFamily="34" charset="0"/>
-              <a:buChar char="»"/>
-              <a:defRPr sz="2300" kern="1200">
-                <a:solidFill>
-                  <a:schemeClr val="tx1"/>
-                </a:solidFill>
-                <a:latin typeface="+mn-lt"/>
-                <a:ea typeface="+mn-ea"/>
-                <a:cs typeface="+mn-cs"/>
-              </a:defRPr>
-            </a:lvl5pPr>
-            <a:lvl6pPr marL="2868404" indent="-260764" algn="l" defTabSz="1043056" rtl="0" eaLnBrk="1" latinLnBrk="1" hangingPunct="1">
-              <a:spcBef>
-                <a:spcPct val="20000"/>
-              </a:spcBef>
-              <a:buFont typeface="Arial" pitchFamily="34" charset="0"/>
-              <a:buChar char="•"/>
-              <a:defRPr sz="2300" kern="1200">
-                <a:solidFill>
-                  <a:schemeClr val="tx1"/>
-                </a:solidFill>
-                <a:latin typeface="+mn-lt"/>
-                <a:ea typeface="+mn-ea"/>
-                <a:cs typeface="+mn-cs"/>
-              </a:defRPr>
-            </a:lvl6pPr>
-            <a:lvl7pPr marL="3389932" indent="-260764" algn="l" defTabSz="1043056" rtl="0" eaLnBrk="1" latinLnBrk="1" hangingPunct="1">
-              <a:spcBef>
-                <a:spcPct val="20000"/>
-              </a:spcBef>
-              <a:buFont typeface="Arial" pitchFamily="34" charset="0"/>
-              <a:buChar char="•"/>
-              <a:defRPr sz="2300" kern="1200">
-                <a:solidFill>
-                  <a:schemeClr val="tx1"/>
-                </a:solidFill>
-                <a:latin typeface="+mn-lt"/>
-                <a:ea typeface="+mn-ea"/>
-                <a:cs typeface="+mn-cs"/>
-              </a:defRPr>
-            </a:lvl7pPr>
-            <a:lvl8pPr marL="3911460" indent="-260764" algn="l" defTabSz="1043056" rtl="0" eaLnBrk="1" latinLnBrk="1" hangingPunct="1">
-              <a:spcBef>
-                <a:spcPct val="20000"/>
-              </a:spcBef>
-              <a:buFont typeface="Arial" pitchFamily="34" charset="0"/>
-              <a:buChar char="•"/>
-              <a:defRPr sz="2300" kern="1200">
-                <a:solidFill>
-                  <a:schemeClr val="tx1"/>
-                </a:solidFill>
-                <a:latin typeface="+mn-lt"/>
-                <a:ea typeface="+mn-ea"/>
-                <a:cs typeface="+mn-cs"/>
-              </a:defRPr>
-            </a:lvl8pPr>
-            <a:lvl9pPr marL="4432988" indent="-260764" algn="l" defTabSz="1043056" rtl="0" eaLnBrk="1" latinLnBrk="1" hangingPunct="1">
-              <a:spcBef>
-                <a:spcPct val="20000"/>
-              </a:spcBef>
-              <a:buFont typeface="Arial" pitchFamily="34" charset="0"/>
-              <a:buChar char="•"/>
-              <a:defRPr sz="2300" kern="1200">
-                <a:solidFill>
-                  <a:schemeClr val="tx1"/>
-                </a:solidFill>
-                <a:latin typeface="+mn-lt"/>
-                <a:ea typeface="+mn-ea"/>
-                <a:cs typeface="+mn-cs"/>
-              </a:defRPr>
-            </a:lvl9pPr>
-          </a:lstStyle>
-          <a:p>
-            <a:r>
-              <a:rPr lang="en-US" altLang="ko-KR" b="1" spc="0" dirty="0" smtClean="0">
-                <a:latin typeface="Eras Bold ITC" panose="020B0907030504020204" pitchFamily="34" charset="0"/>
-              </a:rPr>
-              <a:t>Project </a:t>
-            </a:r>
-          </a:p>
-          <a:p>
-            <a:r>
-              <a:rPr lang="en-US" altLang="ko-KR" b="1" spc="0" dirty="0" smtClean="0">
-                <a:latin typeface="Eras Bold ITC" panose="020B0907030504020204" pitchFamily="34" charset="0"/>
-              </a:rPr>
-              <a:t>Analysis</a:t>
-            </a:r>
-            <a:endParaRPr lang="en-US" altLang="ko-KR" b="1" spc="0" dirty="0" smtClean="0">
-              <a:latin typeface="Eras Bold ITC" panose="020B0907030504020204" pitchFamily="34" charset="0"/>
-            </a:endParaRPr>
           </a:p>
         </p:txBody>
       </p:sp>
@@ -7180,13 +6760,13 @@
   <p:clrMapOvr>
     <a:masterClrMapping/>
   </p:clrMapOvr>
-  <mc:AlternateContent xmlns:mc="http://schemas.openxmlformats.org/markup-compatibility/2006">
-    <mc:Choice xmlns:p14="http://schemas.microsoft.com/office/powerpoint/2010/main" Requires="p14">
+  <mc:AlternateContent xmlns:mc="http://schemas.openxmlformats.org/markup-compatibility/2006" xmlns:p14="http://schemas.microsoft.com/office/powerpoint/2010/main">
+    <mc:Choice Requires="p14">
       <p:transition spd="slow" p14:dur="3400">
         <p14:reveal/>
       </p:transition>
     </mc:Choice>
-    <mc:Fallback>
+    <mc:Fallback xmlns="">
       <p:transition spd="slow">
         <p:fade/>
       </p:transition>
@@ -7368,12 +6948,12 @@
           <a:lstStyle/>
           <a:p>
             <a:r>
-              <a:rPr lang="en-US" altLang="ko-KR" sz="8800" dirty="0" smtClean="0">
+              <a:rPr lang="en-US" altLang="ko-KR" sz="8800" dirty="0">
                 <a:solidFill>
                   <a:srgbClr val="E1E2E3"/>
                 </a:solidFill>
               </a:rPr>
-              <a:t>3</a:t>
+              <a:t>4</a:t>
             </a:r>
             <a:endParaRPr lang="ko-KR" altLang="en-US" sz="8800" dirty="0">
               <a:solidFill>
@@ -7771,9 +7351,6 @@
               </a:rPr>
               <a:t>Demonstration </a:t>
             </a:r>
-            <a:endParaRPr lang="en-US" altLang="ko-KR" b="1" spc="-150" dirty="0" smtClean="0">
-              <a:latin typeface="Eras Bold ITC" panose="020B0907030504020204" pitchFamily="34" charset="0"/>
-            </a:endParaRPr>
           </a:p>
         </p:txBody>
       </p:sp>
@@ -7782,13 +7359,13 @@
   <p:clrMapOvr>
     <a:masterClrMapping/>
   </p:clrMapOvr>
-  <mc:AlternateContent xmlns:mc="http://schemas.openxmlformats.org/markup-compatibility/2006">
-    <mc:Choice xmlns:p14="http://schemas.microsoft.com/office/powerpoint/2010/main" Requires="p14">
+  <mc:AlternateContent xmlns:mc="http://schemas.openxmlformats.org/markup-compatibility/2006" xmlns:p14="http://schemas.microsoft.com/office/powerpoint/2010/main">
+    <mc:Choice Requires="p14">
       <p:transition spd="slow" p14:dur="3400">
         <p14:reveal/>
       </p:transition>
     </mc:Choice>
-    <mc:Fallback>
+    <mc:Fallback xmlns="">
       <p:transition spd="slow">
         <p:fade/>
       </p:transition>
@@ -7970,12 +7547,20 @@
           <a:lstStyle/>
           <a:p>
             <a:r>
+              <a:rPr lang="en-US" altLang="ko-KR" sz="8800" dirty="0">
+                <a:solidFill>
+                  <a:srgbClr val="E1E2E3"/>
+                </a:solidFill>
+              </a:rPr>
+              <a:t>4</a:t>
+            </a:r>
+            <a:r>
               <a:rPr lang="en-US" altLang="ko-KR" sz="8800" dirty="0" smtClean="0">
                 <a:solidFill>
                   <a:srgbClr val="E1E2E3"/>
                 </a:solidFill>
               </a:rPr>
-              <a:t>3-1</a:t>
+              <a:t>-1</a:t>
             </a:r>
             <a:endParaRPr lang="ko-KR" altLang="en-US" sz="8800" dirty="0">
               <a:solidFill>
@@ -8373,9 +7958,6 @@
               </a:rPr>
               <a:t>Demonstration </a:t>
             </a:r>
-            <a:endParaRPr lang="en-US" altLang="ko-KR" b="1" spc="-150" dirty="0" smtClean="0">
-              <a:latin typeface="Eras Bold ITC" panose="020B0907030504020204" pitchFamily="34" charset="0"/>
-            </a:endParaRPr>
           </a:p>
         </p:txBody>
       </p:sp>
@@ -8389,13 +7971,13 @@
   <p:clrMapOvr>
     <a:masterClrMapping/>
   </p:clrMapOvr>
-  <mc:AlternateContent xmlns:mc="http://schemas.openxmlformats.org/markup-compatibility/2006">
-    <mc:Choice xmlns:p14="http://schemas.microsoft.com/office/powerpoint/2010/main" Requires="p14">
+  <mc:AlternateContent xmlns:mc="http://schemas.openxmlformats.org/markup-compatibility/2006" xmlns:p14="http://schemas.microsoft.com/office/powerpoint/2010/main">
+    <mc:Choice Requires="p14">
       <p:transition spd="slow" p14:dur="3400">
         <p14:reveal/>
       </p:transition>
     </mc:Choice>
-    <mc:Fallback>
+    <mc:Fallback xmlns="">
       <p:transition spd="slow">
         <p:fade/>
       </p:transition>
@@ -8577,12 +8159,20 @@
           <a:lstStyle/>
           <a:p>
             <a:r>
+              <a:rPr lang="en-US" altLang="ko-KR" sz="8800" dirty="0">
+                <a:solidFill>
+                  <a:srgbClr val="E1E2E3"/>
+                </a:solidFill>
+              </a:rPr>
+              <a:t>4</a:t>
+            </a:r>
+            <a:r>
               <a:rPr lang="en-US" altLang="ko-KR" sz="8800" dirty="0" smtClean="0">
                 <a:solidFill>
                   <a:srgbClr val="E1E2E3"/>
                 </a:solidFill>
               </a:rPr>
-              <a:t>3-2</a:t>
+              <a:t>-2</a:t>
             </a:r>
             <a:endParaRPr lang="ko-KR" altLang="en-US" sz="8800" dirty="0">
               <a:solidFill>
@@ -8980,9 +8570,6 @@
               </a:rPr>
               <a:t>Demonstration </a:t>
             </a:r>
-            <a:endParaRPr lang="en-US" altLang="ko-KR" b="1" spc="-150" dirty="0" smtClean="0">
-              <a:latin typeface="Eras Bold ITC" panose="020B0907030504020204" pitchFamily="34" charset="0"/>
-            </a:endParaRPr>
           </a:p>
         </p:txBody>
       </p:sp>
@@ -8996,13 +8583,13 @@
   <p:clrMapOvr>
     <a:masterClrMapping/>
   </p:clrMapOvr>
-  <mc:AlternateContent xmlns:mc="http://schemas.openxmlformats.org/markup-compatibility/2006">
-    <mc:Choice xmlns:p14="http://schemas.microsoft.com/office/powerpoint/2010/main" Requires="p14">
+  <mc:AlternateContent xmlns:mc="http://schemas.openxmlformats.org/markup-compatibility/2006" xmlns:p14="http://schemas.microsoft.com/office/powerpoint/2010/main">
+    <mc:Choice Requires="p14">
       <p:transition spd="slow" p14:dur="3400">
         <p14:reveal/>
       </p:transition>
     </mc:Choice>
-    <mc:Fallback>
+    <mc:Fallback xmlns="">
       <p:transition spd="slow">
         <p:fade/>
       </p:transition>
@@ -9095,65 +8682,27 @@
               </a:lnSpc>
             </a:pPr>
             <a:r>
-              <a:rPr lang="en-US" altLang="ko-KR" spc="0" dirty="0" smtClean="0">
+              <a:rPr lang="en-US" altLang="ko-KR" sz="2400" spc="0" dirty="0" smtClean="0">
                 <a:latin typeface="맑은 고딕" panose="020B0503020000020004" pitchFamily="50" charset="-127"/>
                 <a:ea typeface="맑은 고딕" panose="020B0503020000020004" pitchFamily="50" charset="-127"/>
               </a:rPr>
-              <a:t>What is our Project?</a:t>
-            </a:r>
-          </a:p>
-          <a:p>
-            <a:pPr lvl="1"/>
-            <a:r>
-              <a:rPr lang="en-US" altLang="ko-KR" sz="2100" dirty="0" smtClean="0">
+              <a:t>1	What </a:t>
+            </a:r>
+            <a:r>
+              <a:rPr lang="en-US" altLang="ko-KR" sz="2400" spc="0" dirty="0">
                 <a:latin typeface="맑은 고딕" panose="020B0503020000020004" pitchFamily="50" charset="-127"/>
                 <a:ea typeface="맑은 고딕" panose="020B0503020000020004" pitchFamily="50" charset="-127"/>
               </a:rPr>
-              <a:t>Project </a:t>
-            </a:r>
-            <a:r>
-              <a:rPr lang="ko-KR" altLang="en-US" sz="2100" dirty="0" smtClean="0">
+              <a:t>is our Project</a:t>
+            </a:r>
+            <a:r>
+              <a:rPr lang="en-US" altLang="ko-KR" sz="2400" spc="0" dirty="0" smtClean="0">
                 <a:latin typeface="맑은 고딕" panose="020B0503020000020004" pitchFamily="50" charset="-127"/>
                 <a:ea typeface="맑은 고딕" panose="020B0503020000020004" pitchFamily="50" charset="-127"/>
               </a:rPr>
-              <a:t>필요성</a:t>
-            </a:r>
-            <a:endParaRPr lang="en-US" altLang="ko-KR" sz="2100" dirty="0">
-              <a:latin typeface="맑은 고딕" panose="020B0503020000020004" pitchFamily="50" charset="-127"/>
-              <a:ea typeface="맑은 고딕" panose="020B0503020000020004" pitchFamily="50" charset="-127"/>
-            </a:endParaRPr>
-          </a:p>
-          <a:p>
-            <a:pPr lvl="1"/>
-            <a:r>
-              <a:rPr lang="en-US" altLang="ko-KR" sz="2100" dirty="0" smtClean="0">
-                <a:latin typeface="맑은 고딕" panose="020B0503020000020004" pitchFamily="50" charset="-127"/>
-                <a:ea typeface="맑은 고딕" panose="020B0503020000020004" pitchFamily="50" charset="-127"/>
-              </a:rPr>
-              <a:t>Project </a:t>
-            </a:r>
-            <a:r>
-              <a:rPr lang="ko-KR" altLang="en-US" sz="2100" dirty="0" smtClean="0">
-                <a:latin typeface="맑은 고딕" panose="020B0503020000020004" pitchFamily="50" charset="-127"/>
-                <a:ea typeface="맑은 고딕" panose="020B0503020000020004" pitchFamily="50" charset="-127"/>
-              </a:rPr>
-              <a:t>소개</a:t>
-            </a:r>
-            <a:endParaRPr lang="en-US" altLang="ko-KR" sz="2100" spc="0" dirty="0" smtClean="0">
-              <a:latin typeface="맑은 고딕" panose="020B0503020000020004" pitchFamily="50" charset="-127"/>
-              <a:ea typeface="맑은 고딕" panose="020B0503020000020004" pitchFamily="50" charset="-127"/>
-            </a:endParaRPr>
-          </a:p>
-          <a:p>
-            <a:pPr lvl="1"/>
-            <a:endParaRPr lang="en-US" altLang="ko-KR" sz="2100" spc="0" dirty="0" smtClean="0">
-              <a:latin typeface="맑은 고딕" panose="020B0503020000020004" pitchFamily="50" charset="-127"/>
-              <a:ea typeface="맑은 고딕" panose="020B0503020000020004" pitchFamily="50" charset="-127"/>
-            </a:endParaRPr>
-          </a:p>
-          <a:p>
-            <a:pPr lvl="1"/>
-            <a:endParaRPr lang="en-US" altLang="ko-KR" sz="2100" spc="0" dirty="0" smtClean="0">
+              <a:t>?</a:t>
+            </a:r>
+            <a:endParaRPr lang="en-US" altLang="ko-KR" sz="2400" spc="0" dirty="0">
               <a:latin typeface="맑은 고딕" panose="020B0503020000020004" pitchFamily="50" charset="-127"/>
               <a:ea typeface="맑은 고딕" panose="020B0503020000020004" pitchFamily="50" charset="-127"/>
             </a:endParaRPr>
@@ -9165,70 +8714,420 @@
               </a:lnSpc>
             </a:pPr>
             <a:r>
-              <a:rPr lang="en-US" altLang="ko-KR" spc="0" dirty="0" smtClean="0">
+              <a:rPr lang="en-US" altLang="ko-KR" sz="2400" spc="0" dirty="0" smtClean="0">
                 <a:latin typeface="맑은 고딕" panose="020B0503020000020004" pitchFamily="50" charset="-127"/>
                 <a:ea typeface="맑은 고딕" panose="020B0503020000020004" pitchFamily="50" charset="-127"/>
               </a:rPr>
-              <a:t>Project Analysis</a:t>
-            </a:r>
-          </a:p>
-          <a:p>
-            <a:pPr lvl="1"/>
-            <a:r>
-              <a:rPr lang="en-US" altLang="ko-KR" sz="2100" dirty="0" smtClean="0">
+              <a:t>1-1	  </a:t>
+            </a:r>
+            <a:r>
+              <a:rPr lang="en-US" altLang="ko-KR" sz="2400" dirty="0" smtClean="0">
                 <a:latin typeface="맑은 고딕" panose="020B0503020000020004" pitchFamily="50" charset="-127"/>
                 <a:ea typeface="맑은 고딕" panose="020B0503020000020004" pitchFamily="50" charset="-127"/>
               </a:rPr>
-              <a:t>Process Model</a:t>
-            </a:r>
-          </a:p>
-          <a:p>
-            <a:pPr lvl="1"/>
-            <a:r>
-              <a:rPr lang="en-US" altLang="ko-KR" sz="2100" dirty="0" smtClean="0">
+              <a:t>Project </a:t>
+            </a:r>
+            <a:r>
+              <a:rPr lang="ko-KR" altLang="en-US" sz="2400" dirty="0" smtClean="0">
                 <a:latin typeface="맑은 고딕" panose="020B0503020000020004" pitchFamily="50" charset="-127"/>
                 <a:ea typeface="맑은 고딕" panose="020B0503020000020004" pitchFamily="50" charset="-127"/>
               </a:rPr>
-              <a:t>Structural Model</a:t>
-            </a:r>
-          </a:p>
-          <a:p>
-            <a:pPr lvl="1"/>
-            <a:r>
-              <a:rPr lang="en-US" altLang="ko-KR" sz="2100" spc="0" dirty="0" smtClean="0">
+              <a:t>필요성</a:t>
+            </a:r>
+            <a:endParaRPr lang="en-US" altLang="ko-KR" sz="2400" spc="0" dirty="0">
+              <a:latin typeface="맑은 고딕" panose="020B0503020000020004" pitchFamily="50" charset="-127"/>
+              <a:ea typeface="맑은 고딕" panose="020B0503020000020004" pitchFamily="50" charset="-127"/>
+            </a:endParaRPr>
+          </a:p>
+          <a:p>
+            <a:pPr>
+              <a:lnSpc>
+                <a:spcPct val="100000"/>
+              </a:lnSpc>
+            </a:pPr>
+            <a:r>
+              <a:rPr lang="en-US" altLang="ko-KR" sz="2400" spc="0" dirty="0" smtClean="0">
                 <a:latin typeface="맑은 고딕" panose="020B0503020000020004" pitchFamily="50" charset="-127"/>
                 <a:ea typeface="맑은 고딕" panose="020B0503020000020004" pitchFamily="50" charset="-127"/>
               </a:rPr>
-              <a:t>Use Case Diagram</a:t>
-            </a:r>
+              <a:t>1-2	  </a:t>
+            </a:r>
+            <a:r>
+              <a:rPr lang="en-US" altLang="ko-KR" sz="2400" dirty="0" smtClean="0">
+                <a:latin typeface="맑은 고딕" panose="020B0503020000020004" pitchFamily="50" charset="-127"/>
+                <a:ea typeface="맑은 고딕" panose="020B0503020000020004" pitchFamily="50" charset="-127"/>
+              </a:rPr>
+              <a:t>Project </a:t>
+            </a:r>
+            <a:r>
+              <a:rPr lang="ko-KR" altLang="en-US" sz="2400" dirty="0">
+                <a:latin typeface="맑은 고딕" panose="020B0503020000020004" pitchFamily="50" charset="-127"/>
+                <a:ea typeface="맑은 고딕" panose="020B0503020000020004" pitchFamily="50" charset="-127"/>
+              </a:rPr>
+              <a:t>소개</a:t>
+            </a:r>
+            <a:endParaRPr lang="en-US" altLang="ko-KR" sz="2400" dirty="0">
+              <a:latin typeface="맑은 고딕" panose="020B0503020000020004" pitchFamily="50" charset="-127"/>
+              <a:ea typeface="맑은 고딕" panose="020B0503020000020004" pitchFamily="50" charset="-127"/>
+            </a:endParaRPr>
+          </a:p>
+          <a:p>
+            <a:pPr>
+              <a:lnSpc>
+                <a:spcPct val="100000"/>
+              </a:lnSpc>
+            </a:pPr>
+            <a:r>
+              <a:rPr lang="en-US" altLang="ko-KR" sz="2400" spc="0" dirty="0" smtClean="0">
+                <a:latin typeface="맑은 고딕" panose="020B0503020000020004" pitchFamily="50" charset="-127"/>
+                <a:ea typeface="맑은 고딕" panose="020B0503020000020004" pitchFamily="50" charset="-127"/>
+              </a:rPr>
+              <a:t>	</a:t>
+            </a:r>
+            <a:endParaRPr lang="en-US" altLang="ko-KR" sz="2400" spc="0" dirty="0">
+              <a:latin typeface="맑은 고딕" panose="020B0503020000020004" pitchFamily="50" charset="-127"/>
+              <a:ea typeface="맑은 고딕" panose="020B0503020000020004" pitchFamily="50" charset="-127"/>
+            </a:endParaRPr>
+          </a:p>
+          <a:p>
+            <a:pPr>
+              <a:lnSpc>
+                <a:spcPct val="100000"/>
+              </a:lnSpc>
+            </a:pPr>
+            <a:r>
+              <a:rPr lang="en-US" altLang="ko-KR" sz="2400" spc="0" dirty="0" smtClean="0">
+                <a:latin typeface="맑은 고딕" panose="020B0503020000020004" pitchFamily="50" charset="-127"/>
+                <a:ea typeface="맑은 고딕" panose="020B0503020000020004" pitchFamily="50" charset="-127"/>
+              </a:rPr>
+              <a:t>2	</a:t>
+            </a:r>
+            <a:r>
+              <a:rPr lang="en-US" altLang="ko-KR" sz="2400" spc="0" dirty="0">
+                <a:latin typeface="맑은 고딕" panose="020B0503020000020004" pitchFamily="50" charset="-127"/>
+                <a:ea typeface="맑은 고딕" panose="020B0503020000020004" pitchFamily="50" charset="-127"/>
+              </a:rPr>
+              <a:t>Project </a:t>
+            </a:r>
+            <a:r>
+              <a:rPr lang="en-US" altLang="ko-KR" sz="2400" spc="0" dirty="0" smtClean="0">
+                <a:latin typeface="맑은 고딕" panose="020B0503020000020004" pitchFamily="50" charset="-127"/>
+                <a:ea typeface="맑은 고딕" panose="020B0503020000020004" pitchFamily="50" charset="-127"/>
+              </a:rPr>
+              <a:t>Analysis</a:t>
+            </a:r>
+            <a:endParaRPr lang="en-US" altLang="ko-KR" sz="2400" spc="0" dirty="0">
+              <a:latin typeface="맑은 고딕" panose="020B0503020000020004" pitchFamily="50" charset="-127"/>
+              <a:ea typeface="맑은 고딕" panose="020B0503020000020004" pitchFamily="50" charset="-127"/>
+            </a:endParaRPr>
+          </a:p>
+          <a:p>
+            <a:pPr>
+              <a:lnSpc>
+                <a:spcPct val="100000"/>
+              </a:lnSpc>
+            </a:pPr>
+            <a:r>
+              <a:rPr lang="en-US" altLang="ko-KR" sz="2400" spc="0" dirty="0" smtClean="0">
+                <a:latin typeface="맑은 고딕" panose="020B0503020000020004" pitchFamily="50" charset="-127"/>
+                <a:ea typeface="맑은 고딕" panose="020B0503020000020004" pitchFamily="50" charset="-127"/>
+              </a:rPr>
+              <a:t>2-1	  </a:t>
+            </a:r>
+            <a:r>
+              <a:rPr lang="en-US" altLang="ko-KR" sz="2400" dirty="0" smtClean="0">
+                <a:latin typeface="맑은 고딕" panose="020B0503020000020004" pitchFamily="50" charset="-127"/>
+                <a:ea typeface="맑은 고딕" panose="020B0503020000020004" pitchFamily="50" charset="-127"/>
+              </a:rPr>
+              <a:t>Process Model</a:t>
+            </a:r>
+            <a:endParaRPr lang="en-US" altLang="ko-KR" sz="2400" spc="0" dirty="0">
+              <a:latin typeface="맑은 고딕" panose="020B0503020000020004" pitchFamily="50" charset="-127"/>
+              <a:ea typeface="맑은 고딕" panose="020B0503020000020004" pitchFamily="50" charset="-127"/>
+            </a:endParaRPr>
+          </a:p>
+          <a:p>
+            <a:pPr>
+              <a:lnSpc>
+                <a:spcPct val="100000"/>
+              </a:lnSpc>
+            </a:pPr>
+            <a:r>
+              <a:rPr lang="en-US" altLang="ko-KR" sz="2400" spc="0" dirty="0" smtClean="0">
+                <a:latin typeface="맑은 고딕" panose="020B0503020000020004" pitchFamily="50" charset="-127"/>
+                <a:ea typeface="맑은 고딕" panose="020B0503020000020004" pitchFamily="50" charset="-127"/>
+              </a:rPr>
+              <a:t>2-2	  </a:t>
+            </a:r>
+            <a:r>
+              <a:rPr lang="en-US" altLang="ko-KR" sz="2400" dirty="0" smtClean="0">
+                <a:latin typeface="맑은 고딕" panose="020B0503020000020004" pitchFamily="50" charset="-127"/>
+                <a:ea typeface="맑은 고딕" panose="020B0503020000020004" pitchFamily="50" charset="-127"/>
+              </a:rPr>
+              <a:t>Structural Model</a:t>
+            </a:r>
+            <a:endParaRPr lang="en-US" altLang="ko-KR" sz="2400" spc="0" dirty="0">
+              <a:latin typeface="맑은 고딕" panose="020B0503020000020004" pitchFamily="50" charset="-127"/>
+              <a:ea typeface="맑은 고딕" panose="020B0503020000020004" pitchFamily="50" charset="-127"/>
+            </a:endParaRPr>
+          </a:p>
+          <a:p>
+            <a:pPr>
+              <a:lnSpc>
+                <a:spcPct val="100000"/>
+              </a:lnSpc>
+            </a:pPr>
+            <a:r>
+              <a:rPr lang="en-US" altLang="ko-KR" sz="2400" spc="0" dirty="0" smtClean="0">
+                <a:latin typeface="맑은 고딕" panose="020B0503020000020004" pitchFamily="50" charset="-127"/>
+                <a:ea typeface="맑은 고딕" panose="020B0503020000020004" pitchFamily="50" charset="-127"/>
+              </a:rPr>
+              <a:t>2-3	  Use-case Diagram</a:t>
+            </a:r>
+          </a:p>
+          <a:p>
+            <a:pPr>
+              <a:lnSpc>
+                <a:spcPct val="100000"/>
+              </a:lnSpc>
+            </a:pPr>
+            <a:r>
+              <a:rPr lang="en-US" altLang="ko-KR" sz="2400" spc="0" dirty="0" smtClean="0">
+                <a:latin typeface="맑은 고딕" panose="020B0503020000020004" pitchFamily="50" charset="-127"/>
+                <a:ea typeface="맑은 고딕" panose="020B0503020000020004" pitchFamily="50" charset="-127"/>
+              </a:rPr>
+              <a:t>2-4	  Functional Requirements</a:t>
+            </a:r>
+          </a:p>
+          <a:p>
+            <a:pPr>
+              <a:lnSpc>
+                <a:spcPct val="100000"/>
+              </a:lnSpc>
+            </a:pPr>
+            <a:r>
+              <a:rPr lang="en-US" altLang="ko-KR" sz="2400" spc="0" dirty="0" smtClean="0">
+                <a:latin typeface="맑은 고딕" panose="020B0503020000020004" pitchFamily="50" charset="-127"/>
+                <a:ea typeface="맑은 고딕" panose="020B0503020000020004" pitchFamily="50" charset="-127"/>
+              </a:rPr>
+              <a:t>2-5	  Non-Functional Requirements</a:t>
+            </a:r>
+          </a:p>
+          <a:p>
+            <a:pPr>
+              <a:lnSpc>
+                <a:spcPct val="100000"/>
+              </a:lnSpc>
+            </a:pPr>
+            <a:endParaRPr lang="en-US" altLang="ko-KR" sz="2400" spc="0" dirty="0">
+              <a:latin typeface="맑은 고딕" panose="020B0503020000020004" pitchFamily="50" charset="-127"/>
+              <a:ea typeface="맑은 고딕" panose="020B0503020000020004" pitchFamily="50" charset="-127"/>
+            </a:endParaRPr>
+          </a:p>
+          <a:p>
+            <a:pPr>
+              <a:lnSpc>
+                <a:spcPct val="100000"/>
+              </a:lnSpc>
+            </a:pPr>
+            <a:r>
+              <a:rPr lang="en-US" altLang="ko-KR" sz="2400" spc="0" dirty="0" smtClean="0">
+                <a:latin typeface="맑은 고딕" panose="020B0503020000020004" pitchFamily="50" charset="-127"/>
+                <a:ea typeface="맑은 고딕" panose="020B0503020000020004" pitchFamily="50" charset="-127"/>
+              </a:rPr>
+              <a:t>3	Implement &amp; Test Tactics</a:t>
+            </a:r>
+          </a:p>
+          <a:p>
+            <a:pPr>
+              <a:lnSpc>
+                <a:spcPct val="100000"/>
+              </a:lnSpc>
+            </a:pPr>
+            <a:r>
+              <a:rPr lang="en-US" altLang="ko-KR" sz="2400" spc="0" dirty="0" smtClean="0">
+                <a:latin typeface="맑은 고딕" panose="020B0503020000020004" pitchFamily="50" charset="-127"/>
+                <a:ea typeface="맑은 고딕" panose="020B0503020000020004" pitchFamily="50" charset="-127"/>
+              </a:rPr>
+              <a:t>3-1	 </a:t>
+            </a:r>
+            <a:r>
+              <a:rPr lang="en-US" altLang="ko-KR" sz="2400" spc="0" dirty="0">
+                <a:latin typeface="맑은 고딕" panose="020B0503020000020004" pitchFamily="50" charset="-127"/>
+                <a:ea typeface="맑은 고딕" panose="020B0503020000020004" pitchFamily="50" charset="-127"/>
+              </a:rPr>
+              <a:t> </a:t>
+            </a:r>
+            <a:r>
+              <a:rPr lang="en-US" altLang="ko-KR" sz="2400" spc="0" dirty="0" smtClean="0">
+                <a:latin typeface="맑은 고딕" panose="020B0503020000020004" pitchFamily="50" charset="-127"/>
+                <a:ea typeface="맑은 고딕" panose="020B0503020000020004" pitchFamily="50" charset="-127"/>
+              </a:rPr>
+              <a:t>Implement Tactics</a:t>
+            </a:r>
+          </a:p>
+          <a:p>
+            <a:pPr>
+              <a:lnSpc>
+                <a:spcPct val="100000"/>
+              </a:lnSpc>
+            </a:pPr>
+            <a:r>
+              <a:rPr lang="en-US" altLang="ko-KR" sz="2400" spc="0" dirty="0" smtClean="0">
+                <a:latin typeface="맑은 고딕" panose="020B0503020000020004" pitchFamily="50" charset="-127"/>
+                <a:ea typeface="맑은 고딕" panose="020B0503020000020004" pitchFamily="50" charset="-127"/>
+              </a:rPr>
+              <a:t>3-2	  Test Tactics</a:t>
+            </a:r>
+            <a:endParaRPr lang="en-US" altLang="ko-KR" sz="2400" spc="0" dirty="0">
+              <a:latin typeface="맑은 고딕" panose="020B0503020000020004" pitchFamily="50" charset="-127"/>
+              <a:ea typeface="맑은 고딕" panose="020B0503020000020004" pitchFamily="50" charset="-127"/>
+            </a:endParaRPr>
+          </a:p>
+          <a:p>
+            <a:pPr marL="457200" indent="-457200">
+              <a:lnSpc>
+                <a:spcPct val="100000"/>
+              </a:lnSpc>
+              <a:buAutoNum type="arabicPlain" startAt="3"/>
+            </a:pPr>
+            <a:endParaRPr lang="en-US" altLang="ko-KR" sz="2400" spc="0" dirty="0">
+              <a:latin typeface="맑은 고딕" panose="020B0503020000020004" pitchFamily="50" charset="-127"/>
+              <a:ea typeface="맑은 고딕" panose="020B0503020000020004" pitchFamily="50" charset="-127"/>
+            </a:endParaRPr>
+          </a:p>
+          <a:p>
+            <a:pPr>
+              <a:lnSpc>
+                <a:spcPct val="100000"/>
+              </a:lnSpc>
+            </a:pPr>
+            <a:r>
+              <a:rPr lang="en-US" altLang="ko-KR" sz="2400" spc="0" dirty="0">
+                <a:latin typeface="맑은 고딕" panose="020B0503020000020004" pitchFamily="50" charset="-127"/>
+                <a:ea typeface="맑은 고딕" panose="020B0503020000020004" pitchFamily="50" charset="-127"/>
+              </a:rPr>
+              <a:t>4</a:t>
+            </a:r>
+            <a:r>
+              <a:rPr lang="en-US" altLang="ko-KR" sz="2400" spc="0" dirty="0" smtClean="0">
+                <a:latin typeface="맑은 고딕" panose="020B0503020000020004" pitchFamily="50" charset="-127"/>
+                <a:ea typeface="맑은 고딕" panose="020B0503020000020004" pitchFamily="50" charset="-127"/>
+              </a:rPr>
+              <a:t>	</a:t>
+            </a:r>
+            <a:r>
+              <a:rPr lang="en-US" altLang="ko-KR" sz="2400" spc="0" dirty="0">
+                <a:latin typeface="맑은 고딕" panose="020B0503020000020004" pitchFamily="50" charset="-127"/>
+                <a:ea typeface="맑은 고딕" panose="020B0503020000020004" pitchFamily="50" charset="-127"/>
+              </a:rPr>
+              <a:t>Program </a:t>
+            </a:r>
+            <a:r>
+              <a:rPr lang="en-US" altLang="ko-KR" sz="2400" spc="0" dirty="0" smtClean="0">
+                <a:latin typeface="맑은 고딕" panose="020B0503020000020004" pitchFamily="50" charset="-127"/>
+                <a:ea typeface="맑은 고딕" panose="020B0503020000020004" pitchFamily="50" charset="-127"/>
+              </a:rPr>
+              <a:t>Demonstration</a:t>
+            </a:r>
+            <a:endParaRPr lang="en-US" altLang="ko-KR" sz="2400" spc="0" dirty="0">
+              <a:latin typeface="맑은 고딕" panose="020B0503020000020004" pitchFamily="50" charset="-127"/>
+              <a:ea typeface="맑은 고딕" panose="020B0503020000020004" pitchFamily="50" charset="-127"/>
+            </a:endParaRPr>
+          </a:p>
+          <a:p>
+            <a:pPr>
+              <a:lnSpc>
+                <a:spcPct val="100000"/>
+              </a:lnSpc>
+            </a:pPr>
+            <a:r>
+              <a:rPr lang="en-US" altLang="ko-KR" sz="2400" spc="0" dirty="0">
+                <a:latin typeface="맑은 고딕" panose="020B0503020000020004" pitchFamily="50" charset="-127"/>
+                <a:ea typeface="맑은 고딕" panose="020B0503020000020004" pitchFamily="50" charset="-127"/>
+              </a:rPr>
+              <a:t>4</a:t>
+            </a:r>
+            <a:r>
+              <a:rPr lang="en-US" altLang="ko-KR" sz="2400" spc="0" dirty="0" smtClean="0">
+                <a:latin typeface="맑은 고딕" panose="020B0503020000020004" pitchFamily="50" charset="-127"/>
+                <a:ea typeface="맑은 고딕" panose="020B0503020000020004" pitchFamily="50" charset="-127"/>
+              </a:rPr>
+              <a:t>-1	  </a:t>
+            </a:r>
+            <a:r>
+              <a:rPr lang="ko-KR" altLang="en-US" sz="2400" spc="0" dirty="0" smtClean="0">
+                <a:latin typeface="맑은 고딕" panose="020B0503020000020004" pitchFamily="50" charset="-127"/>
+                <a:ea typeface="맑은 고딕" panose="020B0503020000020004" pitchFamily="50" charset="-127"/>
+              </a:rPr>
+              <a:t>모바일 시연</a:t>
+            </a:r>
+            <a:endParaRPr lang="en-US" altLang="ko-KR" sz="2400" spc="0" dirty="0">
+              <a:latin typeface="맑은 고딕" panose="020B0503020000020004" pitchFamily="50" charset="-127"/>
+              <a:ea typeface="맑은 고딕" panose="020B0503020000020004" pitchFamily="50" charset="-127"/>
+            </a:endParaRPr>
+          </a:p>
+          <a:p>
+            <a:pPr>
+              <a:lnSpc>
+                <a:spcPct val="100000"/>
+              </a:lnSpc>
+            </a:pPr>
+            <a:r>
+              <a:rPr lang="en-US" altLang="ko-KR" sz="2400" spc="0" dirty="0">
+                <a:latin typeface="맑은 고딕" panose="020B0503020000020004" pitchFamily="50" charset="-127"/>
+                <a:ea typeface="맑은 고딕" panose="020B0503020000020004" pitchFamily="50" charset="-127"/>
+              </a:rPr>
+              <a:t>4</a:t>
+            </a:r>
+            <a:r>
+              <a:rPr lang="en-US" altLang="ko-KR" sz="2400" spc="0" dirty="0" smtClean="0">
+                <a:latin typeface="맑은 고딕" panose="020B0503020000020004" pitchFamily="50" charset="-127"/>
+                <a:ea typeface="맑은 고딕" panose="020B0503020000020004" pitchFamily="50" charset="-127"/>
+              </a:rPr>
+              <a:t>-2	  </a:t>
+            </a:r>
+            <a:r>
+              <a:rPr lang="ko-KR" altLang="en-US" sz="2400" spc="0" dirty="0" err="1" smtClean="0">
+                <a:latin typeface="맑은 고딕" panose="020B0503020000020004" pitchFamily="50" charset="-127"/>
+                <a:ea typeface="맑은 고딕" panose="020B0503020000020004" pitchFamily="50" charset="-127"/>
+              </a:rPr>
+              <a:t>데스크탑</a:t>
+            </a:r>
+            <a:r>
+              <a:rPr lang="ko-KR" altLang="en-US" sz="2400" spc="0" dirty="0" smtClean="0">
+                <a:latin typeface="맑은 고딕" panose="020B0503020000020004" pitchFamily="50" charset="-127"/>
+                <a:ea typeface="맑은 고딕" panose="020B0503020000020004" pitchFamily="50" charset="-127"/>
+              </a:rPr>
+              <a:t> </a:t>
+            </a:r>
+            <a:r>
+              <a:rPr lang="ko-KR" altLang="en-US" sz="2400" spc="0" dirty="0">
+                <a:latin typeface="맑은 고딕" panose="020B0503020000020004" pitchFamily="50" charset="-127"/>
+                <a:ea typeface="맑은 고딕" panose="020B0503020000020004" pitchFamily="50" charset="-127"/>
+              </a:rPr>
+              <a:t>시연</a:t>
+            </a:r>
+          </a:p>
+          <a:p>
+            <a:pPr>
+              <a:lnSpc>
+                <a:spcPct val="100000"/>
+              </a:lnSpc>
+            </a:pPr>
+            <a:endParaRPr lang="ko-KR" altLang="en-US" sz="2000" spc="0" dirty="0">
+              <a:latin typeface="맑은 고딕" panose="020B0503020000020004" pitchFamily="50" charset="-127"/>
+              <a:ea typeface="맑은 고딕" panose="020B0503020000020004" pitchFamily="50" charset="-127"/>
+            </a:endParaRPr>
+          </a:p>
+          <a:p>
+            <a:pPr marL="521528" lvl="1" indent="0">
+              <a:buNone/>
+            </a:pPr>
             <a:endParaRPr lang="en-US" altLang="ko-KR" sz="2100" spc="0" dirty="0" smtClean="0">
               <a:latin typeface="맑은 고딕" panose="020B0503020000020004" pitchFamily="50" charset="-127"/>
               <a:ea typeface="맑은 고딕" panose="020B0503020000020004" pitchFamily="50" charset="-127"/>
             </a:endParaRPr>
-          </a:p>
-          <a:p>
-            <a:pPr lvl="1"/>
-            <a:r>
-              <a:rPr lang="en-US" altLang="ko-KR" sz="2100" spc="0" dirty="0" smtClean="0">
-                <a:latin typeface="맑은 고딕" panose="020B0503020000020004" pitchFamily="50" charset="-127"/>
-                <a:ea typeface="맑은 고딕" panose="020B0503020000020004" pitchFamily="50" charset="-127"/>
-              </a:rPr>
-              <a:t>Sequence Diagram</a:t>
-            </a:r>
-            <a:endParaRPr lang="en-US" altLang="ko-KR" sz="2100" spc="0" dirty="0" smtClean="0">
-              <a:latin typeface="맑은 고딕" panose="020B0503020000020004" pitchFamily="50" charset="-127"/>
-              <a:ea typeface="맑은 고딕" panose="020B0503020000020004" pitchFamily="50" charset="-127"/>
-            </a:endParaRPr>
-          </a:p>
-          <a:p>
-            <a:pPr lvl="1"/>
-            <a:r>
-              <a:rPr lang="en-US" altLang="ko-KR" sz="2100" spc="0" dirty="0" smtClean="0">
-                <a:latin typeface="맑은 고딕" panose="020B0503020000020004" pitchFamily="50" charset="-127"/>
-                <a:ea typeface="맑은 고딕" panose="020B0503020000020004" pitchFamily="50" charset="-127"/>
-              </a:rPr>
-              <a:t>User Scenario</a:t>
-            </a:r>
           </a:p>
           <a:p>
             <a:pPr>
@@ -9281,318 +9180,6 @@
               </a:lnSpc>
             </a:pPr>
             <a:endParaRPr lang="en-US" altLang="ko-KR" sz="1000" spc="0" dirty="0" smtClean="0">
-              <a:latin typeface="맑은 고딕" panose="020B0503020000020004" pitchFamily="50" charset="-127"/>
-              <a:ea typeface="맑은 고딕" panose="020B0503020000020004" pitchFamily="50" charset="-127"/>
-            </a:endParaRPr>
-          </a:p>
-          <a:p>
-            <a:pPr>
-              <a:lnSpc>
-                <a:spcPct val="100000"/>
-              </a:lnSpc>
-            </a:pPr>
-            <a:r>
-              <a:rPr lang="en-US" altLang="ko-KR" spc="0" dirty="0" smtClean="0">
-                <a:latin typeface="맑은 고딕" panose="020B0503020000020004" pitchFamily="50" charset="-127"/>
-                <a:ea typeface="맑은 고딕" panose="020B0503020000020004" pitchFamily="50" charset="-127"/>
-              </a:rPr>
-              <a:t>Program Demonstration</a:t>
-            </a:r>
-          </a:p>
-          <a:p>
-            <a:pPr lvl="1"/>
-            <a:r>
-              <a:rPr lang="ko-KR" altLang="en-US" sz="2100" spc="0" dirty="0" smtClean="0">
-                <a:latin typeface="맑은 고딕" panose="020B0503020000020004" pitchFamily="50" charset="-127"/>
-                <a:ea typeface="맑은 고딕" panose="020B0503020000020004" pitchFamily="50" charset="-127"/>
-              </a:rPr>
-              <a:t>모바일 시연</a:t>
-            </a:r>
-            <a:endParaRPr lang="en-US" altLang="ko-KR" sz="2100" spc="0" dirty="0" smtClean="0">
-              <a:latin typeface="맑은 고딕" panose="020B0503020000020004" pitchFamily="50" charset="-127"/>
-              <a:ea typeface="맑은 고딕" panose="020B0503020000020004" pitchFamily="50" charset="-127"/>
-            </a:endParaRPr>
-          </a:p>
-          <a:p>
-            <a:pPr lvl="1"/>
-            <a:r>
-              <a:rPr lang="ko-KR" altLang="en-US" sz="2100" spc="0" dirty="0" err="1" smtClean="0">
-                <a:latin typeface="맑은 고딕" panose="020B0503020000020004" pitchFamily="50" charset="-127"/>
-                <a:ea typeface="맑은 고딕" panose="020B0503020000020004" pitchFamily="50" charset="-127"/>
-              </a:rPr>
-              <a:t>데스크탑</a:t>
-            </a:r>
-            <a:r>
-              <a:rPr lang="ko-KR" altLang="en-US" sz="2100" spc="0" dirty="0" smtClean="0">
-                <a:latin typeface="맑은 고딕" panose="020B0503020000020004" pitchFamily="50" charset="-127"/>
-                <a:ea typeface="맑은 고딕" panose="020B0503020000020004" pitchFamily="50" charset="-127"/>
-              </a:rPr>
-              <a:t> 시연</a:t>
-            </a:r>
-            <a:endParaRPr lang="ko-KR" altLang="en-US" sz="2100" spc="0" dirty="0">
-              <a:latin typeface="맑은 고딕" panose="020B0503020000020004" pitchFamily="50" charset="-127"/>
-              <a:ea typeface="맑은 고딕" panose="020B0503020000020004" pitchFamily="50" charset="-127"/>
-            </a:endParaRPr>
-          </a:p>
-        </p:txBody>
-      </p:sp>
-      <p:sp>
-        <p:nvSpPr>
-          <p:cNvPr id="8" name="텍스트 개체 틀 7"/>
-          <p:cNvSpPr>
-            <a:spLocks noGrp="1"/>
-          </p:cNvSpPr>
-          <p:nvPr>
-            <p:ph type="body" sz="quarter" idx="15"/>
-          </p:nvPr>
-        </p:nvSpPr>
-        <p:spPr>
-          <a:xfrm>
-            <a:off x="3060684" y="410400"/>
-            <a:ext cx="1080000" cy="2880000"/>
-          </a:xfrm>
-        </p:spPr>
-        <p:txBody>
-          <a:bodyPr/>
-          <a:lstStyle/>
-          <a:p>
-            <a:pPr>
-              <a:lnSpc>
-                <a:spcPct val="100000"/>
-              </a:lnSpc>
-            </a:pPr>
-            <a:r>
-              <a:rPr lang="en-US" altLang="ko-KR" sz="2200" spc="0" dirty="0" smtClean="0">
-                <a:latin typeface="맑은 고딕" panose="020B0503020000020004" pitchFamily="50" charset="-127"/>
-                <a:ea typeface="맑은 고딕" panose="020B0503020000020004" pitchFamily="50" charset="-127"/>
-              </a:rPr>
-              <a:t>1</a:t>
-            </a:r>
-          </a:p>
-          <a:p>
-            <a:pPr>
-              <a:lnSpc>
-                <a:spcPct val="100000"/>
-              </a:lnSpc>
-            </a:pPr>
-            <a:r>
-              <a:rPr lang="en-US" altLang="ko-KR" sz="2200" spc="0" dirty="0" smtClean="0">
-                <a:latin typeface="맑은 고딕" panose="020B0503020000020004" pitchFamily="50" charset="-127"/>
-                <a:ea typeface="맑은 고딕" panose="020B0503020000020004" pitchFamily="50" charset="-127"/>
-              </a:rPr>
-              <a:t>1-1</a:t>
-            </a:r>
-          </a:p>
-          <a:p>
-            <a:pPr>
-              <a:lnSpc>
-                <a:spcPct val="100000"/>
-              </a:lnSpc>
-            </a:pPr>
-            <a:r>
-              <a:rPr lang="en-US" altLang="ko-KR" sz="2200" spc="0" dirty="0" smtClean="0">
-                <a:latin typeface="맑은 고딕" panose="020B0503020000020004" pitchFamily="50" charset="-127"/>
-                <a:ea typeface="맑은 고딕" panose="020B0503020000020004" pitchFamily="50" charset="-127"/>
-              </a:rPr>
-              <a:t>1-2</a:t>
-            </a:r>
-            <a:endParaRPr lang="en-US" altLang="ko-KR" sz="2200" spc="0" dirty="0">
-              <a:latin typeface="맑은 고딕" panose="020B0503020000020004" pitchFamily="50" charset="-127"/>
-              <a:ea typeface="맑은 고딕" panose="020B0503020000020004" pitchFamily="50" charset="-127"/>
-            </a:endParaRPr>
-          </a:p>
-          <a:p>
-            <a:pPr>
-              <a:lnSpc>
-                <a:spcPct val="100000"/>
-              </a:lnSpc>
-            </a:pPr>
-            <a:endParaRPr lang="en-US" altLang="ko-KR" sz="2200" spc="0" dirty="0" smtClean="0">
-              <a:latin typeface="맑은 고딕" panose="020B0503020000020004" pitchFamily="50" charset="-127"/>
-              <a:ea typeface="맑은 고딕" panose="020B0503020000020004" pitchFamily="50" charset="-127"/>
-            </a:endParaRPr>
-          </a:p>
-          <a:p>
-            <a:pPr>
-              <a:lnSpc>
-                <a:spcPct val="100000"/>
-              </a:lnSpc>
-            </a:pPr>
-            <a:endParaRPr lang="en-US" altLang="ko-KR" sz="2200" spc="0" dirty="0" smtClean="0">
-              <a:latin typeface="맑은 고딕" panose="020B0503020000020004" pitchFamily="50" charset="-127"/>
-              <a:ea typeface="맑은 고딕" panose="020B0503020000020004" pitchFamily="50" charset="-127"/>
-            </a:endParaRPr>
-          </a:p>
-          <a:p>
-            <a:pPr>
-              <a:lnSpc>
-                <a:spcPct val="100000"/>
-              </a:lnSpc>
-            </a:pPr>
-            <a:endParaRPr lang="en-US" altLang="ko-KR" sz="2200" spc="0" dirty="0" smtClean="0">
-              <a:latin typeface="맑은 고딕" panose="020B0503020000020004" pitchFamily="50" charset="-127"/>
-              <a:ea typeface="맑은 고딕" panose="020B0503020000020004" pitchFamily="50" charset="-127"/>
-            </a:endParaRPr>
-          </a:p>
-          <a:p>
-            <a:pPr>
-              <a:lnSpc>
-                <a:spcPct val="100000"/>
-              </a:lnSpc>
-            </a:pPr>
-            <a:r>
-              <a:rPr lang="en-US" altLang="ko-KR" sz="2200" spc="0" dirty="0" smtClean="0">
-                <a:latin typeface="맑은 고딕" panose="020B0503020000020004" pitchFamily="50" charset="-127"/>
-                <a:ea typeface="맑은 고딕" panose="020B0503020000020004" pitchFamily="50" charset="-127"/>
-              </a:rPr>
-              <a:t>2</a:t>
-            </a:r>
-          </a:p>
-          <a:p>
-            <a:pPr>
-              <a:lnSpc>
-                <a:spcPct val="100000"/>
-              </a:lnSpc>
-            </a:pPr>
-            <a:r>
-              <a:rPr lang="en-US" altLang="ko-KR" sz="2200" spc="0" dirty="0" smtClean="0">
-                <a:latin typeface="맑은 고딕" panose="020B0503020000020004" pitchFamily="50" charset="-127"/>
-                <a:ea typeface="맑은 고딕" panose="020B0503020000020004" pitchFamily="50" charset="-127"/>
-              </a:rPr>
-              <a:t>2-1</a:t>
-            </a:r>
-          </a:p>
-          <a:p>
-            <a:pPr>
-              <a:lnSpc>
-                <a:spcPct val="100000"/>
-              </a:lnSpc>
-            </a:pPr>
-            <a:r>
-              <a:rPr lang="en-US" altLang="ko-KR" sz="2200" spc="0" dirty="0" smtClean="0">
-                <a:latin typeface="맑은 고딕" panose="020B0503020000020004" pitchFamily="50" charset="-127"/>
-                <a:ea typeface="맑은 고딕" panose="020B0503020000020004" pitchFamily="50" charset="-127"/>
-              </a:rPr>
-              <a:t>2-2</a:t>
-            </a:r>
-          </a:p>
-          <a:p>
-            <a:pPr>
-              <a:lnSpc>
-                <a:spcPct val="100000"/>
-              </a:lnSpc>
-            </a:pPr>
-            <a:r>
-              <a:rPr lang="en-US" altLang="ko-KR" sz="2200" spc="0" dirty="0" smtClean="0">
-                <a:latin typeface="맑은 고딕" panose="020B0503020000020004" pitchFamily="50" charset="-127"/>
-                <a:ea typeface="맑은 고딕" panose="020B0503020000020004" pitchFamily="50" charset="-127"/>
-              </a:rPr>
-              <a:t>2-3</a:t>
-            </a:r>
-          </a:p>
-          <a:p>
-            <a:pPr>
-              <a:lnSpc>
-                <a:spcPct val="100000"/>
-              </a:lnSpc>
-            </a:pPr>
-            <a:r>
-              <a:rPr lang="en-US" altLang="ko-KR" sz="2200" spc="0" dirty="0" smtClean="0">
-                <a:latin typeface="맑은 고딕" panose="020B0503020000020004" pitchFamily="50" charset="-127"/>
-                <a:ea typeface="맑은 고딕" panose="020B0503020000020004" pitchFamily="50" charset="-127"/>
-              </a:rPr>
-              <a:t>2-4</a:t>
-            </a:r>
-          </a:p>
-          <a:p>
-            <a:pPr>
-              <a:lnSpc>
-                <a:spcPct val="100000"/>
-              </a:lnSpc>
-            </a:pPr>
-            <a:r>
-              <a:rPr lang="en-US" altLang="ko-KR" sz="2200" spc="0" dirty="0" smtClean="0">
-                <a:latin typeface="맑은 고딕" panose="020B0503020000020004" pitchFamily="50" charset="-127"/>
-                <a:ea typeface="맑은 고딕" panose="020B0503020000020004" pitchFamily="50" charset="-127"/>
-              </a:rPr>
-              <a:t>2-5</a:t>
-            </a:r>
-          </a:p>
-          <a:p>
-            <a:pPr>
-              <a:lnSpc>
-                <a:spcPct val="100000"/>
-              </a:lnSpc>
-            </a:pPr>
-            <a:endParaRPr lang="en-US" altLang="ko-KR" sz="2200" spc="0" dirty="0" smtClean="0">
-              <a:latin typeface="맑은 고딕" panose="020B0503020000020004" pitchFamily="50" charset="-127"/>
-              <a:ea typeface="맑은 고딕" panose="020B0503020000020004" pitchFamily="50" charset="-127"/>
-            </a:endParaRPr>
-          </a:p>
-          <a:p>
-            <a:pPr>
-              <a:lnSpc>
-                <a:spcPct val="100000"/>
-              </a:lnSpc>
-            </a:pPr>
-            <a:endParaRPr lang="en-US" altLang="ko-KR" sz="2200" spc="0" dirty="0">
-              <a:latin typeface="맑은 고딕" panose="020B0503020000020004" pitchFamily="50" charset="-127"/>
-              <a:ea typeface="맑은 고딕" panose="020B0503020000020004" pitchFamily="50" charset="-127"/>
-            </a:endParaRPr>
-          </a:p>
-          <a:p>
-            <a:pPr>
-              <a:lnSpc>
-                <a:spcPct val="100000"/>
-              </a:lnSpc>
-            </a:pPr>
-            <a:endParaRPr lang="en-US" altLang="ko-KR" sz="2200" spc="0" dirty="0">
-              <a:latin typeface="맑은 고딕" panose="020B0503020000020004" pitchFamily="50" charset="-127"/>
-              <a:ea typeface="맑은 고딕" panose="020B0503020000020004" pitchFamily="50" charset="-127"/>
-            </a:endParaRPr>
-          </a:p>
-          <a:p>
-            <a:pPr>
-              <a:lnSpc>
-                <a:spcPct val="100000"/>
-              </a:lnSpc>
-            </a:pPr>
-            <a:r>
-              <a:rPr lang="en-US" altLang="ko-KR" sz="2200" spc="0" dirty="0" smtClean="0">
-                <a:latin typeface="맑은 고딕" panose="020B0503020000020004" pitchFamily="50" charset="-127"/>
-                <a:ea typeface="맑은 고딕" panose="020B0503020000020004" pitchFamily="50" charset="-127"/>
-              </a:rPr>
-              <a:t>3</a:t>
-            </a:r>
-          </a:p>
-          <a:p>
-            <a:pPr>
-              <a:lnSpc>
-                <a:spcPct val="100000"/>
-              </a:lnSpc>
-            </a:pPr>
-            <a:r>
-              <a:rPr lang="en-US" altLang="ko-KR" sz="2200" spc="0" dirty="0" smtClean="0">
-                <a:latin typeface="맑은 고딕" panose="020B0503020000020004" pitchFamily="50" charset="-127"/>
-                <a:ea typeface="맑은 고딕" panose="020B0503020000020004" pitchFamily="50" charset="-127"/>
-              </a:rPr>
-              <a:t>3-1</a:t>
-            </a:r>
-          </a:p>
-          <a:p>
-            <a:pPr>
-              <a:lnSpc>
-                <a:spcPct val="100000"/>
-              </a:lnSpc>
-            </a:pPr>
-            <a:r>
-              <a:rPr lang="en-US" altLang="ko-KR" sz="2200" spc="0" dirty="0" smtClean="0">
-                <a:latin typeface="맑은 고딕" panose="020B0503020000020004" pitchFamily="50" charset="-127"/>
-                <a:ea typeface="맑은 고딕" panose="020B0503020000020004" pitchFamily="50" charset="-127"/>
-              </a:rPr>
-              <a:t>3-2</a:t>
-            </a:r>
-            <a:endParaRPr lang="ko-KR" altLang="en-US" sz="2200" spc="0" dirty="0">
               <a:latin typeface="맑은 고딕" panose="020B0503020000020004" pitchFamily="50" charset="-127"/>
               <a:ea typeface="맑은 고딕" panose="020B0503020000020004" pitchFamily="50" charset="-127"/>
             </a:endParaRPr>
@@ -9632,13 +9219,13 @@
   <p:clrMapOvr>
     <a:masterClrMapping/>
   </p:clrMapOvr>
-  <mc:AlternateContent xmlns:mc="http://schemas.openxmlformats.org/markup-compatibility/2006">
-    <mc:Choice xmlns:p14="http://schemas.microsoft.com/office/powerpoint/2010/main" Requires="p14">
+  <mc:AlternateContent xmlns:mc="http://schemas.openxmlformats.org/markup-compatibility/2006" xmlns:p14="http://schemas.microsoft.com/office/powerpoint/2010/main">
+    <mc:Choice Requires="p14">
       <p:transition spd="slow" p14:dur="3400">
         <p14:reveal/>
       </p:transition>
     </mc:Choice>
-    <mc:Fallback>
+    <mc:Fallback xmlns="">
       <p:transition spd="slow">
         <p:fade/>
       </p:transition>
@@ -9705,9 +9292,6 @@
               </a:rPr>
               <a:t>our Project?</a:t>
             </a:r>
-            <a:endParaRPr lang="en-US" altLang="ko-KR" b="1" spc="0" dirty="0" smtClean="0">
-              <a:latin typeface="Eras Bold ITC" panose="020B0907030504020204" pitchFamily="34" charset="0"/>
-            </a:endParaRPr>
           </a:p>
         </p:txBody>
       </p:sp>
@@ -9956,13 +9540,13 @@
   <p:clrMapOvr>
     <a:masterClrMapping/>
   </p:clrMapOvr>
-  <mc:AlternateContent xmlns:mc="http://schemas.openxmlformats.org/markup-compatibility/2006">
-    <mc:Choice xmlns:p14="http://schemas.microsoft.com/office/powerpoint/2010/main" Requires="p14">
+  <mc:AlternateContent xmlns:mc="http://schemas.openxmlformats.org/markup-compatibility/2006" xmlns:p14="http://schemas.microsoft.com/office/powerpoint/2010/main">
+    <mc:Choice Requires="p14">
       <p:transition spd="slow" p14:dur="3400">
         <p14:reveal/>
       </p:transition>
     </mc:Choice>
-    <mc:Fallback>
+    <mc:Fallback xmlns="">
       <p:transition spd="slow">
         <p:fade/>
       </p:transition>
@@ -10427,9 +10011,6 @@
               </a:rPr>
               <a:t>our Project?</a:t>
             </a:r>
-            <a:endParaRPr lang="en-US" altLang="ko-KR" b="1" spc="0" dirty="0" smtClean="0">
-              <a:latin typeface="Eras Bold ITC" panose="020B0907030504020204" pitchFamily="34" charset="0"/>
-            </a:endParaRPr>
           </a:p>
         </p:txBody>
       </p:sp>
@@ -10443,13 +10024,13 @@
   <p:clrMapOvr>
     <a:masterClrMapping/>
   </p:clrMapOvr>
-  <mc:AlternateContent xmlns:mc="http://schemas.openxmlformats.org/markup-compatibility/2006">
-    <mc:Choice xmlns:p14="http://schemas.microsoft.com/office/powerpoint/2010/main" Requires="p14">
+  <mc:AlternateContent xmlns:mc="http://schemas.openxmlformats.org/markup-compatibility/2006" xmlns:p14="http://schemas.microsoft.com/office/powerpoint/2010/main">
+    <mc:Choice Requires="p14">
       <p:transition spd="slow" p14:dur="3400">
         <p14:reveal/>
       </p:transition>
     </mc:Choice>
-    <mc:Fallback>
+    <mc:Fallback xmlns="">
       <p:transition spd="slow">
         <p:fade/>
       </p:transition>
@@ -10761,9 +10342,6 @@
               </a:rPr>
               <a:t>our Project?</a:t>
             </a:r>
-            <a:endParaRPr lang="en-US" altLang="ko-KR" b="1" spc="0" dirty="0" smtClean="0">
-              <a:latin typeface="Eras Bold ITC" panose="020B0907030504020204" pitchFamily="34" charset="0"/>
-            </a:endParaRPr>
           </a:p>
         </p:txBody>
       </p:sp>
@@ -10796,13 +10374,13 @@
   <p:clrMapOvr>
     <a:masterClrMapping/>
   </p:clrMapOvr>
-  <mc:AlternateContent xmlns:mc="http://schemas.openxmlformats.org/markup-compatibility/2006">
-    <mc:Choice xmlns:p14="http://schemas.microsoft.com/office/powerpoint/2010/main" Requires="p14">
+  <mc:AlternateContent xmlns:mc="http://schemas.openxmlformats.org/markup-compatibility/2006" xmlns:p14="http://schemas.microsoft.com/office/powerpoint/2010/main">
+    <mc:Choice Requires="p14">
       <p:transition spd="slow" p14:dur="3400">
         <p14:reveal/>
       </p:transition>
     </mc:Choice>
-    <mc:Fallback>
+    <mc:Fallback xmlns="">
       <p:transition spd="slow">
         <p:fade/>
       </p:transition>
@@ -11007,53 +10585,21 @@
                 <a:latin typeface="HY그래픽M" panose="02030600000101010101" pitchFamily="18" charset="-127"/>
                 <a:ea typeface="HY그래픽M" panose="02030600000101010101" pitchFamily="18" charset="-127"/>
               </a:rPr>
-              <a:t>Structural Model</a:t>
-            </a:r>
-            <a:endParaRPr lang="en-US" altLang="ko-KR" sz="2000" b="1" dirty="0" smtClean="0">
-              <a:latin typeface="HY그래픽M" panose="02030600000101010101" pitchFamily="18" charset="-127"/>
-              <a:ea typeface="HY그래픽M" panose="02030600000101010101" pitchFamily="18" charset="-127"/>
-            </a:endParaRPr>
-          </a:p>
-          <a:p>
-            <a:pPr marL="1190383" lvl="1" indent="-342900">
-              <a:buFont typeface="Wingdings" panose="05000000000000000000" pitchFamily="2" charset="2"/>
-              <a:buChar char="§"/>
-            </a:pPr>
-            <a:endParaRPr lang="en-US" altLang="ko-KR" sz="2000" dirty="0" smtClean="0"/>
-          </a:p>
-          <a:p>
-            <a:pPr marL="1190383" lvl="1" indent="-342900">
-              <a:buFont typeface="Wingdings" panose="05000000000000000000" pitchFamily="2" charset="2"/>
-              <a:buChar char="§"/>
-            </a:pPr>
-            <a:endParaRPr lang="en-US" altLang="ko-KR" sz="2000" spc="0" dirty="0" smtClean="0">
-              <a:solidFill>
-                <a:schemeClr val="tx1"/>
-              </a:solidFill>
-            </a:endParaRPr>
-          </a:p>
-          <a:p>
-            <a:pPr marL="1190383" lvl="1" indent="-342900">
-              <a:buFont typeface="Wingdings" panose="05000000000000000000" pitchFamily="2" charset="2"/>
-              <a:buChar char="§"/>
-            </a:pPr>
-            <a:endParaRPr lang="en-US" altLang="ko-KR" sz="2000" dirty="0"/>
-          </a:p>
-          <a:p>
-            <a:pPr marL="1190383" lvl="1" indent="-342900">
-              <a:buFont typeface="Wingdings" panose="05000000000000000000" pitchFamily="2" charset="2"/>
-              <a:buChar char="§"/>
-            </a:pPr>
-            <a:endParaRPr lang="en-US" altLang="ko-KR" sz="2000" spc="0" dirty="0" smtClean="0">
-              <a:solidFill>
-                <a:schemeClr val="tx1"/>
-              </a:solidFill>
-            </a:endParaRPr>
-          </a:p>
-          <a:p>
-            <a:pPr marL="1190383" lvl="1" indent="-342900">
-              <a:buFont typeface="Wingdings" panose="05000000000000000000" pitchFamily="2" charset="2"/>
-              <a:buChar char="§"/>
+              <a:t>Structural </a:t>
+            </a:r>
+            <a:r>
+              <a:rPr lang="en-US" altLang="ko-KR" sz="2000" b="1" dirty="0" smtClean="0">
+                <a:latin typeface="HY그래픽M" panose="02030600000101010101" pitchFamily="18" charset="-127"/>
+                <a:ea typeface="HY그래픽M" panose="02030600000101010101" pitchFamily="18" charset="-127"/>
+              </a:rPr>
+              <a:t>Model</a:t>
+            </a:r>
+          </a:p>
+          <a:p>
+            <a:pPr>
+              <a:lnSpc>
+                <a:spcPct val="100000"/>
+              </a:lnSpc>
             </a:pPr>
             <a:endParaRPr lang="en-US" altLang="ko-KR" sz="2000" spc="0" dirty="0" smtClean="0">
               <a:solidFill>
@@ -11079,6 +10625,18 @@
                 <a:spcPct val="100000"/>
               </a:lnSpc>
             </a:pPr>
+            <a:endParaRPr lang="en-US" altLang="ko-KR" sz="2000" spc="0" dirty="0" smtClean="0">
+              <a:solidFill>
+                <a:schemeClr val="tx1"/>
+              </a:solidFill>
+            </a:endParaRPr>
+          </a:p>
+          <a:p>
+            <a:pPr>
+              <a:lnSpc>
+                <a:spcPct val="100000"/>
+              </a:lnSpc>
+            </a:pPr>
             <a:r>
               <a:rPr lang="ko-KR" altLang="en-US" sz="2800" b="1" spc="0" dirty="0" smtClean="0">
                 <a:solidFill>
@@ -11106,7 +10664,27 @@
                 <a:latin typeface="HY그래픽M" panose="02030600000101010101" pitchFamily="18" charset="-127"/>
                 <a:ea typeface="HY그래픽M" panose="02030600000101010101" pitchFamily="18" charset="-127"/>
               </a:rPr>
-              <a:t>Use case Diagram</a:t>
+              <a:t>Use </a:t>
+            </a:r>
+            <a:r>
+              <a:rPr lang="en-US" altLang="ko-KR" sz="2000" b="1" spc="0" dirty="0" smtClean="0">
+                <a:solidFill>
+                  <a:schemeClr val="tx1"/>
+                </a:solidFill>
+                <a:latin typeface="HY그래픽M" panose="02030600000101010101" pitchFamily="18" charset="-127"/>
+                <a:ea typeface="HY그래픽M" panose="02030600000101010101" pitchFamily="18" charset="-127"/>
+              </a:rPr>
+              <a:t>case </a:t>
+            </a:r>
+            <a:r>
+              <a:rPr lang="en-US" altLang="ko-KR" sz="2000" b="1" spc="0" dirty="0" smtClean="0">
+                <a:solidFill>
+                  <a:schemeClr val="tx1"/>
+                </a:solidFill>
+                <a:latin typeface="HY그래픽M" panose="02030600000101010101" pitchFamily="18" charset="-127"/>
+                <a:ea typeface="HY그래픽M" panose="02030600000101010101" pitchFamily="18" charset="-127"/>
+              </a:rPr>
+              <a:t>Diagram</a:t>
             </a:r>
           </a:p>
           <a:p>
@@ -11114,27 +10692,127 @@
               <a:buFont typeface="Wingdings" panose="05000000000000000000" pitchFamily="2" charset="2"/>
               <a:buChar char="§"/>
             </a:pPr>
-            <a:r>
-              <a:rPr lang="en-US" altLang="ko-KR" sz="2000" b="1" dirty="0" smtClean="0">
-                <a:latin typeface="HY그래픽M" panose="02030600000101010101" pitchFamily="18" charset="-127"/>
-                <a:ea typeface="HY그래픽M" panose="02030600000101010101" pitchFamily="18" charset="-127"/>
-              </a:rPr>
-              <a:t>Sequence Diagram</a:t>
-            </a:r>
+            <a:endParaRPr lang="en-US" altLang="ko-KR" sz="2000" b="1" spc="0" dirty="0" smtClean="0">
+              <a:solidFill>
+                <a:schemeClr val="tx1"/>
+              </a:solidFill>
+              <a:latin typeface="HY그래픽M" panose="02030600000101010101" pitchFamily="18" charset="-127"/>
+              <a:ea typeface="HY그래픽M" panose="02030600000101010101" pitchFamily="18" charset="-127"/>
+            </a:endParaRPr>
           </a:p>
           <a:p>
             <a:pPr marL="1018933" lvl="1" indent="-171450">
               <a:buFont typeface="Wingdings" panose="05000000000000000000" pitchFamily="2" charset="2"/>
               <a:buChar char="§"/>
             </a:pPr>
-            <a:r>
-              <a:rPr lang="en-US" altLang="ko-KR" sz="2000" b="1" dirty="0" smtClean="0">
+            <a:endParaRPr lang="en-US" altLang="ko-KR" sz="2000" b="1" dirty="0">
+              <a:latin typeface="HY그래픽M" panose="02030600000101010101" pitchFamily="18" charset="-127"/>
+              <a:ea typeface="HY그래픽M" panose="02030600000101010101" pitchFamily="18" charset="-127"/>
+            </a:endParaRPr>
+          </a:p>
+          <a:p>
+            <a:pPr marL="1018933" lvl="1" indent="-171450">
+              <a:buFont typeface="Wingdings" panose="05000000000000000000" pitchFamily="2" charset="2"/>
+              <a:buChar char="§"/>
+            </a:pPr>
+            <a:endParaRPr lang="en-US" altLang="ko-KR" sz="2000" b="1" spc="0" dirty="0" smtClean="0">
+              <a:solidFill>
+                <a:schemeClr val="tx1"/>
+              </a:solidFill>
+              <a:latin typeface="HY그래픽M" panose="02030600000101010101" pitchFamily="18" charset="-127"/>
+              <a:ea typeface="HY그래픽M" panose="02030600000101010101" pitchFamily="18" charset="-127"/>
+            </a:endParaRPr>
+          </a:p>
+          <a:p>
+            <a:pPr marL="1018933" lvl="1" indent="-171450">
+              <a:buFont typeface="Wingdings" panose="05000000000000000000" pitchFamily="2" charset="2"/>
+              <a:buChar char="§"/>
+            </a:pPr>
+            <a:endParaRPr lang="en-US" altLang="ko-KR" sz="2000" b="1" dirty="0">
+              <a:latin typeface="HY그래픽M" panose="02030600000101010101" pitchFamily="18" charset="-127"/>
+              <a:ea typeface="HY그래픽M" panose="02030600000101010101" pitchFamily="18" charset="-127"/>
+            </a:endParaRPr>
+          </a:p>
+          <a:p>
+            <a:pPr>
+              <a:lnSpc>
+                <a:spcPct val="100000"/>
+              </a:lnSpc>
+            </a:pPr>
+            <a:r>
+              <a:rPr lang="ko-KR" altLang="en-US" sz="2800" b="1" spc="0" dirty="0" smtClean="0">
+                <a:solidFill>
+                  <a:schemeClr val="tx1"/>
+                </a:solidFill>
+              </a:rPr>
+              <a:t>요구사항만족 </a:t>
+            </a:r>
+            <a:r>
+              <a:rPr lang="ko-KR" altLang="en-US" sz="2800" b="1" spc="0" dirty="0">
+                <a:solidFill>
+                  <a:schemeClr val="tx1"/>
+                </a:solidFill>
+              </a:rPr>
+              <a:t>사용 </a:t>
+            </a:r>
+            <a:r>
+              <a:rPr lang="ko-KR" altLang="en-US" sz="2800" b="1" spc="0" dirty="0" smtClean="0">
+                <a:solidFill>
+                  <a:schemeClr val="tx1"/>
+                </a:solidFill>
+              </a:rPr>
+              <a:t>분석</a:t>
+            </a:r>
+            <a:endParaRPr lang="en-US" altLang="ko-KR" sz="2800" b="1" spc="0" dirty="0" smtClean="0">
+              <a:solidFill>
+                <a:schemeClr val="tx1"/>
+              </a:solidFill>
+            </a:endParaRPr>
+          </a:p>
+          <a:p>
+            <a:pPr marL="1304683" lvl="1" indent="-457200">
+              <a:buFont typeface="Wingdings" panose="05000000000000000000" pitchFamily="2" charset="2"/>
+              <a:buChar char="§"/>
+            </a:pPr>
+            <a:r>
+              <a:rPr lang="en-US" altLang="ko-KR" sz="2000" b="1" dirty="0">
                 <a:latin typeface="HY그래픽M" panose="02030600000101010101" pitchFamily="18" charset="-127"/>
                 <a:ea typeface="HY그래픽M" panose="02030600000101010101" pitchFamily="18" charset="-127"/>
               </a:rPr>
-              <a:t>User Scenario</a:t>
-            </a:r>
-            <a:endParaRPr lang="en-US" altLang="ko-KR" sz="2000" b="1" spc="0" dirty="0">
+              <a:t>Functional Requirements</a:t>
+            </a:r>
+          </a:p>
+          <a:p>
+            <a:pPr marL="1304683" lvl="1" indent="-457200">
+              <a:buFont typeface="Wingdings" panose="05000000000000000000" pitchFamily="2" charset="2"/>
+              <a:buChar char="§"/>
+            </a:pPr>
+            <a:r>
+              <a:rPr lang="en-US" altLang="ko-KR" sz="2000" b="1" dirty="0">
+                <a:latin typeface="HY그래픽M" panose="02030600000101010101" pitchFamily="18" charset="-127"/>
+                <a:ea typeface="HY그래픽M" panose="02030600000101010101" pitchFamily="18" charset="-127"/>
+              </a:rPr>
+              <a:t>Non-Functional Requirements</a:t>
+            </a:r>
+          </a:p>
+          <a:p>
+            <a:pPr>
+              <a:lnSpc>
+                <a:spcPct val="100000"/>
+              </a:lnSpc>
+            </a:pPr>
+            <a:endParaRPr lang="en-US" altLang="ko-KR" sz="2800" b="1" spc="0" dirty="0">
+              <a:solidFill>
+                <a:schemeClr val="tx1"/>
+              </a:solidFill>
+            </a:endParaRPr>
+          </a:p>
+          <a:p>
+            <a:pPr marL="1018933" lvl="1" indent="-171450">
+              <a:buFont typeface="Wingdings" panose="05000000000000000000" pitchFamily="2" charset="2"/>
+              <a:buChar char="§"/>
+            </a:pPr>
+            <a:endParaRPr lang="en-US" altLang="ko-KR" sz="2000" b="1" spc="0" dirty="0" smtClean="0">
               <a:solidFill>
                 <a:schemeClr val="tx1"/>
               </a:solidFill>
@@ -11382,9 +11060,6 @@
               </a:rPr>
               <a:t>Analysis</a:t>
             </a:r>
-            <a:endParaRPr lang="en-US" altLang="ko-KR" b="1" spc="0" dirty="0" smtClean="0">
-              <a:latin typeface="Eras Bold ITC" panose="020B0907030504020204" pitchFamily="34" charset="0"/>
-            </a:endParaRPr>
           </a:p>
         </p:txBody>
       </p:sp>
@@ -11393,13 +11068,13 @@
   <p:clrMapOvr>
     <a:masterClrMapping/>
   </p:clrMapOvr>
-  <mc:AlternateContent xmlns:mc="http://schemas.openxmlformats.org/markup-compatibility/2006">
-    <mc:Choice xmlns:p14="http://schemas.microsoft.com/office/powerpoint/2010/main" Requires="p14">
+  <mc:AlternateContent xmlns:mc="http://schemas.openxmlformats.org/markup-compatibility/2006" xmlns:p14="http://schemas.microsoft.com/office/powerpoint/2010/main">
+    <mc:Choice Requires="p14">
       <p:transition spd="slow" p14:dur="3400">
         <p14:reveal/>
       </p:transition>
     </mc:Choice>
-    <mc:Fallback>
+    <mc:Fallback xmlns="">
       <p:transition spd="slow">
         <p:fade/>
       </p:transition>
@@ -11694,9 +11369,6 @@
               </a:rPr>
               <a:t>Analysis</a:t>
             </a:r>
-            <a:endParaRPr lang="en-US" altLang="ko-KR" b="1" spc="0" dirty="0" smtClean="0">
-              <a:latin typeface="Eras Bold ITC" panose="020B0907030504020204" pitchFamily="34" charset="0"/>
-            </a:endParaRPr>
           </a:p>
         </p:txBody>
       </p:sp>
@@ -11824,13 +11496,13 @@
   <p:clrMapOvr>
     <a:masterClrMapping/>
   </p:clrMapOvr>
-  <mc:AlternateContent xmlns:mc="http://schemas.openxmlformats.org/markup-compatibility/2006">
-    <mc:Choice xmlns:p14="http://schemas.microsoft.com/office/powerpoint/2010/main" Requires="p14">
+  <mc:AlternateContent xmlns:mc="http://schemas.openxmlformats.org/markup-compatibility/2006" xmlns:p14="http://schemas.microsoft.com/office/powerpoint/2010/main">
+    <mc:Choice Requires="p14">
       <p:transition spd="slow" p14:dur="3400">
         <p14:reveal/>
       </p:transition>
     </mc:Choice>
-    <mc:Fallback>
+    <mc:Fallback xmlns="">
       <p:transition spd="slow">
         <p:fade/>
       </p:transition>
@@ -12125,9 +11797,6 @@
               </a:rPr>
               <a:t>Analysis</a:t>
             </a:r>
-            <a:endParaRPr lang="en-US" altLang="ko-KR" b="1" spc="0" dirty="0" smtClean="0">
-              <a:latin typeface="Eras Bold ITC" panose="020B0907030504020204" pitchFamily="34" charset="0"/>
-            </a:endParaRPr>
           </a:p>
         </p:txBody>
       </p:sp>
@@ -12260,13 +11929,13 @@
   <p:clrMapOvr>
     <a:masterClrMapping/>
   </p:clrMapOvr>
-  <mc:AlternateContent xmlns:mc="http://schemas.openxmlformats.org/markup-compatibility/2006">
-    <mc:Choice xmlns:p14="http://schemas.microsoft.com/office/powerpoint/2010/main" Requires="p14">
+  <mc:AlternateContent xmlns:mc="http://schemas.openxmlformats.org/markup-compatibility/2006" xmlns:p14="http://schemas.microsoft.com/office/powerpoint/2010/main">
+    <mc:Choice Requires="p14">
       <p:transition spd="slow" p14:dur="3400">
         <p14:reveal/>
       </p:transition>
     </mc:Choice>
-    <mc:Fallback>
+    <mc:Fallback xmlns="">
       <p:transition spd="slow">
         <p:fade/>
       </p:transition>
@@ -12299,258 +11968,30 @@
           <a:chExt cx="0" cy="0"/>
         </a:xfrm>
       </p:grpSpPr>
-      <p:sp>
-        <p:nvSpPr>
-          <p:cNvPr id="10" name="텍스트 개체 틀 9"/>
-          <p:cNvSpPr>
-            <a:spLocks noGrp="1"/>
-          </p:cNvSpPr>
-          <p:nvPr>
-            <p:ph type="body" sz="quarter" idx="17"/>
-          </p:nvPr>
-        </p:nvSpPr>
+      <p:pic>
+        <p:nvPicPr>
+          <p:cNvPr id="3" name="그림 2"/>
+          <p:cNvPicPr>
+            <a:picLocks noChangeAspect="1"/>
+          </p:cNvPicPr>
+          <p:nvPr/>
+        </p:nvPicPr>
+        <p:blipFill>
+          <a:blip r:embed="rId2"/>
+          <a:stretch>
+            <a:fillRect/>
+          </a:stretch>
+        </p:blipFill>
         <p:spPr>
           <a:xfrm>
-            <a:off x="4358103" y="861896"/>
-            <a:ext cx="5940000" cy="2268000"/>
-          </a:xfrm>
-        </p:spPr>
-        <p:txBody>
-          <a:bodyPr/>
-          <a:lstStyle/>
-          <a:p>
-            <a:r>
-              <a:rPr lang="ko-KR" altLang="en-US" spc="0" dirty="0" smtClean="0"/>
-              <a:t>온라인 반응</a:t>
-            </a:r>
-            <a:r>
-              <a:rPr lang="en-US" altLang="ko-KR" spc="0" dirty="0" smtClean="0"/>
-              <a:t>.</a:t>
-            </a:r>
-          </a:p>
-          <a:p>
-            <a:r>
-              <a:rPr lang="ko-KR" altLang="en-US" spc="0" dirty="0" smtClean="0">
-                <a:solidFill>
-                  <a:schemeClr val="tx1"/>
-                </a:solidFill>
-              </a:rPr>
-              <a:t>총 </a:t>
-            </a:r>
-            <a:r>
-              <a:rPr lang="en-US" altLang="ko-KR" spc="0" dirty="0" smtClean="0">
-                <a:solidFill>
-                  <a:schemeClr val="tx1"/>
-                </a:solidFill>
-              </a:rPr>
-              <a:t>000</a:t>
-            </a:r>
-            <a:r>
-              <a:rPr lang="ko-KR" altLang="en-US" spc="0" dirty="0" smtClean="0">
-                <a:solidFill>
-                  <a:schemeClr val="tx1"/>
-                </a:solidFill>
-              </a:rPr>
-              <a:t>건 </a:t>
-            </a:r>
-            <a:r>
-              <a:rPr lang="en-US" altLang="ko-KR" spc="0" dirty="0" smtClean="0">
-                <a:solidFill>
-                  <a:schemeClr val="tx1"/>
-                </a:solidFill>
-              </a:rPr>
-              <a:t>/ </a:t>
-            </a:r>
-            <a:r>
-              <a:rPr lang="ko-KR" altLang="en-US" spc="0" dirty="0" smtClean="0">
-                <a:solidFill>
-                  <a:schemeClr val="tx1"/>
-                </a:solidFill>
-              </a:rPr>
-              <a:t>긍정 </a:t>
-            </a:r>
-            <a:r>
-              <a:rPr lang="en-US" altLang="ko-KR" spc="0" dirty="0" smtClean="0">
-                <a:solidFill>
-                  <a:schemeClr val="tx1"/>
-                </a:solidFill>
-              </a:rPr>
-              <a:t>0(0%)   〉   </a:t>
-            </a:r>
-            <a:r>
-              <a:rPr lang="ko-KR" altLang="en-US" spc="0" dirty="0" smtClean="0">
-                <a:solidFill>
-                  <a:schemeClr val="tx1"/>
-                </a:solidFill>
-              </a:rPr>
-              <a:t>중립</a:t>
-            </a:r>
-            <a:r>
-              <a:rPr lang="en-US" altLang="ko-KR" spc="0" dirty="0" smtClean="0">
-                <a:solidFill>
-                  <a:schemeClr val="tx1"/>
-                </a:solidFill>
-              </a:rPr>
-              <a:t>00(0%)   〉   </a:t>
-            </a:r>
-            <a:r>
-              <a:rPr lang="ko-KR" altLang="en-US" spc="0" dirty="0" smtClean="0">
-                <a:solidFill>
-                  <a:schemeClr val="tx1"/>
-                </a:solidFill>
-              </a:rPr>
-              <a:t>부정 </a:t>
-            </a:r>
-            <a:r>
-              <a:rPr lang="en-US" altLang="ko-KR" spc="0" dirty="0" smtClean="0">
-                <a:solidFill>
-                  <a:schemeClr val="tx1"/>
-                </a:solidFill>
-              </a:rPr>
-              <a:t>00(0%)</a:t>
-            </a:r>
-          </a:p>
-          <a:p>
-            <a:endParaRPr lang="en-US" altLang="ko-KR" spc="0" dirty="0" smtClean="0"/>
-          </a:p>
-          <a:p>
-            <a:r>
-              <a:rPr lang="ko-KR" altLang="en-US" spc="0" dirty="0" smtClean="0"/>
-              <a:t>반응 요약</a:t>
-            </a:r>
-            <a:r>
-              <a:rPr lang="en-US" altLang="ko-KR" spc="0" dirty="0" smtClean="0"/>
-              <a:t>.</a:t>
-            </a:r>
-          </a:p>
-          <a:p>
-            <a:r>
-              <a:rPr lang="en-US" altLang="ko-KR" spc="0" dirty="0" smtClean="0">
-                <a:solidFill>
-                  <a:schemeClr val="tx1"/>
-                </a:solidFill>
-              </a:rPr>
-              <a:t>○</a:t>
-            </a:r>
-            <a:r>
-              <a:rPr lang="ko-KR" altLang="en-US" spc="0" dirty="0" smtClean="0">
-                <a:solidFill>
-                  <a:schemeClr val="tx1"/>
-                </a:solidFill>
-              </a:rPr>
-              <a:t>전반적으로 긍정적인 반응이며</a:t>
-            </a:r>
-            <a:r>
-              <a:rPr lang="en-US" altLang="ko-KR" spc="0" dirty="0" smtClean="0">
-                <a:solidFill>
-                  <a:schemeClr val="tx1"/>
-                </a:solidFill>
-              </a:rPr>
-              <a:t>, </a:t>
-            </a:r>
-            <a:r>
-              <a:rPr lang="ko-KR" altLang="en-US" spc="0" dirty="0" smtClean="0">
-                <a:solidFill>
-                  <a:schemeClr val="tx1"/>
-                </a:solidFill>
-              </a:rPr>
-              <a:t>메시지 전달력이 좋다는 비중이 높게 나타남</a:t>
-            </a:r>
-            <a:r>
-              <a:rPr lang="en-US" altLang="ko-KR" spc="0" dirty="0" smtClean="0">
-                <a:solidFill>
-                  <a:schemeClr val="tx1"/>
-                </a:solidFill>
-              </a:rPr>
-              <a:t>.</a:t>
-            </a:r>
-          </a:p>
-          <a:p>
-            <a:r>
-              <a:rPr lang="en-US" altLang="ko-KR" spc="0" dirty="0" smtClean="0">
-                <a:solidFill>
-                  <a:schemeClr val="tx1"/>
-                </a:solidFill>
-              </a:rPr>
-              <a:t>○</a:t>
-            </a:r>
-            <a:r>
-              <a:rPr lang="ko-KR" altLang="en-US" spc="0" dirty="0" smtClean="0">
-                <a:solidFill>
-                  <a:schemeClr val="tx1"/>
-                </a:solidFill>
-              </a:rPr>
-              <a:t>광고를 계기로 서비스를 새로 인지하고 </a:t>
-            </a:r>
-            <a:r>
-              <a:rPr lang="en-US" altLang="ko-KR" spc="0" dirty="0" smtClean="0">
-                <a:solidFill>
-                  <a:schemeClr val="tx1"/>
-                </a:solidFill>
-              </a:rPr>
-              <a:t>Trial </a:t>
-            </a:r>
-            <a:r>
-              <a:rPr lang="ko-KR" altLang="en-US" spc="0" dirty="0" smtClean="0">
-                <a:solidFill>
-                  <a:schemeClr val="tx1"/>
-                </a:solidFill>
-              </a:rPr>
-              <a:t>해보면서 신기해 함</a:t>
-            </a:r>
-            <a:r>
-              <a:rPr lang="en-US" altLang="ko-KR" spc="0" dirty="0" smtClean="0">
-                <a:solidFill>
-                  <a:schemeClr val="tx1"/>
-                </a:solidFill>
-              </a:rPr>
-              <a:t>.</a:t>
-            </a:r>
-          </a:p>
-          <a:p>
-            <a:r>
-              <a:rPr lang="en-US" altLang="ko-KR" spc="0" dirty="0" smtClean="0">
-                <a:solidFill>
-                  <a:schemeClr val="tx1"/>
-                </a:solidFill>
-              </a:rPr>
-              <a:t>○</a:t>
-            </a:r>
-            <a:r>
-              <a:rPr lang="ko-KR" altLang="en-US" spc="0" dirty="0" smtClean="0">
-                <a:solidFill>
-                  <a:schemeClr val="tx1"/>
-                </a:solidFill>
-              </a:rPr>
-              <a:t>광고의 포맷에 대한 긍정의견이 많았으며</a:t>
-            </a:r>
-            <a:r>
-              <a:rPr lang="en-US" altLang="ko-KR" spc="0" dirty="0" smtClean="0">
-                <a:solidFill>
-                  <a:schemeClr val="tx1"/>
-                </a:solidFill>
-              </a:rPr>
-              <a:t>, </a:t>
-            </a:r>
-            <a:r>
-              <a:rPr lang="ko-KR" altLang="en-US" spc="0" dirty="0" smtClean="0">
-                <a:solidFill>
-                  <a:schemeClr val="tx1"/>
-                </a:solidFill>
-              </a:rPr>
-              <a:t>인상적인 광고로 각인된 것으로 판단됨</a:t>
-            </a:r>
-            <a:r>
-              <a:rPr lang="en-US" altLang="ko-KR" spc="0" dirty="0" smtClean="0">
-                <a:solidFill>
-                  <a:schemeClr val="tx1"/>
-                </a:solidFill>
-              </a:rPr>
-              <a:t>.</a:t>
-            </a:r>
-          </a:p>
-        </p:txBody>
-      </p:sp>
+            <a:off x="2440799" y="1329267"/>
+            <a:ext cx="7498821" cy="5689599"/>
+          </a:xfrm>
+          <a:prstGeom prst="rect">
+            <a:avLst/>
+          </a:prstGeom>
+        </p:spPr>
+      </p:pic>
       <p:sp>
         <p:nvSpPr>
           <p:cNvPr id="6" name="텍스트 개체 틀 5"/>
@@ -12583,1652 +12024,6 @@
               <a:solidFill>
                 <a:srgbClr val="E1E2E3"/>
               </a:solidFill>
-            </a:endParaRPr>
-          </a:p>
-        </p:txBody>
-      </p:sp>
-      <p:sp>
-        <p:nvSpPr>
-          <p:cNvPr id="13" name="텍스트 개체 틀 7"/>
-          <p:cNvSpPr txBox="1">
-            <a:spLocks/>
-          </p:cNvSpPr>
-          <p:nvPr/>
-        </p:nvSpPr>
-        <p:spPr>
-          <a:xfrm>
-            <a:off x="4320000" y="5873434"/>
-            <a:ext cx="5760000" cy="540000"/>
-          </a:xfrm>
-          <a:prstGeom prst="rect">
-            <a:avLst/>
-          </a:prstGeom>
-        </p:spPr>
-        <p:txBody>
-          <a:bodyPr lIns="0" tIns="0" rIns="0" bIns="0"/>
-          <a:lstStyle/>
-          <a:p>
-            <a:pPr lvl="0">
-              <a:lnSpc>
-                <a:spcPts val="2400"/>
-              </a:lnSpc>
-            </a:pPr>
-            <a:r>
-              <a:rPr lang="ko-KR" altLang="en-US" dirty="0" smtClean="0">
-                <a:solidFill>
-                  <a:srgbClr val="00AAAE"/>
-                </a:solidFill>
-                <a:latin typeface="나눔명조" pitchFamily="18" charset="-127"/>
-                <a:ea typeface="나눔명조" pitchFamily="18" charset="-127"/>
-              </a:rPr>
-              <a:t>프로모션 지표</a:t>
-            </a:r>
-            <a:endParaRPr kumimoji="0" lang="ko-KR" altLang="en-US" sz="2100" b="0" i="0" u="none" strike="noStrike" kern="1200" cap="none" spc="0" normalizeH="0" baseline="0" noProof="0" dirty="0">
-              <a:ln>
-                <a:noFill/>
-              </a:ln>
-              <a:solidFill>
-                <a:srgbClr val="00AAAE"/>
-              </a:solidFill>
-              <a:effectLst/>
-              <a:uLnTx/>
-              <a:uFillTx/>
-              <a:latin typeface="나눔명조" pitchFamily="18" charset="-127"/>
-              <a:ea typeface="나눔명조" pitchFamily="18" charset="-127"/>
-              <a:cs typeface="+mn-cs"/>
-            </a:endParaRPr>
-          </a:p>
-        </p:txBody>
-      </p:sp>
-      <p:sp>
-        <p:nvSpPr>
-          <p:cNvPr id="14" name="텍스트 개체 틀 9"/>
-          <p:cNvSpPr txBox="1">
-            <a:spLocks/>
-          </p:cNvSpPr>
-          <p:nvPr/>
-        </p:nvSpPr>
-        <p:spPr>
-          <a:xfrm>
-            <a:off x="4362866" y="6286384"/>
-            <a:ext cx="5940000" cy="1019291"/>
-          </a:xfrm>
-          <a:prstGeom prst="rect">
-            <a:avLst/>
-          </a:prstGeom>
-        </p:spPr>
-        <p:txBody>
-          <a:bodyPr lIns="0" tIns="0" rIns="0" bIns="0"/>
-          <a:lstStyle/>
-          <a:p>
-            <a:pPr lvl="0">
-              <a:lnSpc>
-                <a:spcPts val="1600"/>
-              </a:lnSpc>
-            </a:pPr>
-            <a:r>
-              <a:rPr lang="ko-KR" altLang="en-US" sz="1200" dirty="0" smtClean="0">
-                <a:solidFill>
-                  <a:srgbClr val="745EA8"/>
-                </a:solidFill>
-                <a:latin typeface="나눔고딕" pitchFamily="50" charset="-127"/>
-                <a:ea typeface="나눔고딕" pitchFamily="50" charset="-127"/>
-              </a:rPr>
-              <a:t>이벤트 지표</a:t>
-            </a:r>
-            <a:r>
-              <a:rPr lang="en-US" altLang="ko-KR" sz="1200" dirty="0" smtClean="0">
-                <a:solidFill>
-                  <a:srgbClr val="745EA8"/>
-                </a:solidFill>
-                <a:latin typeface="나눔고딕" pitchFamily="50" charset="-127"/>
-                <a:ea typeface="나눔고딕" pitchFamily="50" charset="-127"/>
-              </a:rPr>
-              <a:t>.</a:t>
-            </a:r>
-          </a:p>
-          <a:p>
-            <a:pPr lvl="0">
-              <a:lnSpc>
-                <a:spcPts val="1600"/>
-              </a:lnSpc>
-            </a:pPr>
-            <a:r>
-              <a:rPr lang="en-US" altLang="ko-KR" sz="1200" dirty="0" smtClean="0">
-                <a:solidFill>
-                  <a:srgbClr val="745EA8"/>
-                </a:solidFill>
-                <a:latin typeface="나눔고딕" pitchFamily="50" charset="-127"/>
-                <a:ea typeface="나눔고딕" pitchFamily="50" charset="-127"/>
-              </a:rPr>
-              <a:t>○ </a:t>
-            </a:r>
-            <a:r>
-              <a:rPr lang="ko-KR" altLang="en-US" sz="1200" dirty="0" smtClean="0">
-                <a:solidFill>
-                  <a:srgbClr val="745EA8"/>
-                </a:solidFill>
-                <a:latin typeface="나눔고딕" pitchFamily="50" charset="-127"/>
-                <a:ea typeface="나눔고딕" pitchFamily="50" charset="-127"/>
-              </a:rPr>
-              <a:t>소재와 연계하여 이벤트 </a:t>
-            </a:r>
-            <a:r>
-              <a:rPr lang="en-US" altLang="ko-KR" sz="1200" dirty="0" smtClean="0">
-                <a:solidFill>
-                  <a:srgbClr val="745EA8"/>
-                </a:solidFill>
-                <a:latin typeface="나눔고딕" pitchFamily="50" charset="-127"/>
-                <a:ea typeface="나눔고딕" pitchFamily="50" charset="-127"/>
-              </a:rPr>
-              <a:t>0</a:t>
-            </a:r>
-            <a:r>
-              <a:rPr lang="ko-KR" altLang="en-US" sz="1200" dirty="0" smtClean="0">
-                <a:solidFill>
-                  <a:srgbClr val="745EA8"/>
-                </a:solidFill>
-                <a:latin typeface="나눔고딕" pitchFamily="50" charset="-127"/>
-                <a:ea typeface="나눔고딕" pitchFamily="50" charset="-127"/>
-              </a:rPr>
-              <a:t>주간 진행</a:t>
-            </a:r>
-            <a:r>
-              <a:rPr lang="en-US" altLang="ko-KR" sz="1200" dirty="0" smtClean="0">
-                <a:solidFill>
-                  <a:srgbClr val="745EA8"/>
-                </a:solidFill>
-                <a:latin typeface="나눔고딕" pitchFamily="50" charset="-127"/>
-                <a:ea typeface="나눔고딕" pitchFamily="50" charset="-127"/>
-              </a:rPr>
-              <a:t>(0/00~0/00)</a:t>
-            </a:r>
-          </a:p>
-          <a:p>
-            <a:pPr lvl="0">
-              <a:lnSpc>
-                <a:spcPts val="1600"/>
-              </a:lnSpc>
-            </a:pPr>
-            <a:r>
-              <a:rPr lang="en-US" altLang="ko-KR" sz="1200" dirty="0" smtClean="0">
-                <a:solidFill>
-                  <a:srgbClr val="745EA8"/>
-                </a:solidFill>
-                <a:latin typeface="나눔고딕" pitchFamily="50" charset="-127"/>
-                <a:ea typeface="나눔고딕" pitchFamily="50" charset="-127"/>
-              </a:rPr>
-              <a:t>○ </a:t>
-            </a:r>
-            <a:r>
-              <a:rPr lang="ko-KR" altLang="en-US" sz="1200" dirty="0" smtClean="0">
-                <a:solidFill>
-                  <a:srgbClr val="745EA8"/>
-                </a:solidFill>
-                <a:latin typeface="나눔고딕" pitchFamily="50" charset="-127"/>
-                <a:ea typeface="나눔고딕" pitchFamily="50" charset="-127"/>
-              </a:rPr>
-              <a:t>누적 응모 총 건</a:t>
-            </a:r>
-            <a:r>
-              <a:rPr lang="en-US" altLang="ko-KR" sz="1200" dirty="0" smtClean="0">
-                <a:solidFill>
-                  <a:srgbClr val="745EA8"/>
-                </a:solidFill>
-                <a:latin typeface="나눔고딕" pitchFamily="50" charset="-127"/>
-                <a:ea typeface="나눔고딕" pitchFamily="50" charset="-127"/>
-              </a:rPr>
-              <a:t>, </a:t>
-            </a:r>
-            <a:r>
-              <a:rPr lang="ko-KR" altLang="en-US" sz="1200" dirty="0" smtClean="0">
-                <a:solidFill>
-                  <a:srgbClr val="745EA8"/>
-                </a:solidFill>
-                <a:latin typeface="나눔고딕" pitchFamily="50" charset="-127"/>
-                <a:ea typeface="나눔고딕" pitchFamily="50" charset="-127"/>
-              </a:rPr>
-              <a:t>일 평균 건 응모</a:t>
-            </a:r>
-            <a:r>
-              <a:rPr lang="en-US" altLang="ko-KR" sz="1200" dirty="0" smtClean="0">
-                <a:solidFill>
-                  <a:srgbClr val="745EA8"/>
-                </a:solidFill>
-                <a:latin typeface="나눔고딕" pitchFamily="50" charset="-127"/>
-                <a:ea typeface="나눔고딕" pitchFamily="50" charset="-127"/>
-              </a:rPr>
-              <a:t>(0</a:t>
-            </a:r>
-            <a:r>
-              <a:rPr lang="ko-KR" altLang="en-US" sz="1200" dirty="0" smtClean="0">
-                <a:solidFill>
-                  <a:srgbClr val="745EA8"/>
-                </a:solidFill>
-                <a:latin typeface="나눔고딕" pitchFamily="50" charset="-127"/>
-                <a:ea typeface="나눔고딕" pitchFamily="50" charset="-127"/>
-              </a:rPr>
-              <a:t>주당 </a:t>
-            </a:r>
-            <a:r>
-              <a:rPr lang="en-US" altLang="ko-KR" sz="1200" dirty="0" smtClean="0">
-                <a:solidFill>
-                  <a:srgbClr val="745EA8"/>
-                </a:solidFill>
-                <a:latin typeface="나눔고딕" pitchFamily="50" charset="-127"/>
-                <a:ea typeface="나눔고딕" pitchFamily="50" charset="-127"/>
-              </a:rPr>
-              <a:t>0</a:t>
-            </a:r>
-            <a:r>
-              <a:rPr lang="ko-KR" altLang="en-US" sz="1200" dirty="0" smtClean="0">
-                <a:solidFill>
-                  <a:srgbClr val="745EA8"/>
-                </a:solidFill>
-                <a:latin typeface="나눔고딕" pitchFamily="50" charset="-127"/>
-                <a:ea typeface="나눔고딕" pitchFamily="50" charset="-127"/>
-              </a:rPr>
-              <a:t>회 응모가능</a:t>
-            </a:r>
-            <a:r>
-              <a:rPr lang="en-US" altLang="ko-KR" sz="1200" dirty="0" smtClean="0">
-                <a:solidFill>
-                  <a:srgbClr val="745EA8"/>
-                </a:solidFill>
-                <a:latin typeface="나눔고딕" pitchFamily="50" charset="-127"/>
-                <a:ea typeface="나눔고딕" pitchFamily="50" charset="-127"/>
-              </a:rPr>
-              <a:t>) </a:t>
-            </a:r>
-          </a:p>
-        </p:txBody>
-      </p:sp>
-      <p:graphicFrame>
-        <p:nvGraphicFramePr>
-          <p:cNvPr id="15" name="표 14"/>
-          <p:cNvGraphicFramePr>
-            <a:graphicFrameLocks noGrp="1"/>
-          </p:cNvGraphicFramePr>
-          <p:nvPr/>
-        </p:nvGraphicFramePr>
-        <p:xfrm>
-          <a:off x="3058583" y="3366469"/>
-          <a:ext cx="1080000" cy="2700000"/>
-        </p:xfrm>
-        <a:graphic>
-          <a:graphicData uri="http://schemas.openxmlformats.org/drawingml/2006/table">
-            <a:tbl>
-              <a:tblPr firstRow="1" bandRow="1">
-                <a:tableStyleId>{2D5ABB26-0587-4C30-8999-92F81FD0307C}</a:tableStyleId>
-              </a:tblPr>
-              <a:tblGrid>
-                <a:gridCol w="1080000">
-                  <a:extLst>
-                    <a:ext uri="{9D8B030D-6E8A-4147-A177-3AD203B41FA5}">
-                      <a16:colId xmlns:a16="http://schemas.microsoft.com/office/drawing/2014/main" val="20000"/>
-                    </a:ext>
-                  </a:extLst>
-                </a:gridCol>
-              </a:tblGrid>
-              <a:tr h="1350000">
-                <a:tc>
-                  <a:txBody>
-                    <a:bodyPr/>
-                    <a:lstStyle/>
-                    <a:p>
-                      <a:pPr latinLnBrk="1">
-                        <a:lnSpc>
-                          <a:spcPts val="1500"/>
-                        </a:lnSpc>
-                      </a:pPr>
-                      <a:r>
-                        <a:rPr lang="ko-KR" altLang="en-US" sz="800" b="1" dirty="0" smtClean="0">
-                          <a:latin typeface="나눔고딕" pitchFamily="50" charset="-127"/>
-                          <a:ea typeface="나눔고딕" pitchFamily="50" charset="-127"/>
-                        </a:rPr>
-                        <a:t>블로그</a:t>
-                      </a:r>
-                      <a:r>
-                        <a:rPr lang="en-US" altLang="ko-KR" sz="800" b="1" dirty="0" smtClean="0">
-                          <a:latin typeface="나눔고딕" pitchFamily="50" charset="-127"/>
-                          <a:ea typeface="나눔고딕" pitchFamily="50" charset="-127"/>
-                        </a:rPr>
-                        <a:t>, </a:t>
-                      </a:r>
-                      <a:r>
-                        <a:rPr lang="en-US" altLang="ko-KR" sz="800" b="1" baseline="0" dirty="0" smtClean="0">
-                          <a:latin typeface="나눔고딕" pitchFamily="50" charset="-127"/>
-                          <a:ea typeface="나눔고딕" pitchFamily="50" charset="-127"/>
-                        </a:rPr>
-                        <a:t> </a:t>
-                      </a:r>
-                      <a:r>
-                        <a:rPr lang="ko-KR" altLang="en-US" sz="800" b="1" dirty="0" smtClean="0">
-                          <a:latin typeface="나눔고딕" pitchFamily="50" charset="-127"/>
-                          <a:ea typeface="나눔고딕" pitchFamily="50" charset="-127"/>
-                        </a:rPr>
-                        <a:t>카페</a:t>
-                      </a:r>
-                      <a:r>
-                        <a:rPr lang="en-US" altLang="ko-KR" sz="800" b="1" dirty="0" smtClean="0">
-                          <a:latin typeface="나눔고딕" pitchFamily="50" charset="-127"/>
-                          <a:ea typeface="나눔고딕" pitchFamily="50" charset="-127"/>
-                        </a:rPr>
-                        <a:t>,</a:t>
-                      </a:r>
-                    </a:p>
-                    <a:p>
-                      <a:pPr latinLnBrk="1">
-                        <a:lnSpc>
-                          <a:spcPts val="1500"/>
-                        </a:lnSpc>
-                      </a:pPr>
-                      <a:r>
-                        <a:rPr lang="en-US" altLang="ko-KR" sz="800" b="1" dirty="0" smtClean="0">
-                          <a:latin typeface="나눔고딕" pitchFamily="50" charset="-127"/>
-                          <a:ea typeface="나눔고딕" pitchFamily="50" charset="-127"/>
-                        </a:rPr>
-                        <a:t>SNS ,</a:t>
-                      </a:r>
-                      <a:r>
-                        <a:rPr lang="en-US" altLang="ko-KR" sz="800" b="1" baseline="0" dirty="0" smtClean="0">
-                          <a:latin typeface="나눔고딕" pitchFamily="50" charset="-127"/>
-                          <a:ea typeface="나눔고딕" pitchFamily="50" charset="-127"/>
-                        </a:rPr>
-                        <a:t> </a:t>
-                      </a:r>
-                      <a:r>
-                        <a:rPr lang="en-US" altLang="ko-KR" sz="800" b="1" dirty="0" smtClean="0">
-                          <a:latin typeface="나눔고딕" pitchFamily="50" charset="-127"/>
-                          <a:ea typeface="나눔고딕" pitchFamily="50" charset="-127"/>
-                        </a:rPr>
-                        <a:t>TVCF</a:t>
-                      </a:r>
-                      <a:endParaRPr lang="ko-KR" altLang="en-US" sz="800" b="1" dirty="0">
-                        <a:latin typeface="나눔고딕" pitchFamily="50" charset="-127"/>
-                        <a:ea typeface="나눔고딕" pitchFamily="50" charset="-127"/>
-                      </a:endParaRPr>
-                    </a:p>
-                  </a:txBody>
-                  <a:tcPr marL="0" marR="0" marT="0" marB="0">
-                    <a:lnT w="12700" cap="flat" cmpd="sng" algn="ctr">
-                      <a:solidFill>
-                        <a:schemeClr val="tx1"/>
-                      </a:solidFill>
-                      <a:prstDash val="solid"/>
-                      <a:round/>
-                      <a:headEnd type="none" w="med" len="med"/>
-                      <a:tailEnd type="none" w="med" len="med"/>
-                    </a:lnT>
-                  </a:tcPr>
-                </a:tc>
-                <a:extLst>
-                  <a:ext uri="{0D108BD9-81ED-4DB2-BD59-A6C34878D82A}">
-                    <a16:rowId xmlns:a16="http://schemas.microsoft.com/office/drawing/2014/main" val="10000"/>
-                  </a:ext>
-                </a:extLst>
-              </a:tr>
-              <a:tr h="1350000">
-                <a:tc>
-                  <a:txBody>
-                    <a:bodyPr/>
-                    <a:lstStyle/>
-                    <a:p>
-                      <a:pPr latinLnBrk="1">
-                        <a:lnSpc>
-                          <a:spcPts val="1500"/>
-                        </a:lnSpc>
-                      </a:pPr>
-                      <a:endParaRPr lang="ko-KR" altLang="en-US" sz="800" b="1" dirty="0">
-                        <a:latin typeface="나눔고딕" pitchFamily="50" charset="-127"/>
-                        <a:ea typeface="나눔고딕" pitchFamily="50" charset="-127"/>
-                      </a:endParaRPr>
-                    </a:p>
-                  </a:txBody>
-                  <a:tcPr marL="0" marR="0" marT="0" marB="0"/>
-                </a:tc>
-                <a:extLst>
-                  <a:ext uri="{0D108BD9-81ED-4DB2-BD59-A6C34878D82A}">
-                    <a16:rowId xmlns:a16="http://schemas.microsoft.com/office/drawing/2014/main" val="10001"/>
-                  </a:ext>
-                </a:extLst>
-              </a:tr>
-            </a:tbl>
-          </a:graphicData>
-        </a:graphic>
-      </p:graphicFrame>
-      <p:graphicFrame>
-        <p:nvGraphicFramePr>
-          <p:cNvPr id="16" name="표 15"/>
-          <p:cNvGraphicFramePr>
-            <a:graphicFrameLocks noGrp="1"/>
-          </p:cNvGraphicFramePr>
-          <p:nvPr/>
-        </p:nvGraphicFramePr>
-        <p:xfrm>
-          <a:off x="4358760" y="3366469"/>
-          <a:ext cx="900000" cy="2721600"/>
-        </p:xfrm>
-        <a:graphic>
-          <a:graphicData uri="http://schemas.openxmlformats.org/drawingml/2006/table">
-            <a:tbl>
-              <a:tblPr firstRow="1" bandRow="1">
-                <a:tableStyleId>{2D5ABB26-0587-4C30-8999-92F81FD0307C}</a:tableStyleId>
-              </a:tblPr>
-              <a:tblGrid>
-                <a:gridCol w="900000">
-                  <a:extLst>
-                    <a:ext uri="{9D8B030D-6E8A-4147-A177-3AD203B41FA5}">
-                      <a16:colId xmlns:a16="http://schemas.microsoft.com/office/drawing/2014/main" val="20000"/>
-                    </a:ext>
-                  </a:extLst>
-                </a:gridCol>
-              </a:tblGrid>
-              <a:tr h="1548000">
-                <a:tc>
-                  <a:txBody>
-                    <a:bodyPr/>
-                    <a:lstStyle/>
-                    <a:p>
-                      <a:pPr latinLnBrk="1">
-                        <a:lnSpc>
-                          <a:spcPts val="1500"/>
-                        </a:lnSpc>
-                      </a:pPr>
-                      <a:r>
-                        <a:rPr lang="ko-KR" altLang="en-US" sz="800" b="1" dirty="0" smtClean="0">
-                          <a:latin typeface="나눔고딕" pitchFamily="50" charset="-127"/>
-                          <a:ea typeface="나눔고딕" pitchFamily="50" charset="-127"/>
-                        </a:rPr>
-                        <a:t>긍정</a:t>
-                      </a:r>
-                      <a:endParaRPr lang="ko-KR" altLang="en-US" sz="800" b="1" dirty="0">
-                        <a:latin typeface="나눔고딕" pitchFamily="50" charset="-127"/>
-                        <a:ea typeface="나눔고딕" pitchFamily="50" charset="-127"/>
-                      </a:endParaRPr>
-                    </a:p>
-                  </a:txBody>
-                  <a:tcPr marL="0" marR="0" marT="0" marB="0">
-                    <a:lnT w="12700" cap="flat" cmpd="sng" algn="ctr">
-                      <a:solidFill>
-                        <a:schemeClr val="tx1"/>
-                      </a:solidFill>
-                      <a:prstDash val="solid"/>
-                      <a:round/>
-                      <a:headEnd type="none" w="med" len="med"/>
-                      <a:tailEnd type="none" w="med" len="med"/>
-                    </a:lnT>
-                    <a:lnB w="3175" cap="flat" cmpd="sng" algn="ctr">
-                      <a:solidFill>
-                        <a:schemeClr val="tx1"/>
-                      </a:solidFill>
-                      <a:prstDash val="solid"/>
-                      <a:round/>
-                      <a:headEnd type="none" w="med" len="med"/>
-                      <a:tailEnd type="none" w="med" len="med"/>
-                    </a:lnB>
-                  </a:tcPr>
-                </a:tc>
-                <a:extLst>
-                  <a:ext uri="{0D108BD9-81ED-4DB2-BD59-A6C34878D82A}">
-                    <a16:rowId xmlns:a16="http://schemas.microsoft.com/office/drawing/2014/main" val="10000"/>
-                  </a:ext>
-                </a:extLst>
-              </a:tr>
-              <a:tr h="756000">
-                <a:tc>
-                  <a:txBody>
-                    <a:bodyPr/>
-                    <a:lstStyle/>
-                    <a:p>
-                      <a:pPr latinLnBrk="1">
-                        <a:lnSpc>
-                          <a:spcPts val="1500"/>
-                        </a:lnSpc>
-                      </a:pPr>
-                      <a:r>
-                        <a:rPr lang="ko-KR" altLang="en-US" sz="800" b="1" dirty="0" smtClean="0">
-                          <a:latin typeface="나눔고딕" pitchFamily="50" charset="-127"/>
-                          <a:ea typeface="나눔고딕" pitchFamily="50" charset="-127"/>
-                        </a:rPr>
-                        <a:t>부정</a:t>
-                      </a:r>
-                      <a:endParaRPr lang="ko-KR" altLang="en-US" sz="800" b="1" dirty="0">
-                        <a:latin typeface="나눔고딕" pitchFamily="50" charset="-127"/>
-                        <a:ea typeface="나눔고딕" pitchFamily="50" charset="-127"/>
-                      </a:endParaRPr>
-                    </a:p>
-                  </a:txBody>
-                  <a:tcPr marL="0" marR="0" marT="0" marB="0">
-                    <a:lnT w="3175" cap="flat" cmpd="sng" algn="ctr">
-                      <a:solidFill>
-                        <a:schemeClr val="tx1"/>
-                      </a:solidFill>
-                      <a:prstDash val="solid"/>
-                      <a:round/>
-                      <a:headEnd type="none" w="med" len="med"/>
-                      <a:tailEnd type="none" w="med" len="med"/>
-                    </a:lnT>
-                    <a:lnB w="3175" cap="flat" cmpd="sng" algn="ctr">
-                      <a:solidFill>
-                        <a:schemeClr val="tx1"/>
-                      </a:solidFill>
-                      <a:prstDash val="solid"/>
-                      <a:round/>
-                      <a:headEnd type="none" w="med" len="med"/>
-                      <a:tailEnd type="none" w="med" len="med"/>
-                    </a:lnB>
-                  </a:tcPr>
-                </a:tc>
-                <a:extLst>
-                  <a:ext uri="{0D108BD9-81ED-4DB2-BD59-A6C34878D82A}">
-                    <a16:rowId xmlns:a16="http://schemas.microsoft.com/office/drawing/2014/main" val="10001"/>
-                  </a:ext>
-                </a:extLst>
-              </a:tr>
-              <a:tr h="417600">
-                <a:tc>
-                  <a:txBody>
-                    <a:bodyPr/>
-                    <a:lstStyle/>
-                    <a:p>
-                      <a:pPr latinLnBrk="1">
-                        <a:lnSpc>
-                          <a:spcPts val="1500"/>
-                        </a:lnSpc>
-                      </a:pPr>
-                      <a:endParaRPr lang="ko-KR" altLang="en-US" sz="800" b="1" dirty="0">
-                        <a:latin typeface="나눔고딕" pitchFamily="50" charset="-127"/>
-                        <a:ea typeface="나눔고딕" pitchFamily="50" charset="-127"/>
-                      </a:endParaRPr>
-                    </a:p>
-                  </a:txBody>
-                  <a:tcPr marL="0" marR="0" marT="0" marB="0">
-                    <a:lnT w="3175" cap="flat" cmpd="sng" algn="ctr">
-                      <a:solidFill>
-                        <a:schemeClr val="tx1"/>
-                      </a:solidFill>
-                      <a:prstDash val="solid"/>
-                      <a:round/>
-                      <a:headEnd type="none" w="med" len="med"/>
-                      <a:tailEnd type="none" w="med" len="med"/>
-                    </a:lnT>
-                  </a:tcPr>
-                </a:tc>
-                <a:extLst>
-                  <a:ext uri="{0D108BD9-81ED-4DB2-BD59-A6C34878D82A}">
-                    <a16:rowId xmlns:a16="http://schemas.microsoft.com/office/drawing/2014/main" val="10002"/>
-                  </a:ext>
-                </a:extLst>
-              </a:tr>
-            </a:tbl>
-          </a:graphicData>
-        </a:graphic>
-      </p:graphicFrame>
-      <p:graphicFrame>
-        <p:nvGraphicFramePr>
-          <p:cNvPr id="18" name="표 17"/>
-          <p:cNvGraphicFramePr>
-            <a:graphicFrameLocks noGrp="1"/>
-          </p:cNvGraphicFramePr>
-          <p:nvPr>
-            <p:extLst>
-              <p:ext uri="{D42A27DB-BD31-4B8C-83A1-F6EECF244321}">
-                <p14:modId xmlns:p14="http://schemas.microsoft.com/office/powerpoint/2010/main" val="1276532552"/>
-              </p:ext>
-            </p:extLst>
-          </p:nvPr>
-        </p:nvGraphicFramePr>
-        <p:xfrm>
-          <a:off x="5439853" y="3366469"/>
-          <a:ext cx="4860000" cy="2720175"/>
-        </p:xfrm>
-        <a:graphic>
-          <a:graphicData uri="http://schemas.openxmlformats.org/drawingml/2006/table">
-            <a:tbl>
-              <a:tblPr firstRow="1" bandRow="1">
-                <a:tableStyleId>{2D5ABB26-0587-4C30-8999-92F81FD0307C}</a:tableStyleId>
-              </a:tblPr>
-              <a:tblGrid>
-                <a:gridCol w="4860000">
-                  <a:extLst>
-                    <a:ext uri="{9D8B030D-6E8A-4147-A177-3AD203B41FA5}">
-                      <a16:colId xmlns:a16="http://schemas.microsoft.com/office/drawing/2014/main" val="20000"/>
-                    </a:ext>
-                  </a:extLst>
-                </a:gridCol>
-              </a:tblGrid>
-              <a:tr h="1548000">
-                <a:tc>
-                  <a:txBody>
-                    <a:bodyPr/>
-                    <a:lstStyle/>
-                    <a:p>
-                      <a:pPr marL="0" marR="0" indent="0" algn="l" defTabSz="1043056" rtl="0" eaLnBrk="1" fontAlgn="auto" latinLnBrk="1" hangingPunct="1">
-                        <a:lnSpc>
-                          <a:spcPts val="1500"/>
-                        </a:lnSpc>
-                        <a:spcBef>
-                          <a:spcPts val="0"/>
-                        </a:spcBef>
-                        <a:spcAft>
-                          <a:spcPts val="0"/>
-                        </a:spcAft>
-                        <a:buClrTx/>
-                        <a:buSzTx/>
-                        <a:buFontTx/>
-                        <a:buNone/>
-                        <a:tabLst/>
-                        <a:defRPr/>
-                      </a:pPr>
-                      <a:r>
-                        <a:rPr lang="ko-KR" altLang="en-US" sz="800" b="1" dirty="0" smtClean="0">
-                          <a:solidFill>
-                            <a:srgbClr val="00AAAE"/>
-                          </a:solidFill>
-                          <a:latin typeface="나눔고딕" pitchFamily="50" charset="-127"/>
-                          <a:ea typeface="나눔고딕" pitchFamily="50" charset="-127"/>
-                        </a:rPr>
-                        <a:t>자세한 설명을 보고 듣고 하니 이해가 빠르네요 </a:t>
-                      </a:r>
-                      <a:r>
-                        <a:rPr lang="en-US" altLang="ko-KR" sz="800" b="1" dirty="0" smtClean="0">
-                          <a:solidFill>
-                            <a:srgbClr val="00AAAE"/>
-                          </a:solidFill>
-                          <a:latin typeface="나눔고딕" pitchFamily="50" charset="-127"/>
-                          <a:ea typeface="나눔고딕" pitchFamily="50" charset="-127"/>
-                        </a:rPr>
-                        <a:t>/ </a:t>
-                      </a:r>
-                      <a:r>
-                        <a:rPr lang="ko-KR" altLang="en-US" sz="800" b="1" dirty="0" smtClean="0">
-                          <a:solidFill>
-                            <a:srgbClr val="00AAAE"/>
-                          </a:solidFill>
-                          <a:latin typeface="나눔고딕" pitchFamily="50" charset="-127"/>
-                          <a:ea typeface="나눔고딕" pitchFamily="50" charset="-127"/>
-                        </a:rPr>
-                        <a:t>새로운 기능을 알았네요</a:t>
-                      </a:r>
-                    </a:p>
-                    <a:p>
-                      <a:pPr marL="0" marR="0" indent="0" algn="l" defTabSz="1043056" rtl="0" eaLnBrk="1" fontAlgn="auto" latinLnBrk="1" hangingPunct="1">
-                        <a:lnSpc>
-                          <a:spcPts val="1500"/>
-                        </a:lnSpc>
-                        <a:spcBef>
-                          <a:spcPts val="0"/>
-                        </a:spcBef>
-                        <a:spcAft>
-                          <a:spcPts val="0"/>
-                        </a:spcAft>
-                        <a:buClrTx/>
-                        <a:buSzTx/>
-                        <a:buFontTx/>
-                        <a:buNone/>
-                        <a:tabLst/>
-                        <a:defRPr/>
-                      </a:pPr>
-                      <a:r>
-                        <a:rPr lang="ko-KR" altLang="en-US" sz="800" b="1" dirty="0" smtClean="0">
-                          <a:solidFill>
-                            <a:srgbClr val="00AAAE"/>
-                          </a:solidFill>
-                          <a:latin typeface="나눔고딕" pitchFamily="50" charset="-127"/>
-                          <a:ea typeface="나눔고딕" pitchFamily="50" charset="-127"/>
-                        </a:rPr>
-                        <a:t>간단명료하네요 </a:t>
-                      </a:r>
-                      <a:r>
-                        <a:rPr lang="en-US" altLang="ko-KR" sz="800" b="1" dirty="0" smtClean="0">
-                          <a:solidFill>
-                            <a:srgbClr val="00AAAE"/>
-                          </a:solidFill>
-                          <a:latin typeface="나눔고딕" pitchFamily="50" charset="-127"/>
-                          <a:ea typeface="나눔고딕" pitchFamily="50" charset="-127"/>
-                        </a:rPr>
-                        <a:t>/ </a:t>
-                      </a:r>
-                      <a:r>
-                        <a:rPr lang="ko-KR" altLang="en-US" sz="800" b="1" dirty="0" smtClean="0">
-                          <a:solidFill>
-                            <a:srgbClr val="00AAAE"/>
-                          </a:solidFill>
-                          <a:latin typeface="나눔고딕" pitchFamily="50" charset="-127"/>
-                          <a:ea typeface="나눔고딕" pitchFamily="50" charset="-127"/>
-                        </a:rPr>
-                        <a:t>광고보고 다운받은 </a:t>
-                      </a:r>
-                      <a:r>
-                        <a:rPr lang="en-US" altLang="ko-KR" sz="800" b="1" dirty="0" smtClean="0">
-                          <a:solidFill>
-                            <a:srgbClr val="00AAAE"/>
-                          </a:solidFill>
-                          <a:latin typeface="나눔고딕" pitchFamily="50" charset="-127"/>
-                          <a:ea typeface="나눔고딕" pitchFamily="50" charset="-127"/>
-                        </a:rPr>
-                        <a:t>1</a:t>
-                      </a:r>
-                      <a:r>
-                        <a:rPr lang="ko-KR" altLang="en-US" sz="800" b="1" dirty="0" smtClean="0">
-                          <a:solidFill>
-                            <a:srgbClr val="00AAAE"/>
-                          </a:solidFill>
-                          <a:latin typeface="나눔고딕" pitchFamily="50" charset="-127"/>
-                          <a:ea typeface="나눔고딕" pitchFamily="50" charset="-127"/>
-                        </a:rPr>
-                        <a:t>인 </a:t>
-                      </a:r>
-                      <a:r>
-                        <a:rPr lang="en-US" altLang="ko-KR" sz="800" b="1" dirty="0" smtClean="0">
-                          <a:solidFill>
-                            <a:srgbClr val="00AAAE"/>
-                          </a:solidFill>
-                          <a:latin typeface="나눔고딕" pitchFamily="50" charset="-127"/>
-                          <a:ea typeface="나눔고딕" pitchFamily="50" charset="-127"/>
-                        </a:rPr>
-                        <a:t>/ </a:t>
-                      </a:r>
-                      <a:r>
-                        <a:rPr lang="ko-KR" altLang="en-US" sz="800" b="1" dirty="0" smtClean="0">
-                          <a:solidFill>
-                            <a:srgbClr val="00AAAE"/>
-                          </a:solidFill>
-                          <a:latin typeface="나눔고딕" pitchFamily="50" charset="-127"/>
-                          <a:ea typeface="나눔고딕" pitchFamily="50" charset="-127"/>
-                        </a:rPr>
-                        <a:t>광고 보고 실 제 해본 </a:t>
-                      </a:r>
-                    </a:p>
-                    <a:p>
-                      <a:pPr marL="0" marR="0" indent="0" algn="l" defTabSz="1043056" rtl="0" eaLnBrk="1" fontAlgn="auto" latinLnBrk="1" hangingPunct="1">
-                        <a:lnSpc>
-                          <a:spcPts val="1500"/>
-                        </a:lnSpc>
-                        <a:spcBef>
-                          <a:spcPts val="0"/>
-                        </a:spcBef>
-                        <a:spcAft>
-                          <a:spcPts val="0"/>
-                        </a:spcAft>
-                        <a:buClrTx/>
-                        <a:buSzTx/>
-                        <a:buFontTx/>
-                        <a:buNone/>
-                        <a:tabLst/>
-                        <a:defRPr/>
-                      </a:pPr>
-                      <a:r>
-                        <a:rPr lang="en-US" altLang="ko-KR" sz="800" b="1" dirty="0" smtClean="0">
-                          <a:solidFill>
-                            <a:srgbClr val="00AAAE"/>
-                          </a:solidFill>
-                          <a:latin typeface="나눔고딕" pitchFamily="50" charset="-127"/>
-                          <a:ea typeface="나눔고딕" pitchFamily="50" charset="-127"/>
-                        </a:rPr>
-                        <a:t>TV</a:t>
-                      </a:r>
-                      <a:r>
-                        <a:rPr lang="ko-KR" altLang="en-US" sz="800" b="1" dirty="0" smtClean="0">
-                          <a:solidFill>
-                            <a:srgbClr val="00AAAE"/>
-                          </a:solidFill>
-                          <a:latin typeface="나눔고딕" pitchFamily="50" charset="-127"/>
-                          <a:ea typeface="나눔고딕" pitchFamily="50" charset="-127"/>
-                        </a:rPr>
-                        <a:t>광고에서 노래 들려주면 제목 알려주는 거를 해봤는데 진짜 된다</a:t>
-                      </a:r>
-                    </a:p>
-                    <a:p>
-                      <a:pPr marL="0" marR="0" indent="0" algn="l" defTabSz="1043056" rtl="0" eaLnBrk="1" fontAlgn="auto" latinLnBrk="1" hangingPunct="1">
-                        <a:lnSpc>
-                          <a:spcPts val="1500"/>
-                        </a:lnSpc>
-                        <a:spcBef>
-                          <a:spcPts val="0"/>
-                        </a:spcBef>
-                        <a:spcAft>
-                          <a:spcPts val="0"/>
-                        </a:spcAft>
-                        <a:buClrTx/>
-                        <a:buSzTx/>
-                        <a:buFontTx/>
-                        <a:buNone/>
-                        <a:tabLst/>
-                        <a:defRPr/>
-                      </a:pPr>
-                      <a:r>
-                        <a:rPr lang="ko-KR" altLang="en-US" sz="800" b="1" dirty="0" smtClean="0">
-                          <a:solidFill>
-                            <a:srgbClr val="00AAAE"/>
-                          </a:solidFill>
-                          <a:latin typeface="나눔고딕" pitchFamily="50" charset="-127"/>
-                          <a:ea typeface="나눔고딕" pitchFamily="50" charset="-127"/>
-                        </a:rPr>
-                        <a:t>심플하고 군더더기 없는 광고 너무 좋아요 왠지 바로 해보고 싶은 생각도 들어요</a:t>
-                      </a:r>
-                    </a:p>
-                    <a:p>
-                      <a:pPr marL="0" marR="0" indent="0" algn="l" defTabSz="1043056" rtl="0" eaLnBrk="1" fontAlgn="auto" latinLnBrk="1" hangingPunct="1">
-                        <a:lnSpc>
-                          <a:spcPts val="1500"/>
-                        </a:lnSpc>
-                        <a:spcBef>
-                          <a:spcPts val="0"/>
-                        </a:spcBef>
-                        <a:spcAft>
-                          <a:spcPts val="0"/>
-                        </a:spcAft>
-                        <a:buClrTx/>
-                        <a:buSzTx/>
-                        <a:buFontTx/>
-                        <a:buNone/>
-                        <a:tabLst/>
-                        <a:defRPr/>
-                      </a:pPr>
-                      <a:r>
-                        <a:rPr lang="ko-KR" altLang="en-US" sz="800" b="1" dirty="0" smtClean="0">
-                          <a:solidFill>
-                            <a:srgbClr val="00AAAE"/>
-                          </a:solidFill>
-                          <a:latin typeface="나눔고딕" pitchFamily="50" charset="-127"/>
-                          <a:ea typeface="나눔고딕" pitchFamily="50" charset="-127"/>
-                        </a:rPr>
-                        <a:t>역시 깔끔한 광고</a:t>
-                      </a:r>
-                      <a:r>
-                        <a:rPr lang="en-US" altLang="ko-KR" sz="800" b="1" dirty="0" smtClean="0">
-                          <a:solidFill>
-                            <a:srgbClr val="00AAAE"/>
-                          </a:solidFill>
-                          <a:latin typeface="나눔고딕" pitchFamily="50" charset="-127"/>
-                          <a:ea typeface="나눔고딕" pitchFamily="50" charset="-127"/>
-                        </a:rPr>
-                        <a:t>, </a:t>
-                      </a:r>
-                      <a:r>
-                        <a:rPr lang="ko-KR" altLang="en-US" sz="800" b="1" dirty="0" smtClean="0">
-                          <a:solidFill>
-                            <a:srgbClr val="00AAAE"/>
-                          </a:solidFill>
-                          <a:latin typeface="나눔고딕" pitchFamily="50" charset="-127"/>
-                          <a:ea typeface="나눔고딕" pitchFamily="50" charset="-127"/>
-                        </a:rPr>
-                        <a:t>담백함과 격이 느껴지는 힘 뺀 고수 느낌</a:t>
-                      </a:r>
-                    </a:p>
-                    <a:p>
-                      <a:pPr marL="0" marR="0" indent="0" algn="l" defTabSz="1043056" rtl="0" eaLnBrk="1" fontAlgn="auto" latinLnBrk="1" hangingPunct="1">
-                        <a:lnSpc>
-                          <a:spcPts val="1500"/>
-                        </a:lnSpc>
-                        <a:spcBef>
-                          <a:spcPts val="0"/>
-                        </a:spcBef>
-                        <a:spcAft>
-                          <a:spcPts val="0"/>
-                        </a:spcAft>
-                        <a:buClrTx/>
-                        <a:buSzTx/>
-                        <a:buFontTx/>
-                        <a:buNone/>
-                        <a:tabLst/>
-                        <a:defRPr/>
-                      </a:pPr>
-                      <a:r>
-                        <a:rPr lang="ko-KR" altLang="en-US" sz="800" b="1" dirty="0" smtClean="0">
-                          <a:solidFill>
-                            <a:srgbClr val="00AAAE"/>
-                          </a:solidFill>
-                          <a:latin typeface="나눔고딕" pitchFamily="50" charset="-127"/>
-                          <a:ea typeface="나눔고딕" pitchFamily="50" charset="-127"/>
-                        </a:rPr>
-                        <a:t>확실히 이야기 해주네요 정보전달력이 좋아요  </a:t>
-                      </a:r>
-                      <a:r>
-                        <a:rPr lang="en-US" altLang="ko-KR" sz="800" b="1" dirty="0" smtClean="0">
-                          <a:solidFill>
-                            <a:srgbClr val="00AAAE"/>
-                          </a:solidFill>
-                          <a:latin typeface="나눔고딕" pitchFamily="50" charset="-127"/>
-                          <a:ea typeface="나눔고딕" pitchFamily="50" charset="-127"/>
-                        </a:rPr>
-                        <a:t>/ </a:t>
-                      </a:r>
-                      <a:r>
-                        <a:rPr lang="ko-KR" altLang="en-US" sz="800" b="1" dirty="0" smtClean="0">
-                          <a:solidFill>
-                            <a:srgbClr val="00AAAE"/>
-                          </a:solidFill>
-                          <a:latin typeface="나눔고딕" pitchFamily="50" charset="-127"/>
-                          <a:ea typeface="나눔고딕" pitchFamily="50" charset="-127"/>
-                        </a:rPr>
-                        <a:t>사용하는 모습 보여준 것이 더  </a:t>
-                      </a:r>
-                      <a:r>
-                        <a:rPr lang="ko-KR" altLang="en-US" sz="800" b="1" dirty="0" err="1" smtClean="0">
-                          <a:solidFill>
-                            <a:srgbClr val="00AAAE"/>
-                          </a:solidFill>
-                          <a:latin typeface="나눔고딕" pitchFamily="50" charset="-127"/>
-                          <a:ea typeface="나눔고딕" pitchFamily="50" charset="-127"/>
-                        </a:rPr>
-                        <a:t>좋았던듯</a:t>
-                      </a:r>
-                      <a:r>
-                        <a:rPr lang="ko-KR" altLang="en-US" sz="800" b="1" dirty="0" smtClean="0">
-                          <a:solidFill>
-                            <a:srgbClr val="00AAAE"/>
-                          </a:solidFill>
-                          <a:latin typeface="나눔고딕" pitchFamily="50" charset="-127"/>
-                          <a:ea typeface="나눔고딕" pitchFamily="50" charset="-127"/>
-                        </a:rPr>
-                        <a:t> </a:t>
-                      </a:r>
-                    </a:p>
-                    <a:p>
-                      <a:pPr marL="0" marR="0" indent="0" algn="l" defTabSz="1043056" rtl="0" eaLnBrk="1" fontAlgn="auto" latinLnBrk="1" hangingPunct="1">
-                        <a:lnSpc>
-                          <a:spcPts val="1500"/>
-                        </a:lnSpc>
-                        <a:spcBef>
-                          <a:spcPts val="0"/>
-                        </a:spcBef>
-                        <a:spcAft>
-                          <a:spcPts val="0"/>
-                        </a:spcAft>
-                        <a:buClrTx/>
-                        <a:buSzTx/>
-                        <a:buFontTx/>
-                        <a:buNone/>
-                        <a:tabLst/>
-                        <a:defRPr/>
-                      </a:pPr>
-                      <a:r>
-                        <a:rPr lang="ko-KR" altLang="en-US" sz="800" b="1" dirty="0" smtClean="0">
-                          <a:solidFill>
-                            <a:srgbClr val="00AAAE"/>
-                          </a:solidFill>
-                          <a:latin typeface="나눔고딕" pitchFamily="50" charset="-127"/>
-                          <a:ea typeface="나눔고딕" pitchFamily="50" charset="-127"/>
-                        </a:rPr>
-                        <a:t>귀에 익은 음악들을 잘 고르셨군요</a:t>
-                      </a:r>
-                      <a:r>
-                        <a:rPr lang="ko-KR" altLang="en-US" sz="800" b="1" baseline="0" dirty="0" smtClean="0">
-                          <a:solidFill>
-                            <a:srgbClr val="00AAAE"/>
-                          </a:solidFill>
-                          <a:latin typeface="나눔고딕" pitchFamily="50" charset="-127"/>
-                          <a:ea typeface="나눔고딕" pitchFamily="50" charset="-127"/>
-                        </a:rPr>
-                        <a:t> </a:t>
-                      </a:r>
-                      <a:r>
-                        <a:rPr lang="ko-KR" altLang="en-US" sz="800" b="1" dirty="0" smtClean="0">
-                          <a:solidFill>
-                            <a:srgbClr val="00AAAE"/>
-                          </a:solidFill>
-                          <a:latin typeface="나눔고딕" pitchFamily="50" charset="-127"/>
-                          <a:ea typeface="나눔고딕" pitchFamily="50" charset="-127"/>
-                        </a:rPr>
-                        <a:t>사용하는 모습 보여준 것이 더</a:t>
-                      </a:r>
-                      <a:r>
-                        <a:rPr lang="ko-KR" altLang="en-US" sz="800" b="1" baseline="0" dirty="0" smtClean="0">
-                          <a:solidFill>
-                            <a:srgbClr val="00AAAE"/>
-                          </a:solidFill>
-                          <a:latin typeface="나눔고딕" pitchFamily="50" charset="-127"/>
-                          <a:ea typeface="나눔고딕" pitchFamily="50" charset="-127"/>
-                        </a:rPr>
-                        <a:t> </a:t>
-                      </a:r>
-                      <a:r>
-                        <a:rPr lang="ko-KR" altLang="en-US" sz="800" b="1" dirty="0" smtClean="0">
-                          <a:solidFill>
-                            <a:srgbClr val="00AAAE"/>
-                          </a:solidFill>
-                          <a:latin typeface="나눔고딕" pitchFamily="50" charset="-127"/>
-                          <a:ea typeface="나눔고딕" pitchFamily="50" charset="-127"/>
-                        </a:rPr>
-                        <a:t>좋았던 듯 </a:t>
-                      </a:r>
-                      <a:endParaRPr lang="en-US" altLang="ko-KR" sz="800" b="1" dirty="0" smtClean="0">
-                        <a:solidFill>
-                          <a:srgbClr val="00AAAE"/>
-                        </a:solidFill>
-                        <a:latin typeface="나눔고딕" pitchFamily="50" charset="-127"/>
-                        <a:ea typeface="나눔고딕" pitchFamily="50" charset="-127"/>
-                      </a:endParaRPr>
-                    </a:p>
-                    <a:p>
-                      <a:pPr marL="0" marR="0" indent="0" algn="l" defTabSz="1043056" rtl="0" eaLnBrk="1" fontAlgn="auto" latinLnBrk="1" hangingPunct="1">
-                        <a:lnSpc>
-                          <a:spcPts val="1500"/>
-                        </a:lnSpc>
-                        <a:spcBef>
-                          <a:spcPts val="0"/>
-                        </a:spcBef>
-                        <a:spcAft>
-                          <a:spcPts val="0"/>
-                        </a:spcAft>
-                        <a:buClrTx/>
-                        <a:buSzTx/>
-                        <a:buFontTx/>
-                        <a:buNone/>
-                        <a:tabLst/>
-                        <a:defRPr/>
-                      </a:pPr>
-                      <a:r>
-                        <a:rPr lang="ko-KR" altLang="en-US" sz="800" b="1" dirty="0" smtClean="0">
-                          <a:solidFill>
-                            <a:srgbClr val="00AAAE"/>
-                          </a:solidFill>
-                          <a:latin typeface="나눔고딕" pitchFamily="50" charset="-127"/>
-                          <a:ea typeface="나눔고딕" pitchFamily="50" charset="-127"/>
-                        </a:rPr>
-                        <a:t>광고는 </a:t>
-                      </a:r>
-                      <a:r>
-                        <a:rPr lang="en-US" altLang="ko-KR" sz="800" b="1" dirty="0" smtClean="0">
-                          <a:solidFill>
-                            <a:srgbClr val="00AAAE"/>
-                          </a:solidFill>
-                          <a:latin typeface="나눔고딕" pitchFamily="50" charset="-127"/>
-                          <a:ea typeface="나눔고딕" pitchFamily="50" charset="-127"/>
-                        </a:rPr>
-                        <a:t>BGM</a:t>
-                      </a:r>
-                      <a:r>
-                        <a:rPr lang="ko-KR" altLang="en-US" sz="800" b="1" dirty="0" smtClean="0">
-                          <a:solidFill>
-                            <a:srgbClr val="00AAAE"/>
-                          </a:solidFill>
-                          <a:latin typeface="나눔고딕" pitchFamily="50" charset="-127"/>
-                          <a:ea typeface="나눔고딕" pitchFamily="50" charset="-127"/>
-                        </a:rPr>
-                        <a:t>이 훌륭하네요 </a:t>
-                      </a:r>
-                    </a:p>
-                  </a:txBody>
-                  <a:tcPr marL="0" marR="0" marT="0" marB="0">
-                    <a:lnT w="12700" cap="flat" cmpd="sng" algn="ctr">
-                      <a:solidFill>
-                        <a:schemeClr val="tx1"/>
-                      </a:solidFill>
-                      <a:prstDash val="solid"/>
-                      <a:round/>
-                      <a:headEnd type="none" w="med" len="med"/>
-                      <a:tailEnd type="none" w="med" len="med"/>
-                    </a:lnT>
-                    <a:lnB w="3175" cap="flat" cmpd="sng" algn="ctr">
-                      <a:solidFill>
-                        <a:srgbClr val="00AAAE"/>
-                      </a:solidFill>
-                      <a:prstDash val="solid"/>
-                      <a:round/>
-                      <a:headEnd type="none" w="med" len="med"/>
-                      <a:tailEnd type="none" w="med" len="med"/>
-                    </a:lnB>
-                  </a:tcPr>
-                </a:tc>
-                <a:extLst>
-                  <a:ext uri="{0D108BD9-81ED-4DB2-BD59-A6C34878D82A}">
-                    <a16:rowId xmlns:a16="http://schemas.microsoft.com/office/drawing/2014/main" val="10000"/>
-                  </a:ext>
-                </a:extLst>
-              </a:tr>
-              <a:tr h="756000">
-                <a:tc>
-                  <a:txBody>
-                    <a:bodyPr/>
-                    <a:lstStyle/>
-                    <a:p>
-                      <a:pPr marL="0" marR="0" indent="0" algn="l" defTabSz="1043056" rtl="0" eaLnBrk="1" fontAlgn="auto" latinLnBrk="1" hangingPunct="1">
-                        <a:lnSpc>
-                          <a:spcPts val="1500"/>
-                        </a:lnSpc>
-                        <a:spcBef>
-                          <a:spcPts val="0"/>
-                        </a:spcBef>
-                        <a:spcAft>
-                          <a:spcPts val="0"/>
-                        </a:spcAft>
-                        <a:buClrTx/>
-                        <a:buSzTx/>
-                        <a:buFontTx/>
-                        <a:buNone/>
-                        <a:tabLst/>
-                        <a:defRPr/>
-                      </a:pPr>
-                      <a:endParaRPr lang="ko-KR" altLang="en-US" sz="800" dirty="0" smtClean="0">
-                        <a:solidFill>
-                          <a:srgbClr val="745EA8"/>
-                        </a:solidFill>
-                        <a:latin typeface="나눔고딕" pitchFamily="50" charset="-127"/>
-                        <a:ea typeface="나눔고딕" pitchFamily="50" charset="-127"/>
-                      </a:endParaRPr>
-                    </a:p>
-                  </a:txBody>
-                  <a:tcPr marL="0" marR="0" marT="0" marB="0">
-                    <a:lnT w="3175" cap="flat" cmpd="sng" algn="ctr">
-                      <a:solidFill>
-                        <a:srgbClr val="00AAAE"/>
-                      </a:solidFill>
-                      <a:prstDash val="solid"/>
-                      <a:round/>
-                      <a:headEnd type="none" w="med" len="med"/>
-                      <a:tailEnd type="none" w="med" len="med"/>
-                    </a:lnT>
-                    <a:lnB w="3175" cap="flat" cmpd="sng" algn="ctr">
-                      <a:solidFill>
-                        <a:srgbClr val="745EA8"/>
-                      </a:solidFill>
-                      <a:prstDash val="solid"/>
-                      <a:round/>
-                      <a:headEnd type="none" w="med" len="med"/>
-                      <a:tailEnd type="none" w="med" len="med"/>
-                    </a:lnB>
-                  </a:tcPr>
-                </a:tc>
-                <a:extLst>
-                  <a:ext uri="{0D108BD9-81ED-4DB2-BD59-A6C34878D82A}">
-                    <a16:rowId xmlns:a16="http://schemas.microsoft.com/office/drawing/2014/main" val="10001"/>
-                  </a:ext>
-                </a:extLst>
-              </a:tr>
-              <a:tr h="416175">
-                <a:tc>
-                  <a:txBody>
-                    <a:bodyPr/>
-                    <a:lstStyle/>
-                    <a:p>
-                      <a:pPr latinLnBrk="1">
-                        <a:lnSpc>
-                          <a:spcPts val="1500"/>
-                        </a:lnSpc>
-                      </a:pPr>
-                      <a:endParaRPr lang="ko-KR" altLang="en-US" sz="800" dirty="0">
-                        <a:latin typeface="나눔고딕" pitchFamily="50" charset="-127"/>
-                        <a:ea typeface="나눔고딕" pitchFamily="50" charset="-127"/>
-                      </a:endParaRPr>
-                    </a:p>
-                  </a:txBody>
-                  <a:tcPr marL="0" marR="0" marT="0" marB="0">
-                    <a:lnT w="3175" cap="flat" cmpd="sng" algn="ctr">
-                      <a:solidFill>
-                        <a:srgbClr val="745EA8"/>
-                      </a:solidFill>
-                      <a:prstDash val="solid"/>
-                      <a:round/>
-                      <a:headEnd type="none" w="med" len="med"/>
-                      <a:tailEnd type="none" w="med" len="med"/>
-                    </a:lnT>
-                  </a:tcPr>
-                </a:tc>
-                <a:extLst>
-                  <a:ext uri="{0D108BD9-81ED-4DB2-BD59-A6C34878D82A}">
-                    <a16:rowId xmlns:a16="http://schemas.microsoft.com/office/drawing/2014/main" val="10002"/>
-                  </a:ext>
-                </a:extLst>
-              </a:tr>
-            </a:tbl>
-          </a:graphicData>
-        </a:graphic>
-      </p:graphicFrame>
-      <p:cxnSp>
-        <p:nvCxnSpPr>
-          <p:cNvPr id="20" name="직선 연결선 19"/>
-          <p:cNvCxnSpPr/>
-          <p:nvPr/>
-        </p:nvCxnSpPr>
-        <p:spPr>
-          <a:xfrm>
-            <a:off x="5439853" y="3576637"/>
-            <a:ext cx="4860000" cy="9525"/>
-          </a:xfrm>
-          <a:prstGeom prst="line">
-            <a:avLst/>
-          </a:prstGeom>
-          <a:ln w="3810">
-            <a:solidFill>
-              <a:srgbClr val="00AAAE"/>
-            </a:solidFill>
-          </a:ln>
-        </p:spPr>
-        <p:style>
-          <a:lnRef idx="1">
-            <a:schemeClr val="accent1"/>
-          </a:lnRef>
-          <a:fillRef idx="0">
-            <a:schemeClr val="accent1"/>
-          </a:fillRef>
-          <a:effectRef idx="0">
-            <a:schemeClr val="accent1"/>
-          </a:effectRef>
-          <a:fontRef idx="minor">
-            <a:schemeClr val="tx1"/>
-          </a:fontRef>
-        </p:style>
-      </p:cxnSp>
-      <p:cxnSp>
-        <p:nvCxnSpPr>
-          <p:cNvPr id="21" name="직선 연결선 20"/>
-          <p:cNvCxnSpPr/>
-          <p:nvPr/>
-        </p:nvCxnSpPr>
-        <p:spPr>
-          <a:xfrm>
-            <a:off x="5439853" y="3767137"/>
-            <a:ext cx="4860000" cy="9525"/>
-          </a:xfrm>
-          <a:prstGeom prst="line">
-            <a:avLst/>
-          </a:prstGeom>
-          <a:ln w="3810">
-            <a:solidFill>
-              <a:srgbClr val="00AAAE"/>
-            </a:solidFill>
-          </a:ln>
-        </p:spPr>
-        <p:style>
-          <a:lnRef idx="1">
-            <a:schemeClr val="accent1"/>
-          </a:lnRef>
-          <a:fillRef idx="0">
-            <a:schemeClr val="accent1"/>
-          </a:fillRef>
-          <a:effectRef idx="0">
-            <a:schemeClr val="accent1"/>
-          </a:effectRef>
-          <a:fontRef idx="minor">
-            <a:schemeClr val="tx1"/>
-          </a:fontRef>
-        </p:style>
-      </p:cxnSp>
-      <p:cxnSp>
-        <p:nvCxnSpPr>
-          <p:cNvPr id="22" name="직선 연결선 21"/>
-          <p:cNvCxnSpPr/>
-          <p:nvPr/>
-        </p:nvCxnSpPr>
-        <p:spPr>
-          <a:xfrm>
-            <a:off x="5439853" y="3957637"/>
-            <a:ext cx="4860000" cy="9525"/>
-          </a:xfrm>
-          <a:prstGeom prst="line">
-            <a:avLst/>
-          </a:prstGeom>
-          <a:ln w="3810">
-            <a:solidFill>
-              <a:srgbClr val="00AAAE"/>
-            </a:solidFill>
-          </a:ln>
-        </p:spPr>
-        <p:style>
-          <a:lnRef idx="1">
-            <a:schemeClr val="accent1"/>
-          </a:lnRef>
-          <a:fillRef idx="0">
-            <a:schemeClr val="accent1"/>
-          </a:fillRef>
-          <a:effectRef idx="0">
-            <a:schemeClr val="accent1"/>
-          </a:effectRef>
-          <a:fontRef idx="minor">
-            <a:schemeClr val="tx1"/>
-          </a:fontRef>
-        </p:style>
-      </p:cxnSp>
-      <p:cxnSp>
-        <p:nvCxnSpPr>
-          <p:cNvPr id="23" name="직선 연결선 22"/>
-          <p:cNvCxnSpPr/>
-          <p:nvPr/>
-        </p:nvCxnSpPr>
-        <p:spPr>
-          <a:xfrm>
-            <a:off x="5439853" y="4148137"/>
-            <a:ext cx="4860000" cy="9525"/>
-          </a:xfrm>
-          <a:prstGeom prst="line">
-            <a:avLst/>
-          </a:prstGeom>
-          <a:ln w="3810">
-            <a:solidFill>
-              <a:srgbClr val="00AAAE"/>
-            </a:solidFill>
-          </a:ln>
-        </p:spPr>
-        <p:style>
-          <a:lnRef idx="1">
-            <a:schemeClr val="accent1"/>
-          </a:lnRef>
-          <a:fillRef idx="0">
-            <a:schemeClr val="accent1"/>
-          </a:fillRef>
-          <a:effectRef idx="0">
-            <a:schemeClr val="accent1"/>
-          </a:effectRef>
-          <a:fontRef idx="minor">
-            <a:schemeClr val="tx1"/>
-          </a:fontRef>
-        </p:style>
-      </p:cxnSp>
-      <p:cxnSp>
-        <p:nvCxnSpPr>
-          <p:cNvPr id="24" name="직선 연결선 23"/>
-          <p:cNvCxnSpPr/>
-          <p:nvPr/>
-        </p:nvCxnSpPr>
-        <p:spPr>
-          <a:xfrm>
-            <a:off x="5439853" y="4338637"/>
-            <a:ext cx="4860000" cy="9525"/>
-          </a:xfrm>
-          <a:prstGeom prst="line">
-            <a:avLst/>
-          </a:prstGeom>
-          <a:ln w="3810">
-            <a:solidFill>
-              <a:srgbClr val="00AAAE"/>
-            </a:solidFill>
-          </a:ln>
-        </p:spPr>
-        <p:style>
-          <a:lnRef idx="1">
-            <a:schemeClr val="accent1"/>
-          </a:lnRef>
-          <a:fillRef idx="0">
-            <a:schemeClr val="accent1"/>
-          </a:fillRef>
-          <a:effectRef idx="0">
-            <a:schemeClr val="accent1"/>
-          </a:effectRef>
-          <a:fontRef idx="minor">
-            <a:schemeClr val="tx1"/>
-          </a:fontRef>
-        </p:style>
-      </p:cxnSp>
-      <p:cxnSp>
-        <p:nvCxnSpPr>
-          <p:cNvPr id="25" name="직선 연결선 24"/>
-          <p:cNvCxnSpPr/>
-          <p:nvPr/>
-        </p:nvCxnSpPr>
-        <p:spPr>
-          <a:xfrm>
-            <a:off x="5439853" y="4529137"/>
-            <a:ext cx="4860000" cy="9525"/>
-          </a:xfrm>
-          <a:prstGeom prst="line">
-            <a:avLst/>
-          </a:prstGeom>
-          <a:ln w="3810">
-            <a:solidFill>
-              <a:srgbClr val="00AAAE"/>
-            </a:solidFill>
-          </a:ln>
-        </p:spPr>
-        <p:style>
-          <a:lnRef idx="1">
-            <a:schemeClr val="accent1"/>
-          </a:lnRef>
-          <a:fillRef idx="0">
-            <a:schemeClr val="accent1"/>
-          </a:fillRef>
-          <a:effectRef idx="0">
-            <a:schemeClr val="accent1"/>
-          </a:effectRef>
-          <a:fontRef idx="minor">
-            <a:schemeClr val="tx1"/>
-          </a:fontRef>
-        </p:style>
-      </p:cxnSp>
-      <p:cxnSp>
-        <p:nvCxnSpPr>
-          <p:cNvPr id="26" name="직선 연결선 25"/>
-          <p:cNvCxnSpPr/>
-          <p:nvPr/>
-        </p:nvCxnSpPr>
-        <p:spPr>
-          <a:xfrm>
-            <a:off x="5439853" y="4719639"/>
-            <a:ext cx="4860000" cy="9525"/>
-          </a:xfrm>
-          <a:prstGeom prst="line">
-            <a:avLst/>
-          </a:prstGeom>
-          <a:ln w="3810">
-            <a:solidFill>
-              <a:srgbClr val="00AAAE"/>
-            </a:solidFill>
-          </a:ln>
-        </p:spPr>
-        <p:style>
-          <a:lnRef idx="1">
-            <a:schemeClr val="accent1"/>
-          </a:lnRef>
-          <a:fillRef idx="0">
-            <a:schemeClr val="accent1"/>
-          </a:fillRef>
-          <a:effectRef idx="0">
-            <a:schemeClr val="accent1"/>
-          </a:effectRef>
-          <a:fontRef idx="minor">
-            <a:schemeClr val="tx1"/>
-          </a:fontRef>
-        </p:style>
-      </p:cxnSp>
-      <p:cxnSp>
-        <p:nvCxnSpPr>
-          <p:cNvPr id="27" name="직선 연결선 26"/>
-          <p:cNvCxnSpPr/>
-          <p:nvPr/>
-        </p:nvCxnSpPr>
-        <p:spPr>
-          <a:xfrm>
-            <a:off x="5439853" y="5105401"/>
-            <a:ext cx="4860000" cy="9525"/>
-          </a:xfrm>
-          <a:prstGeom prst="line">
-            <a:avLst/>
-          </a:prstGeom>
-          <a:ln w="3810">
-            <a:solidFill>
-              <a:srgbClr val="745EA8"/>
-            </a:solidFill>
-          </a:ln>
-        </p:spPr>
-        <p:style>
-          <a:lnRef idx="1">
-            <a:schemeClr val="accent1"/>
-          </a:lnRef>
-          <a:fillRef idx="0">
-            <a:schemeClr val="accent1"/>
-          </a:fillRef>
-          <a:effectRef idx="0">
-            <a:schemeClr val="accent1"/>
-          </a:effectRef>
-          <a:fontRef idx="minor">
-            <a:schemeClr val="tx1"/>
-          </a:fontRef>
-        </p:style>
-      </p:cxnSp>
-      <p:cxnSp>
-        <p:nvCxnSpPr>
-          <p:cNvPr id="28" name="직선 연결선 27"/>
-          <p:cNvCxnSpPr/>
-          <p:nvPr/>
-        </p:nvCxnSpPr>
-        <p:spPr>
-          <a:xfrm>
-            <a:off x="5439853" y="5295901"/>
-            <a:ext cx="4860000" cy="9525"/>
-          </a:xfrm>
-          <a:prstGeom prst="line">
-            <a:avLst/>
-          </a:prstGeom>
-          <a:ln w="3810">
-            <a:solidFill>
-              <a:srgbClr val="745EA8"/>
-            </a:solidFill>
-          </a:ln>
-        </p:spPr>
-        <p:style>
-          <a:lnRef idx="1">
-            <a:schemeClr val="accent1"/>
-          </a:lnRef>
-          <a:fillRef idx="0">
-            <a:schemeClr val="accent1"/>
-          </a:fillRef>
-          <a:effectRef idx="0">
-            <a:schemeClr val="accent1"/>
-          </a:effectRef>
-          <a:fontRef idx="minor">
-            <a:schemeClr val="tx1"/>
-          </a:fontRef>
-        </p:style>
-      </p:cxnSp>
-      <p:cxnSp>
-        <p:nvCxnSpPr>
-          <p:cNvPr id="29" name="직선 연결선 28"/>
-          <p:cNvCxnSpPr/>
-          <p:nvPr/>
-        </p:nvCxnSpPr>
-        <p:spPr>
-          <a:xfrm>
-            <a:off x="5439853" y="5486403"/>
-            <a:ext cx="4860000" cy="9525"/>
-          </a:xfrm>
-          <a:prstGeom prst="line">
-            <a:avLst/>
-          </a:prstGeom>
-          <a:ln w="3810">
-            <a:solidFill>
-              <a:srgbClr val="745EA8"/>
-            </a:solidFill>
-          </a:ln>
-        </p:spPr>
-        <p:style>
-          <a:lnRef idx="1">
-            <a:schemeClr val="accent1"/>
-          </a:lnRef>
-          <a:fillRef idx="0">
-            <a:schemeClr val="accent1"/>
-          </a:fillRef>
-          <a:effectRef idx="0">
-            <a:schemeClr val="accent1"/>
-          </a:effectRef>
-          <a:fontRef idx="minor">
-            <a:schemeClr val="tx1"/>
-          </a:fontRef>
-        </p:style>
-      </p:cxnSp>
-      <p:sp>
-        <p:nvSpPr>
-          <p:cNvPr id="31" name="직사각형 30"/>
-          <p:cNvSpPr/>
-          <p:nvPr/>
-        </p:nvSpPr>
-        <p:spPr>
-          <a:xfrm>
-            <a:off x="3058584" y="3218402"/>
-            <a:ext cx="1084792" cy="123111"/>
-          </a:xfrm>
-          <a:prstGeom prst="rect">
-            <a:avLst/>
-          </a:prstGeom>
-        </p:spPr>
-        <p:txBody>
-          <a:bodyPr wrap="square" lIns="0" tIns="0" rIns="0" bIns="0">
-            <a:spAutoFit/>
-          </a:bodyPr>
-          <a:lstStyle/>
-          <a:p>
-            <a:r>
-              <a:rPr lang="ko-KR" altLang="en-US" sz="800" b="1" dirty="0" smtClean="0">
-                <a:latin typeface="나눔고딕" pitchFamily="50" charset="-127"/>
-                <a:ea typeface="나눔고딕" pitchFamily="50" charset="-127"/>
-              </a:rPr>
-              <a:t>출처</a:t>
-            </a:r>
-            <a:endParaRPr lang="en-US" altLang="ko-KR" sz="800" b="1" dirty="0" smtClean="0">
-              <a:latin typeface="나눔고딕" pitchFamily="50" charset="-127"/>
-              <a:ea typeface="나눔고딕" pitchFamily="50" charset="-127"/>
-            </a:endParaRPr>
-          </a:p>
-        </p:txBody>
-      </p:sp>
-      <p:sp>
-        <p:nvSpPr>
-          <p:cNvPr id="32" name="직사각형 31"/>
-          <p:cNvSpPr/>
-          <p:nvPr/>
-        </p:nvSpPr>
-        <p:spPr>
-          <a:xfrm>
-            <a:off x="4358760" y="3218402"/>
-            <a:ext cx="1084792" cy="123111"/>
-          </a:xfrm>
-          <a:prstGeom prst="rect">
-            <a:avLst/>
-          </a:prstGeom>
-        </p:spPr>
-        <p:txBody>
-          <a:bodyPr wrap="square" lIns="0" tIns="0" rIns="0" bIns="0">
-            <a:spAutoFit/>
-          </a:bodyPr>
-          <a:lstStyle/>
-          <a:p>
-            <a:r>
-              <a:rPr lang="ko-KR" altLang="en-US" sz="800" b="1" smtClean="0">
-                <a:latin typeface="나눔고딕" pitchFamily="50" charset="-127"/>
-                <a:ea typeface="나눔고딕" pitchFamily="50" charset="-127"/>
-              </a:rPr>
-              <a:t>분류</a:t>
-            </a:r>
-            <a:endParaRPr lang="en-US" altLang="ko-KR" sz="800" b="1" dirty="0" smtClean="0">
-              <a:latin typeface="나눔고딕" pitchFamily="50" charset="-127"/>
-              <a:ea typeface="나눔고딕" pitchFamily="50" charset="-127"/>
-            </a:endParaRPr>
-          </a:p>
-        </p:txBody>
-      </p:sp>
-      <p:sp>
-        <p:nvSpPr>
-          <p:cNvPr id="33" name="직사각형 32"/>
-          <p:cNvSpPr/>
-          <p:nvPr/>
-        </p:nvSpPr>
-        <p:spPr>
-          <a:xfrm>
-            <a:off x="5439853" y="3218402"/>
-            <a:ext cx="1084792" cy="123111"/>
-          </a:xfrm>
-          <a:prstGeom prst="rect">
-            <a:avLst/>
-          </a:prstGeom>
-        </p:spPr>
-        <p:txBody>
-          <a:bodyPr wrap="square" lIns="0" tIns="0" rIns="0" bIns="0">
-            <a:spAutoFit/>
-          </a:bodyPr>
-          <a:lstStyle/>
-          <a:p>
-            <a:r>
-              <a:rPr lang="ko-KR" altLang="en-US" sz="800" b="1" dirty="0" smtClean="0">
-                <a:latin typeface="나눔고딕" pitchFamily="50" charset="-127"/>
-                <a:ea typeface="나눔고딕" pitchFamily="50" charset="-127"/>
-              </a:rPr>
-              <a:t>내용요약</a:t>
-            </a:r>
-            <a:endParaRPr lang="en-US" altLang="ko-KR" sz="800" b="1" dirty="0" smtClean="0">
-              <a:latin typeface="나눔고딕" pitchFamily="50" charset="-127"/>
-              <a:ea typeface="나눔고딕" pitchFamily="50" charset="-127"/>
             </a:endParaRPr>
           </a:p>
         </p:txBody>
@@ -14435,9 +12230,6 @@
               </a:rPr>
               <a:t>Analysis</a:t>
             </a:r>
-            <a:endParaRPr lang="en-US" altLang="ko-KR" b="1" spc="0" dirty="0" smtClean="0">
-              <a:latin typeface="Eras Bold ITC" panose="020B0907030504020204" pitchFamily="34" charset="0"/>
-            </a:endParaRPr>
           </a:p>
         </p:txBody>
       </p:sp>
@@ -14475,18 +12267,103 @@
           </a:p>
         </p:txBody>
       </p:sp>
+      <p:grpSp>
+        <p:nvGrpSpPr>
+          <p:cNvPr id="36" name="그룹 35"/>
+          <p:cNvGrpSpPr/>
+          <p:nvPr/>
+        </p:nvGrpSpPr>
+        <p:grpSpPr>
+          <a:xfrm>
+            <a:off x="2879206" y="208731"/>
+            <a:ext cx="1269949" cy="7128000"/>
+            <a:chOff x="2879206" y="208731"/>
+            <a:chExt cx="1269949" cy="7128000"/>
+          </a:xfrm>
+        </p:grpSpPr>
+        <p:cxnSp>
+          <p:nvCxnSpPr>
+            <p:cNvPr id="37" name="직선 연결선 36"/>
+            <p:cNvCxnSpPr/>
+            <p:nvPr/>
+          </p:nvCxnSpPr>
+          <p:spPr>
+            <a:xfrm rot="5400000">
+              <a:off x="-684000" y="3771937"/>
+              <a:ext cx="7128000" cy="1588"/>
+            </a:xfrm>
+            <a:prstGeom prst="line">
+              <a:avLst/>
+            </a:prstGeom>
+            <a:ln w="3175">
+              <a:solidFill>
+                <a:srgbClr val="40BFC2"/>
+              </a:solidFill>
+            </a:ln>
+          </p:spPr>
+          <p:style>
+            <a:lnRef idx="1">
+              <a:schemeClr val="accent1"/>
+            </a:lnRef>
+            <a:fillRef idx="0">
+              <a:schemeClr val="accent1"/>
+            </a:fillRef>
+            <a:effectRef idx="0">
+              <a:schemeClr val="accent1"/>
+            </a:effectRef>
+            <a:fontRef idx="minor">
+              <a:schemeClr val="tx1"/>
+            </a:fontRef>
+          </p:style>
+        </p:cxnSp>
+        <p:cxnSp>
+          <p:nvCxnSpPr>
+            <p:cNvPr id="38" name="직선 연결선 37"/>
+            <p:cNvCxnSpPr/>
+            <p:nvPr/>
+          </p:nvCxnSpPr>
+          <p:spPr>
+            <a:xfrm rot="5400000">
+              <a:off x="584361" y="3771937"/>
+              <a:ext cx="7128000" cy="1588"/>
+            </a:xfrm>
+            <a:prstGeom prst="line">
+              <a:avLst/>
+            </a:prstGeom>
+            <a:ln w="3175">
+              <a:solidFill>
+                <a:srgbClr val="40BFC2"/>
+              </a:solidFill>
+            </a:ln>
+          </p:spPr>
+          <p:style>
+            <a:lnRef idx="1">
+              <a:schemeClr val="accent1"/>
+            </a:lnRef>
+            <a:fillRef idx="0">
+              <a:schemeClr val="accent1"/>
+            </a:fillRef>
+            <a:effectRef idx="0">
+              <a:schemeClr val="accent1"/>
+            </a:effectRef>
+            <a:fontRef idx="minor">
+              <a:schemeClr val="tx1"/>
+            </a:fontRef>
+          </p:style>
+        </p:cxnSp>
+      </p:grpSp>
     </p:spTree>
   </p:cSld>
   <p:clrMapOvr>
     <a:masterClrMapping/>
   </p:clrMapOvr>
-  <mc:AlternateContent xmlns:mc="http://schemas.openxmlformats.org/markup-compatibility/2006">
-    <mc:Choice xmlns:p14="http://schemas.microsoft.com/office/powerpoint/2010/main" Requires="p14">
+  <mc:AlternateContent xmlns:mc="http://schemas.openxmlformats.org/markup-compatibility/2006" xmlns:p14="http://schemas.microsoft.com/office/powerpoint/2010/main">
+    <mc:Choice Requires="p14">
       <p:transition spd="slow" p14:dur="3400">
         <p14:reveal/>
       </p:transition>
     </mc:Choice>
-    <mc:Fallback>
+    <mc:Fallback xmlns="">
       <p:transition spd="slow">
         <p:fade/>
       </p:transition>
